--- a/scope/fig/slide.pptx
+++ b/scope/fig/slide.pptx
@@ -5,7 +5,7 @@
     <p:sldMasterId id="2147483663" r:id="rId1"/>
   </p:sldMasterIdLst>
   <p:notesMasterIdLst>
-    <p:notesMasterId r:id="rId15"/>
+    <p:notesMasterId r:id="rId21"/>
   </p:notesMasterIdLst>
   <p:sldIdLst>
     <p:sldId id="256" r:id="rId2"/>
@@ -21,6 +21,12 @@
     <p:sldId id="296" r:id="rId12"/>
     <p:sldId id="297" r:id="rId13"/>
     <p:sldId id="298" r:id="rId14"/>
+    <p:sldId id="299" r:id="rId15"/>
+    <p:sldId id="300" r:id="rId16"/>
+    <p:sldId id="301" r:id="rId17"/>
+    <p:sldId id="302" r:id="rId18"/>
+    <p:sldId id="303" r:id="rId19"/>
+    <p:sldId id="304" r:id="rId20"/>
   </p:sldIdLst>
   <p:sldSz cx="9144000" cy="6858000" type="screen4x3"/>
   <p:notesSz cx="6858000" cy="9144000"/>
@@ -3300,6 +3306,4466 @@
     <p:extLst>
       <p:ext uri="{BB962C8B-B14F-4D97-AF65-F5344CB8AC3E}">
         <p14:creationId xmlns:p14="http://schemas.microsoft.com/office/powerpoint/2010/main" val="3807708614"/>
+      </p:ext>
+    </p:extLst>
+  </p:cSld>
+  <p:clrMapOvr>
+    <a:masterClrMapping/>
+  </p:clrMapOvr>
+</p:sld>
+</file>
+
+<file path=ppt/slides/slide14.xml><?xml version="1.0" encoding="utf-8"?>
+<p:sld xmlns:a="http://schemas.openxmlformats.org/drawingml/2006/main" xmlns:r="http://schemas.openxmlformats.org/officeDocument/2006/relationships" xmlns:p="http://schemas.openxmlformats.org/presentationml/2006/main">
+  <p:cSld>
+    <p:spTree>
+      <p:nvGrpSpPr>
+        <p:cNvPr id="1" name=""/>
+        <p:cNvGrpSpPr/>
+        <p:nvPr/>
+      </p:nvGrpSpPr>
+      <p:grpSpPr>
+        <a:xfrm>
+          <a:off x="0" y="0"/>
+          <a:ext cx="0" cy="0"/>
+          <a:chOff x="0" y="0"/>
+          <a:chExt cx="0" cy="0"/>
+        </a:xfrm>
+      </p:grpSpPr>
+      <p:sp>
+        <p:nvSpPr>
+          <p:cNvPr id="2" name="テキスト プレースホルダー 1">
+            <a:extLst>
+              <a:ext uri="{FF2B5EF4-FFF2-40B4-BE49-F238E27FC236}">
+                <a16:creationId xmlns:a16="http://schemas.microsoft.com/office/drawing/2014/main" id="{652987B7-5C99-034F-AE99-6C3CF0D3CA98}"/>
+              </a:ext>
+            </a:extLst>
+          </p:cNvPr>
+          <p:cNvSpPr>
+            <a:spLocks noGrp="1"/>
+          </p:cNvSpPr>
+          <p:nvPr>
+            <p:ph type="body" sz="quarter" idx="10"/>
+          </p:nvPr>
+        </p:nvSpPr>
+        <p:spPr/>
+        <p:txBody>
+          <a:bodyPr/>
+          <a:lstStyle/>
+          <a:p>
+            <a:r>
+              <a:rPr kumimoji="1" lang="ja-JP" altLang="en-US"/>
+              <a:t>スコープ</a:t>
+            </a:r>
+          </a:p>
+        </p:txBody>
+      </p:sp>
+      <p:sp>
+        <p:nvSpPr>
+          <p:cNvPr id="5" name="テキスト ボックス 4">
+            <a:extLst>
+              <a:ext uri="{FF2B5EF4-FFF2-40B4-BE49-F238E27FC236}">
+                <a16:creationId xmlns:a16="http://schemas.microsoft.com/office/drawing/2014/main" id="{CBA9F179-F727-CE4E-8223-03E70687BD8E}"/>
+              </a:ext>
+            </a:extLst>
+          </p:cNvPr>
+          <p:cNvSpPr txBox="1"/>
+          <p:nvPr/>
+        </p:nvSpPr>
+        <p:spPr>
+          <a:xfrm>
+            <a:off x="107504" y="1196752"/>
+            <a:ext cx="8280920" cy="1077218"/>
+          </a:xfrm>
+          <a:prstGeom prst="rect">
+            <a:avLst/>
+          </a:prstGeom>
+          <a:noFill/>
+        </p:spPr>
+        <p:txBody>
+          <a:bodyPr wrap="square" rtlCol="0">
+            <a:spAutoFit/>
+          </a:bodyPr>
+          <a:lstStyle/>
+          <a:p>
+            <a:r>
+              <a:rPr lang="ja-JP" altLang="en-US" sz="3200"/>
+              <a:t>関数が作るブロック内で宣言された変数の有効範囲は、そのブロック内に制限される</a:t>
+            </a:r>
+            <a:endParaRPr lang="en-US" altLang="ja-JP" sz="3200"/>
+          </a:p>
+        </p:txBody>
+      </p:sp>
+      <p:sp>
+        <p:nvSpPr>
+          <p:cNvPr id="9" name="テキスト ボックス 8">
+            <a:extLst>
+              <a:ext uri="{FF2B5EF4-FFF2-40B4-BE49-F238E27FC236}">
+                <a16:creationId xmlns:a16="http://schemas.microsoft.com/office/drawing/2014/main" id="{92E9B8DC-E0E6-9845-ACF5-BBDA09B33BC1}"/>
+              </a:ext>
+            </a:extLst>
+          </p:cNvPr>
+          <p:cNvSpPr txBox="1"/>
+          <p:nvPr/>
+        </p:nvSpPr>
+        <p:spPr>
+          <a:xfrm>
+            <a:off x="107504" y="2564904"/>
+            <a:ext cx="8856984" cy="584775"/>
+          </a:xfrm>
+          <a:prstGeom prst="rect">
+            <a:avLst/>
+          </a:prstGeom>
+          <a:noFill/>
+        </p:spPr>
+        <p:txBody>
+          <a:bodyPr wrap="square" rtlCol="0">
+            <a:spAutoFit/>
+          </a:bodyPr>
+          <a:lstStyle/>
+          <a:p>
+            <a:r>
+              <a:rPr lang="ja-JP" altLang="en-US" sz="3200"/>
+              <a:t>変数の名前の有効範囲を</a:t>
+            </a:r>
+            <a:r>
+              <a:rPr lang="ja-JP" altLang="en-US" sz="3200">
+                <a:solidFill>
+                  <a:srgbClr val="FF0000"/>
+                </a:solidFill>
+              </a:rPr>
+              <a:t>スコープ</a:t>
+            </a:r>
+            <a:r>
+              <a:rPr lang="ja-JP" altLang="en-US" sz="3200"/>
+              <a:t>と呼ぶ</a:t>
+            </a:r>
+            <a:endParaRPr lang="en-US" altLang="ja-JP" sz="3200"/>
+          </a:p>
+        </p:txBody>
+      </p:sp>
+      <p:sp>
+        <p:nvSpPr>
+          <p:cNvPr id="11" name="テキスト ボックス 10">
+            <a:extLst>
+              <a:ext uri="{FF2B5EF4-FFF2-40B4-BE49-F238E27FC236}">
+                <a16:creationId xmlns:a16="http://schemas.microsoft.com/office/drawing/2014/main" id="{D8FEC451-29EA-EB41-BB7C-09524ED3152C}"/>
+              </a:ext>
+            </a:extLst>
+          </p:cNvPr>
+          <p:cNvSpPr txBox="1"/>
+          <p:nvPr/>
+        </p:nvSpPr>
+        <p:spPr>
+          <a:xfrm>
+            <a:off x="1043608" y="4437112"/>
+            <a:ext cx="7704856" cy="954107"/>
+          </a:xfrm>
+          <a:prstGeom prst="rect">
+            <a:avLst/>
+          </a:prstGeom>
+          <a:noFill/>
+        </p:spPr>
+        <p:txBody>
+          <a:bodyPr wrap="square" rtlCol="0">
+            <a:spAutoFit/>
+          </a:bodyPr>
+          <a:lstStyle/>
+          <a:p>
+            <a:r>
+              <a:rPr kumimoji="1" lang="ja-JP" altLang="en-US" sz="2800"/>
+              <a:t>スコープの話はわかりづらいが、ハマることが多いのできちんとイメージを</a:t>
+            </a:r>
+            <a:r>
+              <a:rPr lang="ja-JP" altLang="en-US" sz="2800"/>
+              <a:t>つかんでおくこと</a:t>
+            </a:r>
+            <a:endParaRPr kumimoji="1" lang="ja-JP" altLang="en-US" sz="2800"/>
+          </a:p>
+        </p:txBody>
+      </p:sp>
+    </p:spTree>
+    <p:extLst>
+      <p:ext uri="{BB962C8B-B14F-4D97-AF65-F5344CB8AC3E}">
+        <p14:creationId xmlns:p14="http://schemas.microsoft.com/office/powerpoint/2010/main" val="1093412303"/>
+      </p:ext>
+    </p:extLst>
+  </p:cSld>
+  <p:clrMapOvr>
+    <a:masterClrMapping/>
+  </p:clrMapOvr>
+</p:sld>
+</file>
+
+<file path=ppt/slides/slide15.xml><?xml version="1.0" encoding="utf-8"?>
+<p:sld xmlns:a="http://schemas.openxmlformats.org/drawingml/2006/main" xmlns:r="http://schemas.openxmlformats.org/officeDocument/2006/relationships" xmlns:p="http://schemas.openxmlformats.org/presentationml/2006/main">
+  <p:cSld>
+    <p:spTree>
+      <p:nvGrpSpPr>
+        <p:cNvPr id="1" name=""/>
+        <p:cNvGrpSpPr/>
+        <p:nvPr/>
+      </p:nvGrpSpPr>
+      <p:grpSpPr>
+        <a:xfrm>
+          <a:off x="0" y="0"/>
+          <a:ext cx="0" cy="0"/>
+          <a:chOff x="0" y="0"/>
+          <a:chExt cx="0" cy="0"/>
+        </a:xfrm>
+      </p:grpSpPr>
+      <p:sp>
+        <p:nvSpPr>
+          <p:cNvPr id="2" name="テキスト プレースホルダー 1">
+            <a:extLst>
+              <a:ext uri="{FF2B5EF4-FFF2-40B4-BE49-F238E27FC236}">
+                <a16:creationId xmlns:a16="http://schemas.microsoft.com/office/drawing/2014/main" id="{B9082642-DFE7-934E-8E3C-6B5772383DD3}"/>
+              </a:ext>
+            </a:extLst>
+          </p:cNvPr>
+          <p:cNvSpPr>
+            <a:spLocks noGrp="1"/>
+          </p:cNvSpPr>
+          <p:nvPr>
+            <p:ph type="body" sz="quarter" idx="10"/>
+          </p:nvPr>
+        </p:nvSpPr>
+        <p:spPr/>
+        <p:txBody>
+          <a:bodyPr/>
+          <a:lstStyle/>
+          <a:p>
+            <a:r>
+              <a:rPr kumimoji="1" lang="ja-JP" altLang="en-US"/>
+              <a:t>スコープ</a:t>
+            </a:r>
+          </a:p>
+        </p:txBody>
+      </p:sp>
+      <p:sp>
+        <p:nvSpPr>
+          <p:cNvPr id="3" name="正方形/長方形 2">
+            <a:extLst>
+              <a:ext uri="{FF2B5EF4-FFF2-40B4-BE49-F238E27FC236}">
+                <a16:creationId xmlns:a16="http://schemas.microsoft.com/office/drawing/2014/main" id="{6F8A6D97-C3E7-1E47-B2EB-39416268FE04}"/>
+              </a:ext>
+            </a:extLst>
+          </p:cNvPr>
+          <p:cNvSpPr/>
+          <p:nvPr/>
+        </p:nvSpPr>
+        <p:spPr>
+          <a:xfrm>
+            <a:off x="467544" y="1196752"/>
+            <a:ext cx="3168352" cy="2677656"/>
+          </a:xfrm>
+          <a:prstGeom prst="rect">
+            <a:avLst/>
+          </a:prstGeom>
+          <a:solidFill>
+            <a:schemeClr val="tx1"/>
+          </a:solidFill>
+        </p:spPr>
+        <p:txBody>
+          <a:bodyPr wrap="square">
+            <a:spAutoFit/>
+          </a:bodyPr>
+          <a:lstStyle/>
+          <a:p>
+            <a:r>
+              <a:rPr lang="en" altLang="ja-JP" sz="2800" b="0">
+                <a:solidFill>
+                  <a:srgbClr val="569CD6"/>
+                </a:solidFill>
+                <a:effectLst/>
+                <a:latin typeface="Menlo" panose="020B0609030804020204" pitchFamily="49" charset="0"/>
+              </a:rPr>
+              <a:t>def</a:t>
+            </a:r>
+            <a:r>
+              <a:rPr lang="en" altLang="ja-JP" sz="2800" b="0">
+                <a:solidFill>
+                  <a:srgbClr val="D4D4D4"/>
+                </a:solidFill>
+                <a:effectLst/>
+                <a:latin typeface="Menlo" panose="020B0609030804020204" pitchFamily="49" charset="0"/>
+              </a:rPr>
+              <a:t> </a:t>
+            </a:r>
+            <a:r>
+              <a:rPr lang="en" altLang="ja-JP" sz="2800" b="0">
+                <a:solidFill>
+                  <a:srgbClr val="DCDCAA"/>
+                </a:solidFill>
+                <a:effectLst/>
+                <a:latin typeface="Menlo" panose="020B0609030804020204" pitchFamily="49" charset="0"/>
+              </a:rPr>
+              <a:t>func</a:t>
+            </a:r>
+            <a:r>
+              <a:rPr lang="en" altLang="ja-JP" sz="2800" b="0">
+                <a:solidFill>
+                  <a:srgbClr val="D4D4D4"/>
+                </a:solidFill>
+                <a:effectLst/>
+                <a:latin typeface="Menlo" panose="020B0609030804020204" pitchFamily="49" charset="0"/>
+              </a:rPr>
+              <a:t>():</a:t>
+            </a:r>
+          </a:p>
+          <a:p>
+            <a:r>
+              <a:rPr lang="en" altLang="ja-JP" sz="2800" b="0">
+                <a:solidFill>
+                  <a:srgbClr val="D4D4D4"/>
+                </a:solidFill>
+                <a:effectLst/>
+                <a:latin typeface="Menlo" panose="020B0609030804020204" pitchFamily="49" charset="0"/>
+              </a:rPr>
+              <a:t>    a = </a:t>
+            </a:r>
+            <a:r>
+              <a:rPr lang="en" altLang="ja-JP" sz="2800" b="0">
+                <a:solidFill>
+                  <a:srgbClr val="B5CEA8"/>
+                </a:solidFill>
+                <a:effectLst/>
+                <a:latin typeface="Menlo" panose="020B0609030804020204" pitchFamily="49" charset="0"/>
+              </a:rPr>
+              <a:t>10</a:t>
+            </a:r>
+            <a:endParaRPr lang="en" altLang="ja-JP" sz="2800" b="0">
+              <a:solidFill>
+                <a:srgbClr val="D4D4D4"/>
+              </a:solidFill>
+              <a:effectLst/>
+              <a:latin typeface="Menlo" panose="020B0609030804020204" pitchFamily="49" charset="0"/>
+            </a:endParaRPr>
+          </a:p>
+          <a:p>
+            <a:r>
+              <a:rPr lang="en" altLang="ja-JP" sz="2800" b="0">
+                <a:solidFill>
+                  <a:srgbClr val="D4D4D4"/>
+                </a:solidFill>
+                <a:effectLst/>
+                <a:latin typeface="Menlo" panose="020B0609030804020204" pitchFamily="49" charset="0"/>
+              </a:rPr>
+              <a:t>    </a:t>
+            </a:r>
+            <a:r>
+              <a:rPr lang="en" altLang="ja-JP" sz="2800" b="0">
+                <a:solidFill>
+                  <a:srgbClr val="DCDCAA"/>
+                </a:solidFill>
+                <a:effectLst/>
+                <a:latin typeface="Menlo" panose="020B0609030804020204" pitchFamily="49" charset="0"/>
+              </a:rPr>
+              <a:t>print</a:t>
+            </a:r>
+            <a:r>
+              <a:rPr lang="en" altLang="ja-JP" sz="2800" b="0">
+                <a:solidFill>
+                  <a:srgbClr val="D4D4D4"/>
+                </a:solidFill>
+                <a:effectLst/>
+                <a:latin typeface="Menlo" panose="020B0609030804020204" pitchFamily="49" charset="0"/>
+              </a:rPr>
+              <a:t>(a)</a:t>
+            </a:r>
+          </a:p>
+          <a:p>
+            <a:br>
+              <a:rPr lang="en" altLang="ja-JP" sz="2800" b="0">
+                <a:solidFill>
+                  <a:srgbClr val="D4D4D4"/>
+                </a:solidFill>
+                <a:effectLst/>
+                <a:latin typeface="Menlo" panose="020B0609030804020204" pitchFamily="49" charset="0"/>
+              </a:rPr>
+            </a:br>
+            <a:r>
+              <a:rPr lang="en" altLang="ja-JP" sz="2800" b="0">
+                <a:solidFill>
+                  <a:srgbClr val="D4D4D4"/>
+                </a:solidFill>
+                <a:effectLst/>
+                <a:latin typeface="Menlo" panose="020B0609030804020204" pitchFamily="49" charset="0"/>
+              </a:rPr>
+              <a:t>func()</a:t>
+            </a:r>
+          </a:p>
+          <a:p>
+            <a:r>
+              <a:rPr lang="en" altLang="ja-JP" sz="2800" b="0">
+                <a:solidFill>
+                  <a:srgbClr val="DCDCAA"/>
+                </a:solidFill>
+                <a:effectLst/>
+                <a:latin typeface="Menlo" panose="020B0609030804020204" pitchFamily="49" charset="0"/>
+              </a:rPr>
+              <a:t>print</a:t>
+            </a:r>
+            <a:r>
+              <a:rPr lang="en" altLang="ja-JP" sz="2800" b="0">
+                <a:solidFill>
+                  <a:srgbClr val="D4D4D4"/>
+                </a:solidFill>
+                <a:effectLst/>
+                <a:latin typeface="Menlo" panose="020B0609030804020204" pitchFamily="49" charset="0"/>
+              </a:rPr>
+              <a:t>(a)</a:t>
+            </a:r>
+          </a:p>
+        </p:txBody>
+      </p:sp>
+      <p:sp>
+        <p:nvSpPr>
+          <p:cNvPr id="4" name="右中かっこ 3">
+            <a:extLst>
+              <a:ext uri="{FF2B5EF4-FFF2-40B4-BE49-F238E27FC236}">
+                <a16:creationId xmlns:a16="http://schemas.microsoft.com/office/drawing/2014/main" id="{BCD07ACF-DE4D-2E48-88BF-45939AE39099}"/>
+              </a:ext>
+            </a:extLst>
+          </p:cNvPr>
+          <p:cNvSpPr/>
+          <p:nvPr/>
+        </p:nvSpPr>
+        <p:spPr>
+          <a:xfrm>
+            <a:off x="3419872" y="1340768"/>
+            <a:ext cx="144016" cy="1080120"/>
+          </a:xfrm>
+          <a:prstGeom prst="rightBrace">
+            <a:avLst/>
+          </a:prstGeom>
+          <a:ln w="38100">
+            <a:solidFill>
+              <a:schemeClr val="bg1"/>
+            </a:solidFill>
+            <a:headEnd type="none" w="med" len="med"/>
+            <a:tailEnd type="none" w="med" len="med"/>
+          </a:ln>
+        </p:spPr>
+        <p:style>
+          <a:lnRef idx="1">
+            <a:schemeClr val="accent1"/>
+          </a:lnRef>
+          <a:fillRef idx="0">
+            <a:schemeClr val="accent1"/>
+          </a:fillRef>
+          <a:effectRef idx="0">
+            <a:schemeClr val="accent1"/>
+          </a:effectRef>
+          <a:fontRef idx="minor">
+            <a:schemeClr val="tx1"/>
+          </a:fontRef>
+        </p:style>
+        <p:txBody>
+          <a:bodyPr rtlCol="0" anchor="ctr"/>
+          <a:lstStyle/>
+          <a:p>
+            <a:pPr algn="ctr"/>
+            <a:endParaRPr kumimoji="1" lang="ja-JP" altLang="en-US"/>
+          </a:p>
+        </p:txBody>
+      </p:sp>
+      <p:sp>
+        <p:nvSpPr>
+          <p:cNvPr id="5" name="テキスト ボックス 4">
+            <a:extLst>
+              <a:ext uri="{FF2B5EF4-FFF2-40B4-BE49-F238E27FC236}">
+                <a16:creationId xmlns:a16="http://schemas.microsoft.com/office/drawing/2014/main" id="{93B25092-B6E3-3A40-814D-774E8BD8E692}"/>
+              </a:ext>
+            </a:extLst>
+          </p:cNvPr>
+          <p:cNvSpPr txBox="1"/>
+          <p:nvPr/>
+        </p:nvSpPr>
+        <p:spPr>
+          <a:xfrm>
+            <a:off x="3851920" y="1412776"/>
+            <a:ext cx="3929281" cy="954107"/>
+          </a:xfrm>
+          <a:prstGeom prst="rect">
+            <a:avLst/>
+          </a:prstGeom>
+          <a:noFill/>
+        </p:spPr>
+        <p:txBody>
+          <a:bodyPr wrap="none" rtlCol="0">
+            <a:spAutoFit/>
+          </a:bodyPr>
+          <a:lstStyle/>
+          <a:p>
+            <a:r>
+              <a:rPr kumimoji="1" lang="ja-JP" altLang="en-US" sz="2800"/>
+              <a:t>関数の中で変数</a:t>
+            </a:r>
+            <a:r>
+              <a:rPr kumimoji="1" lang="en-US" altLang="ja-JP" sz="2800"/>
+              <a:t>a</a:t>
+            </a:r>
+            <a:r>
+              <a:rPr kumimoji="1" lang="ja-JP" altLang="en-US" sz="2800"/>
+              <a:t>を宣言</a:t>
+            </a:r>
+            <a:endParaRPr kumimoji="1" lang="en-US" altLang="ja-JP" sz="2800"/>
+          </a:p>
+          <a:p>
+            <a:r>
+              <a:rPr lang="ja-JP" altLang="en-US" sz="2800"/>
+              <a:t>それを表示</a:t>
+            </a:r>
+            <a:endParaRPr kumimoji="1" lang="ja-JP" altLang="en-US" sz="2800"/>
+          </a:p>
+        </p:txBody>
+      </p:sp>
+      <p:sp>
+        <p:nvSpPr>
+          <p:cNvPr id="6" name="テキスト ボックス 5">
+            <a:extLst>
+              <a:ext uri="{FF2B5EF4-FFF2-40B4-BE49-F238E27FC236}">
+                <a16:creationId xmlns:a16="http://schemas.microsoft.com/office/drawing/2014/main" id="{D5787A5D-89B8-4D43-A62A-20CBE3DBF37B}"/>
+              </a:ext>
+            </a:extLst>
+          </p:cNvPr>
+          <p:cNvSpPr txBox="1"/>
+          <p:nvPr/>
+        </p:nvSpPr>
+        <p:spPr>
+          <a:xfrm>
+            <a:off x="3923928" y="2852936"/>
+            <a:ext cx="3416320" cy="954107"/>
+          </a:xfrm>
+          <a:prstGeom prst="rect">
+            <a:avLst/>
+          </a:prstGeom>
+          <a:noFill/>
+        </p:spPr>
+        <p:txBody>
+          <a:bodyPr wrap="none" rtlCol="0">
+            <a:spAutoFit/>
+          </a:bodyPr>
+          <a:lstStyle/>
+          <a:p>
+            <a:r>
+              <a:rPr kumimoji="1" lang="ja-JP" altLang="en-US" sz="2800"/>
+              <a:t>関数を実行してから</a:t>
+            </a:r>
+            <a:endParaRPr kumimoji="1" lang="en-US" altLang="ja-JP" sz="2800"/>
+          </a:p>
+          <a:p>
+            <a:r>
+              <a:rPr lang="en-US" altLang="ja-JP" sz="2800"/>
+              <a:t>a</a:t>
+            </a:r>
+            <a:r>
+              <a:rPr lang="ja-JP" altLang="en-US" sz="2800"/>
+              <a:t>を表示→エラー</a:t>
+            </a:r>
+            <a:endParaRPr kumimoji="1" lang="ja-JP" altLang="en-US" sz="2800"/>
+          </a:p>
+        </p:txBody>
+      </p:sp>
+      <p:sp>
+        <p:nvSpPr>
+          <p:cNvPr id="7" name="右中かっこ 6">
+            <a:extLst>
+              <a:ext uri="{FF2B5EF4-FFF2-40B4-BE49-F238E27FC236}">
+                <a16:creationId xmlns:a16="http://schemas.microsoft.com/office/drawing/2014/main" id="{D75DE824-56BB-FF43-938B-EF4778512211}"/>
+              </a:ext>
+            </a:extLst>
+          </p:cNvPr>
+          <p:cNvSpPr/>
+          <p:nvPr/>
+        </p:nvSpPr>
+        <p:spPr>
+          <a:xfrm>
+            <a:off x="3419872" y="2852936"/>
+            <a:ext cx="144016" cy="936104"/>
+          </a:xfrm>
+          <a:prstGeom prst="rightBrace">
+            <a:avLst/>
+          </a:prstGeom>
+          <a:ln w="38100">
+            <a:solidFill>
+              <a:schemeClr val="bg1"/>
+            </a:solidFill>
+            <a:headEnd type="none" w="med" len="med"/>
+            <a:tailEnd type="none" w="med" len="med"/>
+          </a:ln>
+        </p:spPr>
+        <p:style>
+          <a:lnRef idx="1">
+            <a:schemeClr val="accent1"/>
+          </a:lnRef>
+          <a:fillRef idx="0">
+            <a:schemeClr val="accent1"/>
+          </a:fillRef>
+          <a:effectRef idx="0">
+            <a:schemeClr val="accent1"/>
+          </a:effectRef>
+          <a:fontRef idx="minor">
+            <a:schemeClr val="tx1"/>
+          </a:fontRef>
+        </p:style>
+        <p:txBody>
+          <a:bodyPr rtlCol="0" anchor="ctr"/>
+          <a:lstStyle/>
+          <a:p>
+            <a:pPr algn="ctr"/>
+            <a:endParaRPr kumimoji="1" lang="ja-JP" altLang="en-US"/>
+          </a:p>
+        </p:txBody>
+      </p:sp>
+      <p:sp>
+        <p:nvSpPr>
+          <p:cNvPr id="8" name="テキスト ボックス 7">
+            <a:extLst>
+              <a:ext uri="{FF2B5EF4-FFF2-40B4-BE49-F238E27FC236}">
+                <a16:creationId xmlns:a16="http://schemas.microsoft.com/office/drawing/2014/main" id="{7907AD14-BF46-2C4E-BE20-B9FCE0962921}"/>
+              </a:ext>
+            </a:extLst>
+          </p:cNvPr>
+          <p:cNvSpPr txBox="1"/>
+          <p:nvPr/>
+        </p:nvSpPr>
+        <p:spPr>
+          <a:xfrm>
+            <a:off x="395536" y="4293096"/>
+            <a:ext cx="5760640" cy="1077218"/>
+          </a:xfrm>
+          <a:prstGeom prst="rect">
+            <a:avLst/>
+          </a:prstGeom>
+          <a:noFill/>
+        </p:spPr>
+        <p:txBody>
+          <a:bodyPr wrap="square" rtlCol="0">
+            <a:spAutoFit/>
+          </a:bodyPr>
+          <a:lstStyle/>
+          <a:p>
+            <a:r>
+              <a:rPr lang="ja-JP" altLang="en-US" sz="3200"/>
+              <a:t>関数の中で作られた変数は、関数の中でしか参照できない</a:t>
+            </a:r>
+            <a:endParaRPr lang="en-US" altLang="ja-JP" sz="3200"/>
+          </a:p>
+        </p:txBody>
+      </p:sp>
+      <p:sp>
+        <p:nvSpPr>
+          <p:cNvPr id="9" name="正方形/長方形 8">
+            <a:extLst>
+              <a:ext uri="{FF2B5EF4-FFF2-40B4-BE49-F238E27FC236}">
+                <a16:creationId xmlns:a16="http://schemas.microsoft.com/office/drawing/2014/main" id="{FE252794-984F-8644-A7F0-32F8C9062569}"/>
+              </a:ext>
+            </a:extLst>
+          </p:cNvPr>
+          <p:cNvSpPr/>
+          <p:nvPr/>
+        </p:nvSpPr>
+        <p:spPr>
+          <a:xfrm>
+            <a:off x="395536" y="5445224"/>
+            <a:ext cx="8568952" cy="954107"/>
+          </a:xfrm>
+          <a:prstGeom prst="rect">
+            <a:avLst/>
+          </a:prstGeom>
+        </p:spPr>
+        <p:txBody>
+          <a:bodyPr wrap="square">
+            <a:spAutoFit/>
+          </a:bodyPr>
+          <a:lstStyle/>
+          <a:p>
+            <a:r>
+              <a:rPr lang="ja-JP" altLang="en-US" sz="2800"/>
+              <a:t>関数が作るスコープを</a:t>
+            </a:r>
+            <a:r>
+              <a:rPr lang="ja-JP" altLang="en-US" sz="2800">
+                <a:solidFill>
+                  <a:srgbClr val="FF0000"/>
+                </a:solidFill>
+              </a:rPr>
+              <a:t>ローカルスコープ</a:t>
+            </a:r>
+            <a:r>
+              <a:rPr lang="ja-JP" altLang="en-US" sz="2800"/>
+              <a:t>と呼ぶ</a:t>
+            </a:r>
+            <a:endParaRPr lang="en-US" altLang="ja-JP" sz="2800"/>
+          </a:p>
+          <a:p>
+            <a:r>
+              <a:rPr lang="ja-JP" altLang="en-US" sz="2800"/>
+              <a:t>ローカルスコープに済む変数を</a:t>
+            </a:r>
+            <a:r>
+              <a:rPr lang="ja-JP" altLang="en-US" sz="2800">
+                <a:solidFill>
+                  <a:srgbClr val="FF0000"/>
+                </a:solidFill>
+              </a:rPr>
+              <a:t>ローカル変数</a:t>
+            </a:r>
+            <a:r>
+              <a:rPr lang="ja-JP" altLang="en-US" sz="2800"/>
+              <a:t>と呼ぶ</a:t>
+            </a:r>
+            <a:endParaRPr lang="en-US" altLang="ja-JP" sz="2800"/>
+          </a:p>
+        </p:txBody>
+      </p:sp>
+    </p:spTree>
+    <p:extLst>
+      <p:ext uri="{BB962C8B-B14F-4D97-AF65-F5344CB8AC3E}">
+        <p14:creationId xmlns:p14="http://schemas.microsoft.com/office/powerpoint/2010/main" val="38048958"/>
+      </p:ext>
+    </p:extLst>
+  </p:cSld>
+  <p:clrMapOvr>
+    <a:masterClrMapping/>
+  </p:clrMapOvr>
+</p:sld>
+</file>
+
+<file path=ppt/slides/slide16.xml><?xml version="1.0" encoding="utf-8"?>
+<p:sld xmlns:a="http://schemas.openxmlformats.org/drawingml/2006/main" xmlns:r="http://schemas.openxmlformats.org/officeDocument/2006/relationships" xmlns:p="http://schemas.openxmlformats.org/presentationml/2006/main">
+  <p:cSld>
+    <p:spTree>
+      <p:nvGrpSpPr>
+        <p:cNvPr id="1" name=""/>
+        <p:cNvGrpSpPr/>
+        <p:nvPr/>
+      </p:nvGrpSpPr>
+      <p:grpSpPr>
+        <a:xfrm>
+          <a:off x="0" y="0"/>
+          <a:ext cx="0" cy="0"/>
+          <a:chOff x="0" y="0"/>
+          <a:chExt cx="0" cy="0"/>
+        </a:xfrm>
+      </p:grpSpPr>
+      <p:sp>
+        <p:nvSpPr>
+          <p:cNvPr id="2" name="テキスト プレースホルダー 1">
+            <a:extLst>
+              <a:ext uri="{FF2B5EF4-FFF2-40B4-BE49-F238E27FC236}">
+                <a16:creationId xmlns:a16="http://schemas.microsoft.com/office/drawing/2014/main" id="{5545A2A0-9367-204C-A098-00802BC29FF5}"/>
+              </a:ext>
+            </a:extLst>
+          </p:cNvPr>
+          <p:cNvSpPr>
+            <a:spLocks noGrp="1"/>
+          </p:cNvSpPr>
+          <p:nvPr>
+            <p:ph type="body" sz="quarter" idx="10"/>
+          </p:nvPr>
+        </p:nvSpPr>
+        <p:spPr/>
+        <p:txBody>
+          <a:bodyPr/>
+          <a:lstStyle/>
+          <a:p>
+            <a:r>
+              <a:rPr kumimoji="1" lang="ja-JP" altLang="en-US"/>
+              <a:t>スコープ</a:t>
+            </a:r>
+          </a:p>
+        </p:txBody>
+      </p:sp>
+      <p:sp>
+        <p:nvSpPr>
+          <p:cNvPr id="3" name="正方形/長方形 2">
+            <a:extLst>
+              <a:ext uri="{FF2B5EF4-FFF2-40B4-BE49-F238E27FC236}">
+                <a16:creationId xmlns:a16="http://schemas.microsoft.com/office/drawing/2014/main" id="{9EBF12BC-9C73-5940-B740-7E0A1526F9EB}"/>
+              </a:ext>
+            </a:extLst>
+          </p:cNvPr>
+          <p:cNvSpPr/>
+          <p:nvPr/>
+        </p:nvSpPr>
+        <p:spPr>
+          <a:xfrm>
+            <a:off x="323528" y="1196752"/>
+            <a:ext cx="2736304" cy="2308324"/>
+          </a:xfrm>
+          <a:prstGeom prst="rect">
+            <a:avLst/>
+          </a:prstGeom>
+          <a:solidFill>
+            <a:schemeClr val="tx1"/>
+          </a:solidFill>
+        </p:spPr>
+        <p:txBody>
+          <a:bodyPr wrap="square">
+            <a:spAutoFit/>
+          </a:bodyPr>
+          <a:lstStyle/>
+          <a:p>
+            <a:r>
+              <a:rPr lang="en" altLang="ja-JP" sz="2400" b="0">
+                <a:solidFill>
+                  <a:srgbClr val="D4D4D4"/>
+                </a:solidFill>
+                <a:effectLst/>
+                <a:latin typeface="Menlo" panose="020B0609030804020204" pitchFamily="49" charset="0"/>
+              </a:rPr>
+              <a:t>a = </a:t>
+            </a:r>
+            <a:r>
+              <a:rPr lang="en" altLang="ja-JP" sz="2400" b="0">
+                <a:solidFill>
+                  <a:srgbClr val="B5CEA8"/>
+                </a:solidFill>
+                <a:effectLst/>
+                <a:latin typeface="Menlo" panose="020B0609030804020204" pitchFamily="49" charset="0"/>
+              </a:rPr>
+              <a:t>10</a:t>
+            </a:r>
+            <a:endParaRPr lang="en" altLang="ja-JP" sz="2400" b="0">
+              <a:solidFill>
+                <a:srgbClr val="D4D4D4"/>
+              </a:solidFill>
+              <a:effectLst/>
+              <a:latin typeface="Menlo" panose="020B0609030804020204" pitchFamily="49" charset="0"/>
+            </a:endParaRPr>
+          </a:p>
+          <a:p>
+            <a:br>
+              <a:rPr lang="en" altLang="ja-JP" sz="2400" b="0">
+                <a:solidFill>
+                  <a:srgbClr val="D4D4D4"/>
+                </a:solidFill>
+                <a:effectLst/>
+                <a:latin typeface="Menlo" panose="020B0609030804020204" pitchFamily="49" charset="0"/>
+              </a:rPr>
+            </a:br>
+            <a:r>
+              <a:rPr lang="en" altLang="ja-JP" sz="2400" b="0">
+                <a:solidFill>
+                  <a:srgbClr val="569CD6"/>
+                </a:solidFill>
+                <a:effectLst/>
+                <a:latin typeface="Menlo" panose="020B0609030804020204" pitchFamily="49" charset="0"/>
+              </a:rPr>
+              <a:t>def</a:t>
+            </a:r>
+            <a:r>
+              <a:rPr lang="en" altLang="ja-JP" sz="2400" b="0">
+                <a:solidFill>
+                  <a:srgbClr val="D4D4D4"/>
+                </a:solidFill>
+                <a:effectLst/>
+                <a:latin typeface="Menlo" panose="020B0609030804020204" pitchFamily="49" charset="0"/>
+              </a:rPr>
+              <a:t> </a:t>
+            </a:r>
+            <a:r>
+              <a:rPr lang="en" altLang="ja-JP" sz="2400" b="0">
+                <a:solidFill>
+                  <a:srgbClr val="DCDCAA"/>
+                </a:solidFill>
+                <a:effectLst/>
+                <a:latin typeface="Menlo" panose="020B0609030804020204" pitchFamily="49" charset="0"/>
+              </a:rPr>
+              <a:t>func</a:t>
+            </a:r>
+            <a:r>
+              <a:rPr lang="en" altLang="ja-JP" sz="2400" b="0">
+                <a:solidFill>
+                  <a:srgbClr val="D4D4D4"/>
+                </a:solidFill>
+                <a:effectLst/>
+                <a:latin typeface="Menlo" panose="020B0609030804020204" pitchFamily="49" charset="0"/>
+              </a:rPr>
+              <a:t>():</a:t>
+            </a:r>
+          </a:p>
+          <a:p>
+            <a:r>
+              <a:rPr lang="en" altLang="ja-JP" sz="2400" b="0">
+                <a:solidFill>
+                  <a:srgbClr val="D4D4D4"/>
+                </a:solidFill>
+                <a:effectLst/>
+                <a:latin typeface="Menlo" panose="020B0609030804020204" pitchFamily="49" charset="0"/>
+              </a:rPr>
+              <a:t>    </a:t>
+            </a:r>
+            <a:r>
+              <a:rPr lang="en" altLang="ja-JP" sz="2400" b="0">
+                <a:solidFill>
+                  <a:srgbClr val="DCDCAA"/>
+                </a:solidFill>
+                <a:effectLst/>
+                <a:latin typeface="Menlo" panose="020B0609030804020204" pitchFamily="49" charset="0"/>
+              </a:rPr>
+              <a:t>print</a:t>
+            </a:r>
+            <a:r>
+              <a:rPr lang="en" altLang="ja-JP" sz="2400" b="0">
+                <a:solidFill>
+                  <a:srgbClr val="D4D4D4"/>
+                </a:solidFill>
+                <a:effectLst/>
+                <a:latin typeface="Menlo" panose="020B0609030804020204" pitchFamily="49" charset="0"/>
+              </a:rPr>
+              <a:t>(a)</a:t>
+            </a:r>
+          </a:p>
+          <a:p>
+            <a:br>
+              <a:rPr lang="en" altLang="ja-JP" sz="2400" b="0">
+                <a:solidFill>
+                  <a:srgbClr val="D4D4D4"/>
+                </a:solidFill>
+                <a:effectLst/>
+                <a:latin typeface="Menlo" panose="020B0609030804020204" pitchFamily="49" charset="0"/>
+              </a:rPr>
+            </a:br>
+            <a:r>
+              <a:rPr lang="en" altLang="ja-JP" sz="2400" b="0">
+                <a:solidFill>
+                  <a:srgbClr val="D4D4D4"/>
+                </a:solidFill>
+                <a:effectLst/>
+                <a:latin typeface="Menlo" panose="020B0609030804020204" pitchFamily="49" charset="0"/>
+              </a:rPr>
+              <a:t>func()</a:t>
+            </a:r>
+          </a:p>
+        </p:txBody>
+      </p:sp>
+      <p:sp>
+        <p:nvSpPr>
+          <p:cNvPr id="4" name="テキスト ボックス 3">
+            <a:extLst>
+              <a:ext uri="{FF2B5EF4-FFF2-40B4-BE49-F238E27FC236}">
+                <a16:creationId xmlns:a16="http://schemas.microsoft.com/office/drawing/2014/main" id="{E47FF493-5C1D-8646-BC4A-7432B1A8F54B}"/>
+              </a:ext>
+            </a:extLst>
+          </p:cNvPr>
+          <p:cNvSpPr txBox="1"/>
+          <p:nvPr/>
+        </p:nvSpPr>
+        <p:spPr>
+          <a:xfrm>
+            <a:off x="3203848" y="1268760"/>
+            <a:ext cx="3775393" cy="523220"/>
+          </a:xfrm>
+          <a:prstGeom prst="rect">
+            <a:avLst/>
+          </a:prstGeom>
+          <a:noFill/>
+        </p:spPr>
+        <p:txBody>
+          <a:bodyPr wrap="none" rtlCol="0">
+            <a:spAutoFit/>
+          </a:bodyPr>
+          <a:lstStyle/>
+          <a:p>
+            <a:r>
+              <a:rPr kumimoji="1" lang="ja-JP" altLang="en-US" sz="2800"/>
+              <a:t>関数の外で変数を宣言</a:t>
+            </a:r>
+          </a:p>
+        </p:txBody>
+      </p:sp>
+      <p:sp>
+        <p:nvSpPr>
+          <p:cNvPr id="5" name="テキスト ボックス 4">
+            <a:extLst>
+              <a:ext uri="{FF2B5EF4-FFF2-40B4-BE49-F238E27FC236}">
+                <a16:creationId xmlns:a16="http://schemas.microsoft.com/office/drawing/2014/main" id="{5A70AD5E-8746-AD4A-8128-7A21E535C1D9}"/>
+              </a:ext>
+            </a:extLst>
+          </p:cNvPr>
+          <p:cNvSpPr txBox="1"/>
+          <p:nvPr/>
+        </p:nvSpPr>
+        <p:spPr>
+          <a:xfrm>
+            <a:off x="3192284" y="2132856"/>
+            <a:ext cx="5929828" cy="523220"/>
+          </a:xfrm>
+          <a:prstGeom prst="rect">
+            <a:avLst/>
+          </a:prstGeom>
+          <a:noFill/>
+        </p:spPr>
+        <p:txBody>
+          <a:bodyPr wrap="none" rtlCol="0">
+            <a:spAutoFit/>
+          </a:bodyPr>
+          <a:lstStyle/>
+          <a:p>
+            <a:r>
+              <a:rPr kumimoji="1" lang="ja-JP" altLang="en-US" sz="2800"/>
+              <a:t>外で定義された変数を関数内で表示</a:t>
+            </a:r>
+          </a:p>
+        </p:txBody>
+      </p:sp>
+      <p:sp>
+        <p:nvSpPr>
+          <p:cNvPr id="6" name="テキスト ボックス 5">
+            <a:extLst>
+              <a:ext uri="{FF2B5EF4-FFF2-40B4-BE49-F238E27FC236}">
+                <a16:creationId xmlns:a16="http://schemas.microsoft.com/office/drawing/2014/main" id="{E6AD36A8-1AE0-204B-A22D-19E2CB6F63D7}"/>
+              </a:ext>
+            </a:extLst>
+          </p:cNvPr>
+          <p:cNvSpPr txBox="1"/>
+          <p:nvPr/>
+        </p:nvSpPr>
+        <p:spPr>
+          <a:xfrm>
+            <a:off x="3203848" y="2996952"/>
+            <a:ext cx="5237331" cy="523220"/>
+          </a:xfrm>
+          <a:prstGeom prst="rect">
+            <a:avLst/>
+          </a:prstGeom>
+          <a:noFill/>
+        </p:spPr>
+        <p:txBody>
+          <a:bodyPr wrap="none" rtlCol="0">
+            <a:spAutoFit/>
+          </a:bodyPr>
+          <a:lstStyle/>
+          <a:p>
+            <a:r>
+              <a:rPr kumimoji="1" lang="ja-JP" altLang="en-US" sz="2800"/>
+              <a:t>関数の実行</a:t>
+            </a:r>
+            <a:r>
+              <a:rPr kumimoji="1" lang="en-US" altLang="ja-JP" sz="2800"/>
+              <a:t>(a</a:t>
+            </a:r>
+            <a:r>
+              <a:rPr kumimoji="1" lang="ja-JP" altLang="en-US" sz="2800"/>
+              <a:t>の値が表示される</a:t>
+            </a:r>
+            <a:r>
+              <a:rPr kumimoji="1" lang="en-US" altLang="ja-JP" sz="2800"/>
+              <a:t>)</a:t>
+            </a:r>
+            <a:endParaRPr kumimoji="1" lang="ja-JP" altLang="en-US" sz="2800"/>
+          </a:p>
+        </p:txBody>
+      </p:sp>
+      <p:sp>
+        <p:nvSpPr>
+          <p:cNvPr id="7" name="テキスト ボックス 6">
+            <a:extLst>
+              <a:ext uri="{FF2B5EF4-FFF2-40B4-BE49-F238E27FC236}">
+                <a16:creationId xmlns:a16="http://schemas.microsoft.com/office/drawing/2014/main" id="{18DFA2CB-2458-8E42-BC28-51E9DA5310B7}"/>
+              </a:ext>
+            </a:extLst>
+          </p:cNvPr>
+          <p:cNvSpPr txBox="1"/>
+          <p:nvPr/>
+        </p:nvSpPr>
+        <p:spPr>
+          <a:xfrm>
+            <a:off x="251520" y="4005064"/>
+            <a:ext cx="5760640" cy="1077218"/>
+          </a:xfrm>
+          <a:prstGeom prst="rect">
+            <a:avLst/>
+          </a:prstGeom>
+          <a:noFill/>
+        </p:spPr>
+        <p:txBody>
+          <a:bodyPr wrap="square" rtlCol="0">
+            <a:spAutoFit/>
+          </a:bodyPr>
+          <a:lstStyle/>
+          <a:p>
+            <a:r>
+              <a:rPr lang="ja-JP" altLang="en-US" sz="3200"/>
+              <a:t>関数の外で定義された変数は</a:t>
+            </a:r>
+            <a:endParaRPr lang="en-US" altLang="ja-JP" sz="3200"/>
+          </a:p>
+          <a:p>
+            <a:r>
+              <a:rPr lang="ja-JP" altLang="en-US" sz="3200"/>
+              <a:t>関数の中でも利用できる</a:t>
+            </a:r>
+            <a:endParaRPr lang="en-US" altLang="ja-JP" sz="3200"/>
+          </a:p>
+        </p:txBody>
+      </p:sp>
+      <p:sp>
+        <p:nvSpPr>
+          <p:cNvPr id="8" name="テキスト ボックス 7">
+            <a:extLst>
+              <a:ext uri="{FF2B5EF4-FFF2-40B4-BE49-F238E27FC236}">
+                <a16:creationId xmlns:a16="http://schemas.microsoft.com/office/drawing/2014/main" id="{D342C951-4892-704A-A3DB-A1679BFC4E37}"/>
+              </a:ext>
+            </a:extLst>
+          </p:cNvPr>
+          <p:cNvSpPr txBox="1"/>
+          <p:nvPr/>
+        </p:nvSpPr>
+        <p:spPr>
+          <a:xfrm>
+            <a:off x="251520" y="5301208"/>
+            <a:ext cx="8424936" cy="1384995"/>
+          </a:xfrm>
+          <a:prstGeom prst="rect">
+            <a:avLst/>
+          </a:prstGeom>
+          <a:noFill/>
+        </p:spPr>
+        <p:txBody>
+          <a:bodyPr wrap="square" rtlCol="0">
+            <a:spAutoFit/>
+          </a:bodyPr>
+          <a:lstStyle/>
+          <a:p>
+            <a:r>
+              <a:rPr lang="ja-JP" altLang="en-US" sz="2800"/>
+              <a:t>関数の外のスコープを</a:t>
+            </a:r>
+            <a:r>
+              <a:rPr lang="ja-JP" altLang="en-US" sz="2800">
+                <a:solidFill>
+                  <a:srgbClr val="FF0000"/>
+                </a:solidFill>
+              </a:rPr>
+              <a:t>グローバルスコープ</a:t>
+            </a:r>
+            <a:r>
+              <a:rPr lang="ja-JP" altLang="en-US" sz="2800"/>
+              <a:t>と呼ぶ</a:t>
+            </a:r>
+            <a:endParaRPr lang="en-US" altLang="ja-JP" sz="2800"/>
+          </a:p>
+          <a:p>
+            <a:r>
+              <a:rPr lang="ja-JP" altLang="en-US" sz="2800"/>
+              <a:t>グローバルスコープに住む変数を</a:t>
+            </a:r>
+            <a:r>
+              <a:rPr lang="ja-JP" altLang="en-US" sz="2800">
+                <a:solidFill>
+                  <a:srgbClr val="FF0000"/>
+                </a:solidFill>
+              </a:rPr>
+              <a:t>グローバル変数</a:t>
+            </a:r>
+            <a:r>
+              <a:rPr lang="ja-JP" altLang="en-US" sz="2800"/>
+              <a:t>と呼ぶ</a:t>
+            </a:r>
+            <a:endParaRPr lang="en-US" altLang="ja-JP" sz="2800"/>
+          </a:p>
+        </p:txBody>
+      </p:sp>
+    </p:spTree>
+    <p:extLst>
+      <p:ext uri="{BB962C8B-B14F-4D97-AF65-F5344CB8AC3E}">
+        <p14:creationId xmlns:p14="http://schemas.microsoft.com/office/powerpoint/2010/main" val="1514232771"/>
+      </p:ext>
+    </p:extLst>
+  </p:cSld>
+  <p:clrMapOvr>
+    <a:masterClrMapping/>
+  </p:clrMapOvr>
+</p:sld>
+</file>
+
+<file path=ppt/slides/slide17.xml><?xml version="1.0" encoding="utf-8"?>
+<p:sld xmlns:a="http://schemas.openxmlformats.org/drawingml/2006/main" xmlns:r="http://schemas.openxmlformats.org/officeDocument/2006/relationships" xmlns:p="http://schemas.openxmlformats.org/presentationml/2006/main">
+  <p:cSld>
+    <p:spTree>
+      <p:nvGrpSpPr>
+        <p:cNvPr id="1" name=""/>
+        <p:cNvGrpSpPr/>
+        <p:nvPr/>
+      </p:nvGrpSpPr>
+      <p:grpSpPr>
+        <a:xfrm>
+          <a:off x="0" y="0"/>
+          <a:ext cx="0" cy="0"/>
+          <a:chOff x="0" y="0"/>
+          <a:chExt cx="0" cy="0"/>
+        </a:xfrm>
+      </p:grpSpPr>
+      <p:sp>
+        <p:nvSpPr>
+          <p:cNvPr id="2" name="テキスト プレースホルダー 1">
+            <a:extLst>
+              <a:ext uri="{FF2B5EF4-FFF2-40B4-BE49-F238E27FC236}">
+                <a16:creationId xmlns:a16="http://schemas.microsoft.com/office/drawing/2014/main" id="{F204FEAA-BE2D-A648-BBAC-61E76C0D4EC5}"/>
+              </a:ext>
+            </a:extLst>
+          </p:cNvPr>
+          <p:cNvSpPr>
+            <a:spLocks noGrp="1"/>
+          </p:cNvSpPr>
+          <p:nvPr>
+            <p:ph type="body" sz="quarter" idx="10"/>
+          </p:nvPr>
+        </p:nvSpPr>
+        <p:spPr/>
+        <p:txBody>
+          <a:bodyPr/>
+          <a:lstStyle/>
+          <a:p>
+            <a:r>
+              <a:rPr kumimoji="1" lang="ja-JP" altLang="en-US"/>
+              <a:t>二種類のスコープ</a:t>
+            </a:r>
+          </a:p>
+        </p:txBody>
+      </p:sp>
+      <p:sp>
+        <p:nvSpPr>
+          <p:cNvPr id="3" name="正方形/長方形 2">
+            <a:extLst>
+              <a:ext uri="{FF2B5EF4-FFF2-40B4-BE49-F238E27FC236}">
+                <a16:creationId xmlns:a16="http://schemas.microsoft.com/office/drawing/2014/main" id="{1F8673DC-34E5-7F43-BAE0-2FBEC76AB538}"/>
+              </a:ext>
+            </a:extLst>
+          </p:cNvPr>
+          <p:cNvSpPr/>
+          <p:nvPr/>
+        </p:nvSpPr>
+        <p:spPr>
+          <a:xfrm>
+            <a:off x="5940152" y="1686132"/>
+            <a:ext cx="2707208" cy="1757680"/>
+          </a:xfrm>
+          <a:prstGeom prst="rect">
+            <a:avLst/>
+          </a:prstGeom>
+          <a:solidFill>
+            <a:schemeClr val="accent1">
+              <a:lumMod val="20000"/>
+              <a:lumOff val="80000"/>
+            </a:schemeClr>
+          </a:solidFill>
+          <a:ln>
+            <a:noFill/>
+          </a:ln>
+        </p:spPr>
+        <p:style>
+          <a:lnRef idx="2">
+            <a:schemeClr val="accent1">
+              <a:shade val="50000"/>
+            </a:schemeClr>
+          </a:lnRef>
+          <a:fillRef idx="1">
+            <a:schemeClr val="accent1"/>
+          </a:fillRef>
+          <a:effectRef idx="0">
+            <a:schemeClr val="accent1"/>
+          </a:effectRef>
+          <a:fontRef idx="minor">
+            <a:schemeClr val="lt1"/>
+          </a:fontRef>
+        </p:style>
+        <p:txBody>
+          <a:bodyPr rtlCol="0" anchor="ctr"/>
+          <a:lstStyle/>
+          <a:p>
+            <a:pPr algn="ctr"/>
+            <a:endParaRPr kumimoji="1" lang="ja-JP" altLang="en-US">
+              <a:solidFill>
+                <a:schemeClr val="tx1"/>
+              </a:solidFill>
+            </a:endParaRPr>
+          </a:p>
+        </p:txBody>
+      </p:sp>
+      <p:sp>
+        <p:nvSpPr>
+          <p:cNvPr id="4" name="正方形/長方形 3">
+            <a:extLst>
+              <a:ext uri="{FF2B5EF4-FFF2-40B4-BE49-F238E27FC236}">
+                <a16:creationId xmlns:a16="http://schemas.microsoft.com/office/drawing/2014/main" id="{C62F7012-A703-F648-9A1A-643BD3A81401}"/>
+              </a:ext>
+            </a:extLst>
+          </p:cNvPr>
+          <p:cNvSpPr/>
+          <p:nvPr/>
+        </p:nvSpPr>
+        <p:spPr>
+          <a:xfrm>
+            <a:off x="6576288" y="2537940"/>
+            <a:ext cx="2060912" cy="357232"/>
+          </a:xfrm>
+          <a:prstGeom prst="rect">
+            <a:avLst/>
+          </a:prstGeom>
+          <a:solidFill>
+            <a:srgbClr val="FF8AD8"/>
+          </a:solidFill>
+          <a:ln>
+            <a:noFill/>
+          </a:ln>
+        </p:spPr>
+        <p:style>
+          <a:lnRef idx="2">
+            <a:schemeClr val="accent1">
+              <a:shade val="50000"/>
+            </a:schemeClr>
+          </a:lnRef>
+          <a:fillRef idx="1">
+            <a:schemeClr val="accent1"/>
+          </a:fillRef>
+          <a:effectRef idx="0">
+            <a:schemeClr val="accent1"/>
+          </a:effectRef>
+          <a:fontRef idx="minor">
+            <a:schemeClr val="lt1"/>
+          </a:fontRef>
+        </p:style>
+        <p:txBody>
+          <a:bodyPr rtlCol="0" anchor="ctr"/>
+          <a:lstStyle/>
+          <a:p>
+            <a:pPr algn="ctr"/>
+            <a:endParaRPr kumimoji="1" lang="ja-JP" altLang="en-US">
+              <a:solidFill>
+                <a:schemeClr val="tx1"/>
+              </a:solidFill>
+            </a:endParaRPr>
+          </a:p>
+        </p:txBody>
+      </p:sp>
+      <p:sp>
+        <p:nvSpPr>
+          <p:cNvPr id="5" name="正方形/長方形 4">
+            <a:extLst>
+              <a:ext uri="{FF2B5EF4-FFF2-40B4-BE49-F238E27FC236}">
+                <a16:creationId xmlns:a16="http://schemas.microsoft.com/office/drawing/2014/main" id="{E1B1ACF4-1B20-3E43-94D1-E09D85F35862}"/>
+              </a:ext>
+            </a:extLst>
+          </p:cNvPr>
+          <p:cNvSpPr/>
+          <p:nvPr/>
+        </p:nvSpPr>
+        <p:spPr>
+          <a:xfrm>
+            <a:off x="646792" y="4144852"/>
+            <a:ext cx="3601288" cy="2648204"/>
+          </a:xfrm>
+          <a:prstGeom prst="rect">
+            <a:avLst/>
+          </a:prstGeom>
+          <a:solidFill>
+            <a:schemeClr val="accent1">
+              <a:lumMod val="20000"/>
+              <a:lumOff val="80000"/>
+            </a:schemeClr>
+          </a:solidFill>
+          <a:ln>
+            <a:noFill/>
+          </a:ln>
+        </p:spPr>
+        <p:style>
+          <a:lnRef idx="2">
+            <a:schemeClr val="accent1">
+              <a:shade val="50000"/>
+            </a:schemeClr>
+          </a:lnRef>
+          <a:fillRef idx="1">
+            <a:schemeClr val="accent1"/>
+          </a:fillRef>
+          <a:effectRef idx="0">
+            <a:schemeClr val="accent1"/>
+          </a:effectRef>
+          <a:fontRef idx="minor">
+            <a:schemeClr val="lt1"/>
+          </a:fontRef>
+        </p:style>
+        <p:txBody>
+          <a:bodyPr rtlCol="0" anchor="ctr"/>
+          <a:lstStyle/>
+          <a:p>
+            <a:pPr algn="ctr"/>
+            <a:endParaRPr kumimoji="1" lang="ja-JP" altLang="en-US">
+              <a:solidFill>
+                <a:schemeClr val="tx1"/>
+              </a:solidFill>
+            </a:endParaRPr>
+          </a:p>
+        </p:txBody>
+      </p:sp>
+      <p:sp>
+        <p:nvSpPr>
+          <p:cNvPr id="6" name="正方形/長方形 5">
+            <a:extLst>
+              <a:ext uri="{FF2B5EF4-FFF2-40B4-BE49-F238E27FC236}">
+                <a16:creationId xmlns:a16="http://schemas.microsoft.com/office/drawing/2014/main" id="{F36D8E98-D8CC-6C43-9E61-02C36D8B367E}"/>
+              </a:ext>
+            </a:extLst>
+          </p:cNvPr>
+          <p:cNvSpPr/>
+          <p:nvPr/>
+        </p:nvSpPr>
+        <p:spPr>
+          <a:xfrm>
+            <a:off x="636632" y="1706452"/>
+            <a:ext cx="2707208" cy="1757680"/>
+          </a:xfrm>
+          <a:prstGeom prst="rect">
+            <a:avLst/>
+          </a:prstGeom>
+          <a:solidFill>
+            <a:schemeClr val="accent1">
+              <a:lumMod val="20000"/>
+              <a:lumOff val="80000"/>
+            </a:schemeClr>
+          </a:solidFill>
+          <a:ln>
+            <a:noFill/>
+          </a:ln>
+        </p:spPr>
+        <p:style>
+          <a:lnRef idx="2">
+            <a:schemeClr val="accent1">
+              <a:shade val="50000"/>
+            </a:schemeClr>
+          </a:lnRef>
+          <a:fillRef idx="1">
+            <a:schemeClr val="accent1"/>
+          </a:fillRef>
+          <a:effectRef idx="0">
+            <a:schemeClr val="accent1"/>
+          </a:effectRef>
+          <a:fontRef idx="minor">
+            <a:schemeClr val="lt1"/>
+          </a:fontRef>
+        </p:style>
+        <p:txBody>
+          <a:bodyPr rtlCol="0" anchor="ctr"/>
+          <a:lstStyle/>
+          <a:p>
+            <a:pPr algn="ctr"/>
+            <a:endParaRPr kumimoji="1" lang="ja-JP" altLang="en-US">
+              <a:solidFill>
+                <a:schemeClr val="tx1"/>
+              </a:solidFill>
+            </a:endParaRPr>
+          </a:p>
+        </p:txBody>
+      </p:sp>
+      <p:sp>
+        <p:nvSpPr>
+          <p:cNvPr id="7" name="正方形/長方形 6">
+            <a:extLst>
+              <a:ext uri="{FF2B5EF4-FFF2-40B4-BE49-F238E27FC236}">
+                <a16:creationId xmlns:a16="http://schemas.microsoft.com/office/drawing/2014/main" id="{B07D9F7C-6589-7043-8F4C-DCF3E4DC2BA1}"/>
+              </a:ext>
+            </a:extLst>
+          </p:cNvPr>
+          <p:cNvSpPr/>
+          <p:nvPr/>
+        </p:nvSpPr>
+        <p:spPr>
+          <a:xfrm>
+            <a:off x="1150848" y="2029940"/>
+            <a:ext cx="2182832" cy="692512"/>
+          </a:xfrm>
+          <a:prstGeom prst="rect">
+            <a:avLst/>
+          </a:prstGeom>
+          <a:solidFill>
+            <a:srgbClr val="FF8AD8"/>
+          </a:solidFill>
+          <a:ln>
+            <a:noFill/>
+          </a:ln>
+        </p:spPr>
+        <p:style>
+          <a:lnRef idx="2">
+            <a:schemeClr val="accent1">
+              <a:shade val="50000"/>
+            </a:schemeClr>
+          </a:lnRef>
+          <a:fillRef idx="1">
+            <a:schemeClr val="accent1"/>
+          </a:fillRef>
+          <a:effectRef idx="0">
+            <a:schemeClr val="accent1"/>
+          </a:effectRef>
+          <a:fontRef idx="minor">
+            <a:schemeClr val="lt1"/>
+          </a:fontRef>
+        </p:style>
+        <p:txBody>
+          <a:bodyPr rtlCol="0" anchor="ctr"/>
+          <a:lstStyle/>
+          <a:p>
+            <a:pPr algn="ctr"/>
+            <a:endParaRPr kumimoji="1" lang="ja-JP" altLang="en-US">
+              <a:solidFill>
+                <a:schemeClr val="tx1"/>
+              </a:solidFill>
+            </a:endParaRPr>
+          </a:p>
+        </p:txBody>
+      </p:sp>
+      <p:sp>
+        <p:nvSpPr>
+          <p:cNvPr id="8" name="正方形/長方形 7">
+            <a:extLst>
+              <a:ext uri="{FF2B5EF4-FFF2-40B4-BE49-F238E27FC236}">
+                <a16:creationId xmlns:a16="http://schemas.microsoft.com/office/drawing/2014/main" id="{D7FA88C5-A16F-174F-B55A-8217E91E72B8}"/>
+              </a:ext>
+            </a:extLst>
+          </p:cNvPr>
+          <p:cNvSpPr/>
+          <p:nvPr/>
+        </p:nvSpPr>
+        <p:spPr>
+          <a:xfrm>
+            <a:off x="578728" y="1717148"/>
+            <a:ext cx="3024336" cy="1754326"/>
+          </a:xfrm>
+          <a:prstGeom prst="rect">
+            <a:avLst/>
+          </a:prstGeom>
+        </p:spPr>
+        <p:txBody>
+          <a:bodyPr wrap="square">
+            <a:spAutoFit/>
+          </a:bodyPr>
+          <a:lstStyle/>
+          <a:p>
+            <a:r>
+              <a:rPr lang="en-US" altLang="ja-JP">
+                <a:latin typeface="Menlo" panose="020B0609030804020204" pitchFamily="49" charset="0"/>
+                <a:cs typeface="Menlo" panose="020B0609030804020204" pitchFamily="49" charset="0"/>
+              </a:rPr>
+              <a:t>def func():</a:t>
+            </a:r>
+          </a:p>
+          <a:p>
+            <a:r>
+              <a:rPr lang="en-US" altLang="ja-JP">
+                <a:latin typeface="Menlo" panose="020B0609030804020204" pitchFamily="49" charset="0"/>
+                <a:cs typeface="Menlo" panose="020B0609030804020204" pitchFamily="49" charset="0"/>
+              </a:rPr>
+              <a:t>    a = 10</a:t>
+            </a:r>
+          </a:p>
+          <a:p>
+            <a:r>
+              <a:rPr lang="en-US" altLang="ja-JP">
+                <a:latin typeface="Menlo" panose="020B0609030804020204" pitchFamily="49" charset="0"/>
+                <a:cs typeface="Menlo" panose="020B0609030804020204" pitchFamily="49" charset="0"/>
+              </a:rPr>
+              <a:t>    print(a)</a:t>
+            </a:r>
+          </a:p>
+          <a:p>
+            <a:endParaRPr lang="en-US" altLang="ja-JP">
+              <a:latin typeface="Menlo" panose="020B0609030804020204" pitchFamily="49" charset="0"/>
+              <a:cs typeface="Menlo" panose="020B0609030804020204" pitchFamily="49" charset="0"/>
+            </a:endParaRPr>
+          </a:p>
+          <a:p>
+            <a:r>
+              <a:rPr lang="en-US" altLang="ja-JP">
+                <a:latin typeface="Menlo" panose="020B0609030804020204" pitchFamily="49" charset="0"/>
+                <a:cs typeface="Menlo" panose="020B0609030804020204" pitchFamily="49" charset="0"/>
+              </a:rPr>
+              <a:t>func()</a:t>
+            </a:r>
+          </a:p>
+          <a:p>
+            <a:r>
+              <a:rPr lang="en-US" altLang="ja-JP" b="1">
+                <a:solidFill>
+                  <a:srgbClr val="FF0000"/>
+                </a:solidFill>
+                <a:latin typeface="Menlo" panose="020B0609030804020204" pitchFamily="49" charset="0"/>
+                <a:cs typeface="Menlo" panose="020B0609030804020204" pitchFamily="49" charset="0"/>
+              </a:rPr>
+              <a:t>print(a)</a:t>
+            </a:r>
+            <a:endParaRPr lang="ja-JP" altLang="en-US" b="1">
+              <a:solidFill>
+                <a:srgbClr val="FF0000"/>
+              </a:solidFill>
+              <a:latin typeface="Menlo" panose="020B0609030804020204" pitchFamily="49" charset="0"/>
+              <a:cs typeface="Menlo" panose="020B0609030804020204" pitchFamily="49" charset="0"/>
+            </a:endParaRPr>
+          </a:p>
+        </p:txBody>
+      </p:sp>
+      <p:sp>
+        <p:nvSpPr>
+          <p:cNvPr id="9" name="正方形/長方形 8">
+            <a:extLst>
+              <a:ext uri="{FF2B5EF4-FFF2-40B4-BE49-F238E27FC236}">
+                <a16:creationId xmlns:a16="http://schemas.microsoft.com/office/drawing/2014/main" id="{7CDC359E-1680-4745-949A-94694C375C02}"/>
+              </a:ext>
+            </a:extLst>
+          </p:cNvPr>
+          <p:cNvSpPr/>
+          <p:nvPr/>
+        </p:nvSpPr>
+        <p:spPr>
+          <a:xfrm>
+            <a:off x="2388800" y="4671540"/>
+            <a:ext cx="1645920" cy="1728832"/>
+          </a:xfrm>
+          <a:prstGeom prst="rect">
+            <a:avLst/>
+          </a:prstGeom>
+          <a:solidFill>
+            <a:srgbClr val="FF8AD8"/>
+          </a:solidFill>
+          <a:ln>
+            <a:noFill/>
+          </a:ln>
+        </p:spPr>
+        <p:style>
+          <a:lnRef idx="2">
+            <a:schemeClr val="accent1">
+              <a:shade val="50000"/>
+            </a:schemeClr>
+          </a:lnRef>
+          <a:fillRef idx="1">
+            <a:schemeClr val="accent1"/>
+          </a:fillRef>
+          <a:effectRef idx="0">
+            <a:schemeClr val="accent1"/>
+          </a:effectRef>
+          <a:fontRef idx="minor">
+            <a:schemeClr val="lt1"/>
+          </a:fontRef>
+        </p:style>
+        <p:txBody>
+          <a:bodyPr rtlCol="0" anchor="ctr"/>
+          <a:lstStyle/>
+          <a:p>
+            <a:pPr algn="ctr"/>
+            <a:endParaRPr kumimoji="1" lang="ja-JP" altLang="en-US">
+              <a:solidFill>
+                <a:schemeClr val="tx1"/>
+              </a:solidFill>
+            </a:endParaRPr>
+          </a:p>
+        </p:txBody>
+      </p:sp>
+      <p:pic>
+        <p:nvPicPr>
+          <p:cNvPr id="10" name="図 9">
+            <a:extLst>
+              <a:ext uri="{FF2B5EF4-FFF2-40B4-BE49-F238E27FC236}">
+                <a16:creationId xmlns:a16="http://schemas.microsoft.com/office/drawing/2014/main" id="{6081C2D6-9C1A-5143-A569-2AE47B434A86}"/>
+              </a:ext>
+            </a:extLst>
+          </p:cNvPr>
+          <p:cNvPicPr>
+            <a:picLocks noChangeAspect="1"/>
+          </p:cNvPicPr>
+          <p:nvPr/>
+        </p:nvPicPr>
+        <p:blipFill>
+          <a:blip r:embed="rId2"/>
+          <a:stretch>
+            <a:fillRect/>
+          </a:stretch>
+        </p:blipFill>
+        <p:spPr>
+          <a:xfrm>
+            <a:off x="2699792" y="5157192"/>
+            <a:ext cx="1130300" cy="1130300"/>
+          </a:xfrm>
+          <a:prstGeom prst="rect">
+            <a:avLst/>
+          </a:prstGeom>
+        </p:spPr>
+      </p:pic>
+      <p:pic>
+        <p:nvPicPr>
+          <p:cNvPr id="11" name="図 10">
+            <a:extLst>
+              <a:ext uri="{FF2B5EF4-FFF2-40B4-BE49-F238E27FC236}">
+                <a16:creationId xmlns:a16="http://schemas.microsoft.com/office/drawing/2014/main" id="{214DD240-6A7D-234F-86BA-EA737601CA89}"/>
+              </a:ext>
+            </a:extLst>
+          </p:cNvPr>
+          <p:cNvPicPr>
+            <a:picLocks noChangeAspect="1"/>
+          </p:cNvPicPr>
+          <p:nvPr/>
+        </p:nvPicPr>
+        <p:blipFill>
+          <a:blip r:embed="rId3"/>
+          <a:stretch>
+            <a:fillRect/>
+          </a:stretch>
+        </p:blipFill>
+        <p:spPr>
+          <a:xfrm flipH="1">
+            <a:off x="671783" y="4774772"/>
+            <a:ext cx="1461974" cy="1615440"/>
+          </a:xfrm>
+          <a:prstGeom prst="rect">
+            <a:avLst/>
+          </a:prstGeom>
+        </p:spPr>
+      </p:pic>
+      <p:cxnSp>
+        <p:nvCxnSpPr>
+          <p:cNvPr id="12" name="直線矢印コネクタ 11">
+            <a:extLst>
+              <a:ext uri="{FF2B5EF4-FFF2-40B4-BE49-F238E27FC236}">
+                <a16:creationId xmlns:a16="http://schemas.microsoft.com/office/drawing/2014/main" id="{450ED36B-852A-6348-BBD5-EC44945A88A9}"/>
+              </a:ext>
+            </a:extLst>
+          </p:cNvPr>
+          <p:cNvCxnSpPr>
+            <a:cxnSpLocks/>
+          </p:cNvCxnSpPr>
+          <p:nvPr/>
+        </p:nvCxnSpPr>
+        <p:spPr>
+          <a:xfrm>
+            <a:off x="1972240" y="5333572"/>
+            <a:ext cx="772160" cy="0"/>
+          </a:xfrm>
+          <a:prstGeom prst="straightConnector1">
+            <a:avLst/>
+          </a:prstGeom>
+          <a:ln w="76200">
+            <a:solidFill>
+              <a:schemeClr val="tx1"/>
+            </a:solidFill>
+            <a:prstDash val="sysDot"/>
+            <a:tailEnd type="triangle"/>
+          </a:ln>
+        </p:spPr>
+        <p:style>
+          <a:lnRef idx="1">
+            <a:schemeClr val="accent1"/>
+          </a:lnRef>
+          <a:fillRef idx="0">
+            <a:schemeClr val="accent1"/>
+          </a:fillRef>
+          <a:effectRef idx="0">
+            <a:schemeClr val="accent1"/>
+          </a:effectRef>
+          <a:fontRef idx="minor">
+            <a:schemeClr val="tx1"/>
+          </a:fontRef>
+        </p:style>
+      </p:cxnSp>
+      <p:pic>
+        <p:nvPicPr>
+          <p:cNvPr id="13" name="図 12">
+            <a:extLst>
+              <a:ext uri="{FF2B5EF4-FFF2-40B4-BE49-F238E27FC236}">
+                <a16:creationId xmlns:a16="http://schemas.microsoft.com/office/drawing/2014/main" id="{ADCE401C-9994-5741-A418-164D4B40560E}"/>
+              </a:ext>
+            </a:extLst>
+          </p:cNvPr>
+          <p:cNvPicPr>
+            <a:picLocks noChangeAspect="1"/>
+          </p:cNvPicPr>
+          <p:nvPr/>
+        </p:nvPicPr>
+        <p:blipFill>
+          <a:blip r:embed="rId4"/>
+          <a:stretch>
+            <a:fillRect/>
+          </a:stretch>
+        </p:blipFill>
+        <p:spPr>
+          <a:xfrm>
+            <a:off x="2081460" y="4744292"/>
+            <a:ext cx="535940" cy="535940"/>
+          </a:xfrm>
+          <a:prstGeom prst="rect">
+            <a:avLst/>
+          </a:prstGeom>
+        </p:spPr>
+      </p:pic>
+      <p:sp>
+        <p:nvSpPr>
+          <p:cNvPr id="14" name="テキスト ボックス 13">
+            <a:extLst>
+              <a:ext uri="{FF2B5EF4-FFF2-40B4-BE49-F238E27FC236}">
+                <a16:creationId xmlns:a16="http://schemas.microsoft.com/office/drawing/2014/main" id="{810D8E20-4367-DB4E-8109-1AF02AEF0BED}"/>
+              </a:ext>
+            </a:extLst>
+          </p:cNvPr>
+          <p:cNvSpPr txBox="1"/>
+          <p:nvPr/>
+        </p:nvSpPr>
+        <p:spPr>
+          <a:xfrm>
+            <a:off x="1830000" y="3098372"/>
+            <a:ext cx="1569660" cy="369332"/>
+          </a:xfrm>
+          <a:prstGeom prst="rect">
+            <a:avLst/>
+          </a:prstGeom>
+          <a:noFill/>
+        </p:spPr>
+        <p:txBody>
+          <a:bodyPr wrap="none" rtlCol="0">
+            <a:spAutoFit/>
+          </a:bodyPr>
+          <a:lstStyle/>
+          <a:p>
+            <a:r>
+              <a:rPr kumimoji="1" lang="ja-JP" altLang="en-US"/>
+              <a:t>エラーになる</a:t>
+            </a:r>
+          </a:p>
+        </p:txBody>
+      </p:sp>
+      <p:sp>
+        <p:nvSpPr>
+          <p:cNvPr id="15" name="テキスト ボックス 14">
+            <a:extLst>
+              <a:ext uri="{FF2B5EF4-FFF2-40B4-BE49-F238E27FC236}">
+                <a16:creationId xmlns:a16="http://schemas.microsoft.com/office/drawing/2014/main" id="{CD987795-FA9E-6348-9C5D-4F22E3BAE91F}"/>
+              </a:ext>
+            </a:extLst>
+          </p:cNvPr>
+          <p:cNvSpPr txBox="1"/>
+          <p:nvPr/>
+        </p:nvSpPr>
+        <p:spPr>
+          <a:xfrm>
+            <a:off x="722560" y="3728292"/>
+            <a:ext cx="3416320" cy="369332"/>
+          </a:xfrm>
+          <a:prstGeom prst="rect">
+            <a:avLst/>
+          </a:prstGeom>
+          <a:noFill/>
+        </p:spPr>
+        <p:txBody>
+          <a:bodyPr wrap="none" rtlCol="0">
+            <a:spAutoFit/>
+          </a:bodyPr>
+          <a:lstStyle/>
+          <a:p>
+            <a:r>
+              <a:rPr kumimoji="1" lang="ja-JP" altLang="en-US"/>
+              <a:t>外から中を見ることはできない</a:t>
+            </a:r>
+          </a:p>
+        </p:txBody>
+      </p:sp>
+      <p:sp>
+        <p:nvSpPr>
+          <p:cNvPr id="16" name="正方形/長方形 15">
+            <a:extLst>
+              <a:ext uri="{FF2B5EF4-FFF2-40B4-BE49-F238E27FC236}">
+                <a16:creationId xmlns:a16="http://schemas.microsoft.com/office/drawing/2014/main" id="{10C2B3DB-00FF-BA4D-A370-4F2F8199F134}"/>
+              </a:ext>
+            </a:extLst>
+          </p:cNvPr>
+          <p:cNvSpPr/>
+          <p:nvPr/>
+        </p:nvSpPr>
+        <p:spPr>
+          <a:xfrm>
+            <a:off x="5983848" y="1686668"/>
+            <a:ext cx="3024336" cy="1754326"/>
+          </a:xfrm>
+          <a:prstGeom prst="rect">
+            <a:avLst/>
+          </a:prstGeom>
+        </p:spPr>
+        <p:txBody>
+          <a:bodyPr wrap="square">
+            <a:spAutoFit/>
+          </a:bodyPr>
+          <a:lstStyle/>
+          <a:p>
+            <a:r>
+              <a:rPr lang="en-US" altLang="ja-JP">
+                <a:latin typeface="Menlo" panose="020B0609030804020204" pitchFamily="49" charset="0"/>
+                <a:cs typeface="Menlo" panose="020B0609030804020204" pitchFamily="49" charset="0"/>
+              </a:rPr>
+              <a:t>a = 10</a:t>
+            </a:r>
+          </a:p>
+          <a:p>
+            <a:endParaRPr lang="en-US" altLang="ja-JP">
+              <a:latin typeface="Menlo" panose="020B0609030804020204" pitchFamily="49" charset="0"/>
+              <a:cs typeface="Menlo" panose="020B0609030804020204" pitchFamily="49" charset="0"/>
+            </a:endParaRPr>
+          </a:p>
+          <a:p>
+            <a:r>
+              <a:rPr lang="en-US" altLang="ja-JP">
+                <a:latin typeface="Menlo" panose="020B0609030804020204" pitchFamily="49" charset="0"/>
+                <a:cs typeface="Menlo" panose="020B0609030804020204" pitchFamily="49" charset="0"/>
+              </a:rPr>
+              <a:t>def func():</a:t>
+            </a:r>
+          </a:p>
+          <a:p>
+            <a:r>
+              <a:rPr lang="en-US" altLang="ja-JP">
+                <a:latin typeface="Menlo" panose="020B0609030804020204" pitchFamily="49" charset="0"/>
+                <a:cs typeface="Menlo" panose="020B0609030804020204" pitchFamily="49" charset="0"/>
+              </a:rPr>
+              <a:t>    print(a)</a:t>
+            </a:r>
+          </a:p>
+          <a:p>
+            <a:endParaRPr lang="en-US" altLang="ja-JP">
+              <a:latin typeface="Menlo" panose="020B0609030804020204" pitchFamily="49" charset="0"/>
+              <a:cs typeface="Menlo" panose="020B0609030804020204" pitchFamily="49" charset="0"/>
+            </a:endParaRPr>
+          </a:p>
+          <a:p>
+            <a:r>
+              <a:rPr lang="en-US" altLang="ja-JP">
+                <a:latin typeface="Menlo" panose="020B0609030804020204" pitchFamily="49" charset="0"/>
+                <a:cs typeface="Menlo" panose="020B0609030804020204" pitchFamily="49" charset="0"/>
+              </a:rPr>
+              <a:t>func()</a:t>
+            </a:r>
+          </a:p>
+        </p:txBody>
+      </p:sp>
+      <p:sp>
+        <p:nvSpPr>
+          <p:cNvPr id="17" name="テキスト ボックス 16">
+            <a:extLst>
+              <a:ext uri="{FF2B5EF4-FFF2-40B4-BE49-F238E27FC236}">
+                <a16:creationId xmlns:a16="http://schemas.microsoft.com/office/drawing/2014/main" id="{F59D37E0-3837-A647-8599-BF85BDEA9154}"/>
+              </a:ext>
+            </a:extLst>
+          </p:cNvPr>
+          <p:cNvSpPr txBox="1"/>
+          <p:nvPr/>
+        </p:nvSpPr>
+        <p:spPr>
+          <a:xfrm>
+            <a:off x="3486080" y="1046052"/>
+            <a:ext cx="2262158" cy="369332"/>
+          </a:xfrm>
+          <a:prstGeom prst="rect">
+            <a:avLst/>
+          </a:prstGeom>
+          <a:noFill/>
+        </p:spPr>
+        <p:txBody>
+          <a:bodyPr wrap="none" rtlCol="0">
+            <a:spAutoFit/>
+          </a:bodyPr>
+          <a:lstStyle/>
+          <a:p>
+            <a:r>
+              <a:rPr kumimoji="1" lang="ja-JP" altLang="en-US"/>
+              <a:t>グローバルスコープ</a:t>
+            </a:r>
+          </a:p>
+        </p:txBody>
+      </p:sp>
+      <p:cxnSp>
+        <p:nvCxnSpPr>
+          <p:cNvPr id="18" name="直線矢印コネクタ 17">
+            <a:extLst>
+              <a:ext uri="{FF2B5EF4-FFF2-40B4-BE49-F238E27FC236}">
+                <a16:creationId xmlns:a16="http://schemas.microsoft.com/office/drawing/2014/main" id="{EB045AC9-FC76-D54E-8990-974E3E831ED9}"/>
+              </a:ext>
+            </a:extLst>
+          </p:cNvPr>
+          <p:cNvCxnSpPr/>
+          <p:nvPr/>
+        </p:nvCxnSpPr>
+        <p:spPr>
+          <a:xfrm flipH="1">
+            <a:off x="3140640" y="1411812"/>
+            <a:ext cx="335280" cy="274320"/>
+          </a:xfrm>
+          <a:prstGeom prst="straightConnector1">
+            <a:avLst/>
+          </a:prstGeom>
+          <a:ln w="12700">
+            <a:solidFill>
+              <a:schemeClr val="tx1"/>
+            </a:solidFill>
+            <a:tailEnd type="triangle"/>
+          </a:ln>
+        </p:spPr>
+        <p:style>
+          <a:lnRef idx="1">
+            <a:schemeClr val="accent1"/>
+          </a:lnRef>
+          <a:fillRef idx="0">
+            <a:schemeClr val="accent1"/>
+          </a:fillRef>
+          <a:effectRef idx="0">
+            <a:schemeClr val="accent1"/>
+          </a:effectRef>
+          <a:fontRef idx="minor">
+            <a:schemeClr val="tx1"/>
+          </a:fontRef>
+        </p:style>
+      </p:cxnSp>
+      <p:cxnSp>
+        <p:nvCxnSpPr>
+          <p:cNvPr id="19" name="直線矢印コネクタ 18">
+            <a:extLst>
+              <a:ext uri="{FF2B5EF4-FFF2-40B4-BE49-F238E27FC236}">
+                <a16:creationId xmlns:a16="http://schemas.microsoft.com/office/drawing/2014/main" id="{C7183828-7E2F-B84F-BE01-133AD991B5EC}"/>
+              </a:ext>
+            </a:extLst>
+          </p:cNvPr>
+          <p:cNvCxnSpPr/>
+          <p:nvPr/>
+        </p:nvCxnSpPr>
+        <p:spPr>
+          <a:xfrm>
+            <a:off x="5660320" y="1330532"/>
+            <a:ext cx="335280" cy="304800"/>
+          </a:xfrm>
+          <a:prstGeom prst="straightConnector1">
+            <a:avLst/>
+          </a:prstGeom>
+          <a:ln w="12700">
+            <a:solidFill>
+              <a:schemeClr val="tx1"/>
+            </a:solidFill>
+            <a:tailEnd type="triangle"/>
+          </a:ln>
+        </p:spPr>
+        <p:style>
+          <a:lnRef idx="1">
+            <a:schemeClr val="accent1"/>
+          </a:lnRef>
+          <a:fillRef idx="0">
+            <a:schemeClr val="accent1"/>
+          </a:fillRef>
+          <a:effectRef idx="0">
+            <a:schemeClr val="accent1"/>
+          </a:effectRef>
+          <a:fontRef idx="minor">
+            <a:schemeClr val="tx1"/>
+          </a:fontRef>
+        </p:style>
+      </p:cxnSp>
+      <p:sp>
+        <p:nvSpPr>
+          <p:cNvPr id="20" name="テキスト ボックス 19">
+            <a:extLst>
+              <a:ext uri="{FF2B5EF4-FFF2-40B4-BE49-F238E27FC236}">
+                <a16:creationId xmlns:a16="http://schemas.microsoft.com/office/drawing/2014/main" id="{984AE895-A604-9F41-ADFF-F375B6A5C925}"/>
+              </a:ext>
+            </a:extLst>
+          </p:cNvPr>
+          <p:cNvSpPr txBox="1"/>
+          <p:nvPr/>
+        </p:nvSpPr>
+        <p:spPr>
+          <a:xfrm>
+            <a:off x="3618160" y="2305892"/>
+            <a:ext cx="2031325" cy="646331"/>
+          </a:xfrm>
+          <a:prstGeom prst="rect">
+            <a:avLst/>
+          </a:prstGeom>
+          <a:noFill/>
+        </p:spPr>
+        <p:txBody>
+          <a:bodyPr wrap="none" rtlCol="0">
+            <a:spAutoFit/>
+          </a:bodyPr>
+          <a:lstStyle/>
+          <a:p>
+            <a:r>
+              <a:rPr kumimoji="1" lang="ja-JP" altLang="en-US"/>
+              <a:t>関数が作る</a:t>
+            </a:r>
+            <a:endParaRPr kumimoji="1" lang="en-US" altLang="ja-JP"/>
+          </a:p>
+          <a:p>
+            <a:r>
+              <a:rPr lang="ja-JP" altLang="en-US"/>
+              <a:t>ローカルスコープ</a:t>
+            </a:r>
+            <a:endParaRPr kumimoji="1" lang="ja-JP" altLang="en-US"/>
+          </a:p>
+        </p:txBody>
+      </p:sp>
+      <p:cxnSp>
+        <p:nvCxnSpPr>
+          <p:cNvPr id="21" name="直線矢印コネクタ 20">
+            <a:extLst>
+              <a:ext uri="{FF2B5EF4-FFF2-40B4-BE49-F238E27FC236}">
+                <a16:creationId xmlns:a16="http://schemas.microsoft.com/office/drawing/2014/main" id="{F9D4F1F4-F2C2-6A40-A9FA-9DC1C90B3904}"/>
+              </a:ext>
+            </a:extLst>
+          </p:cNvPr>
+          <p:cNvCxnSpPr>
+            <a:cxnSpLocks/>
+          </p:cNvCxnSpPr>
+          <p:nvPr/>
+        </p:nvCxnSpPr>
+        <p:spPr>
+          <a:xfrm>
+            <a:off x="5660320" y="2712292"/>
+            <a:ext cx="944880" cy="0"/>
+          </a:xfrm>
+          <a:prstGeom prst="straightConnector1">
+            <a:avLst/>
+          </a:prstGeom>
+          <a:ln w="12700">
+            <a:solidFill>
+              <a:schemeClr val="tx1"/>
+            </a:solidFill>
+            <a:tailEnd type="triangle"/>
+          </a:ln>
+        </p:spPr>
+        <p:style>
+          <a:lnRef idx="1">
+            <a:schemeClr val="accent1"/>
+          </a:lnRef>
+          <a:fillRef idx="0">
+            <a:schemeClr val="accent1"/>
+          </a:fillRef>
+          <a:effectRef idx="0">
+            <a:schemeClr val="accent1"/>
+          </a:effectRef>
+          <a:fontRef idx="minor">
+            <a:schemeClr val="tx1"/>
+          </a:fontRef>
+        </p:style>
+      </p:cxnSp>
+      <p:cxnSp>
+        <p:nvCxnSpPr>
+          <p:cNvPr id="22" name="直線矢印コネクタ 21">
+            <a:extLst>
+              <a:ext uri="{FF2B5EF4-FFF2-40B4-BE49-F238E27FC236}">
+                <a16:creationId xmlns:a16="http://schemas.microsoft.com/office/drawing/2014/main" id="{46F14634-D774-3B45-8F53-FF8060468473}"/>
+              </a:ext>
+            </a:extLst>
+          </p:cNvPr>
+          <p:cNvCxnSpPr/>
+          <p:nvPr/>
+        </p:nvCxnSpPr>
+        <p:spPr>
+          <a:xfrm flipH="1">
+            <a:off x="3211760" y="2427812"/>
+            <a:ext cx="487680" cy="0"/>
+          </a:xfrm>
+          <a:prstGeom prst="straightConnector1">
+            <a:avLst/>
+          </a:prstGeom>
+          <a:ln w="12700">
+            <a:solidFill>
+              <a:schemeClr val="tx1"/>
+            </a:solidFill>
+            <a:tailEnd type="triangle"/>
+          </a:ln>
+        </p:spPr>
+        <p:style>
+          <a:lnRef idx="1">
+            <a:schemeClr val="accent1"/>
+          </a:lnRef>
+          <a:fillRef idx="0">
+            <a:schemeClr val="accent1"/>
+          </a:fillRef>
+          <a:effectRef idx="0">
+            <a:schemeClr val="accent1"/>
+          </a:effectRef>
+          <a:fontRef idx="minor">
+            <a:schemeClr val="tx1"/>
+          </a:fontRef>
+        </p:style>
+      </p:cxnSp>
+      <p:sp>
+        <p:nvSpPr>
+          <p:cNvPr id="23" name="正方形/長方形 22">
+            <a:extLst>
+              <a:ext uri="{FF2B5EF4-FFF2-40B4-BE49-F238E27FC236}">
+                <a16:creationId xmlns:a16="http://schemas.microsoft.com/office/drawing/2014/main" id="{B000B130-2B1D-964D-B12C-70C19BDF09CE}"/>
+              </a:ext>
+            </a:extLst>
+          </p:cNvPr>
+          <p:cNvSpPr/>
+          <p:nvPr/>
+        </p:nvSpPr>
+        <p:spPr>
+          <a:xfrm>
+            <a:off x="5432152" y="4165172"/>
+            <a:ext cx="3245688" cy="2648204"/>
+          </a:xfrm>
+          <a:prstGeom prst="rect">
+            <a:avLst/>
+          </a:prstGeom>
+          <a:solidFill>
+            <a:schemeClr val="accent1">
+              <a:lumMod val="20000"/>
+              <a:lumOff val="80000"/>
+            </a:schemeClr>
+          </a:solidFill>
+          <a:ln>
+            <a:noFill/>
+          </a:ln>
+        </p:spPr>
+        <p:style>
+          <a:lnRef idx="2">
+            <a:schemeClr val="accent1">
+              <a:shade val="50000"/>
+            </a:schemeClr>
+          </a:lnRef>
+          <a:fillRef idx="1">
+            <a:schemeClr val="accent1"/>
+          </a:fillRef>
+          <a:effectRef idx="0">
+            <a:schemeClr val="accent1"/>
+          </a:effectRef>
+          <a:fontRef idx="minor">
+            <a:schemeClr val="lt1"/>
+          </a:fontRef>
+        </p:style>
+        <p:txBody>
+          <a:bodyPr rtlCol="0" anchor="ctr"/>
+          <a:lstStyle/>
+          <a:p>
+            <a:pPr algn="ctr"/>
+            <a:endParaRPr kumimoji="1" lang="ja-JP" altLang="en-US">
+              <a:solidFill>
+                <a:schemeClr val="tx1"/>
+              </a:solidFill>
+            </a:endParaRPr>
+          </a:p>
+        </p:txBody>
+      </p:sp>
+      <p:sp>
+        <p:nvSpPr>
+          <p:cNvPr id="24" name="正方形/長方形 23">
+            <a:extLst>
+              <a:ext uri="{FF2B5EF4-FFF2-40B4-BE49-F238E27FC236}">
+                <a16:creationId xmlns:a16="http://schemas.microsoft.com/office/drawing/2014/main" id="{19AEA24E-8571-664C-80EA-48C0226D9A10}"/>
+              </a:ext>
+            </a:extLst>
+          </p:cNvPr>
+          <p:cNvSpPr/>
+          <p:nvPr/>
+        </p:nvSpPr>
+        <p:spPr>
+          <a:xfrm>
+            <a:off x="7174160" y="4691860"/>
+            <a:ext cx="1300480" cy="1728832"/>
+          </a:xfrm>
+          <a:prstGeom prst="rect">
+            <a:avLst/>
+          </a:prstGeom>
+          <a:solidFill>
+            <a:srgbClr val="FF8AD8"/>
+          </a:solidFill>
+          <a:ln>
+            <a:noFill/>
+          </a:ln>
+        </p:spPr>
+        <p:style>
+          <a:lnRef idx="2">
+            <a:schemeClr val="accent1">
+              <a:shade val="50000"/>
+            </a:schemeClr>
+          </a:lnRef>
+          <a:fillRef idx="1">
+            <a:schemeClr val="accent1"/>
+          </a:fillRef>
+          <a:effectRef idx="0">
+            <a:schemeClr val="accent1"/>
+          </a:effectRef>
+          <a:fontRef idx="minor">
+            <a:schemeClr val="lt1"/>
+          </a:fontRef>
+        </p:style>
+        <p:txBody>
+          <a:bodyPr rtlCol="0" anchor="ctr"/>
+          <a:lstStyle/>
+          <a:p>
+            <a:pPr algn="ctr"/>
+            <a:endParaRPr kumimoji="1" lang="ja-JP" altLang="en-US">
+              <a:solidFill>
+                <a:schemeClr val="tx1"/>
+              </a:solidFill>
+            </a:endParaRPr>
+          </a:p>
+        </p:txBody>
+      </p:sp>
+      <p:pic>
+        <p:nvPicPr>
+          <p:cNvPr id="25" name="図 24">
+            <a:extLst>
+              <a:ext uri="{FF2B5EF4-FFF2-40B4-BE49-F238E27FC236}">
+                <a16:creationId xmlns:a16="http://schemas.microsoft.com/office/drawing/2014/main" id="{670E21DC-AB87-674E-9EA7-9E340242BB31}"/>
+              </a:ext>
+            </a:extLst>
+          </p:cNvPr>
+          <p:cNvPicPr>
+            <a:picLocks noChangeAspect="1"/>
+          </p:cNvPicPr>
+          <p:nvPr/>
+        </p:nvPicPr>
+        <p:blipFill>
+          <a:blip r:embed="rId3"/>
+          <a:stretch>
+            <a:fillRect/>
+          </a:stretch>
+        </p:blipFill>
+        <p:spPr>
+          <a:xfrm flipH="1">
+            <a:off x="5457143" y="4795092"/>
+            <a:ext cx="1461974" cy="1615440"/>
+          </a:xfrm>
+          <a:prstGeom prst="rect">
+            <a:avLst/>
+          </a:prstGeom>
+        </p:spPr>
+      </p:pic>
+      <p:pic>
+        <p:nvPicPr>
+          <p:cNvPr id="26" name="図 25">
+            <a:extLst>
+              <a:ext uri="{FF2B5EF4-FFF2-40B4-BE49-F238E27FC236}">
+                <a16:creationId xmlns:a16="http://schemas.microsoft.com/office/drawing/2014/main" id="{A49DA8E3-54BA-D24D-A33C-AFD337A267BC}"/>
+              </a:ext>
+            </a:extLst>
+          </p:cNvPr>
+          <p:cNvPicPr>
+            <a:picLocks noChangeAspect="1"/>
+          </p:cNvPicPr>
+          <p:nvPr/>
+        </p:nvPicPr>
+        <p:blipFill>
+          <a:blip r:embed="rId5"/>
+          <a:stretch>
+            <a:fillRect/>
+          </a:stretch>
+        </p:blipFill>
+        <p:spPr>
+          <a:xfrm>
+            <a:off x="7020272" y="5013176"/>
+            <a:ext cx="1186053" cy="1437640"/>
+          </a:xfrm>
+          <a:prstGeom prst="rect">
+            <a:avLst/>
+          </a:prstGeom>
+        </p:spPr>
+      </p:pic>
+      <p:pic>
+        <p:nvPicPr>
+          <p:cNvPr id="27" name="図 26">
+            <a:extLst>
+              <a:ext uri="{FF2B5EF4-FFF2-40B4-BE49-F238E27FC236}">
+                <a16:creationId xmlns:a16="http://schemas.microsoft.com/office/drawing/2014/main" id="{7A90856D-70A4-184B-9BD6-A4EBC782B619}"/>
+              </a:ext>
+            </a:extLst>
+          </p:cNvPr>
+          <p:cNvPicPr>
+            <a:picLocks noChangeAspect="1"/>
+          </p:cNvPicPr>
+          <p:nvPr/>
+        </p:nvPicPr>
+        <p:blipFill>
+          <a:blip r:embed="rId6"/>
+          <a:stretch>
+            <a:fillRect/>
+          </a:stretch>
+        </p:blipFill>
+        <p:spPr>
+          <a:xfrm>
+            <a:off x="6765220" y="4795092"/>
+            <a:ext cx="464820" cy="464820"/>
+          </a:xfrm>
+          <a:prstGeom prst="rect">
+            <a:avLst/>
+          </a:prstGeom>
+        </p:spPr>
+      </p:pic>
+      <p:sp>
+        <p:nvSpPr>
+          <p:cNvPr id="28" name="テキスト ボックス 27">
+            <a:extLst>
+              <a:ext uri="{FF2B5EF4-FFF2-40B4-BE49-F238E27FC236}">
+                <a16:creationId xmlns:a16="http://schemas.microsoft.com/office/drawing/2014/main" id="{110D2BCA-1C20-0846-BF0B-24B3F89128AB}"/>
+              </a:ext>
+            </a:extLst>
+          </p:cNvPr>
+          <p:cNvSpPr txBox="1"/>
+          <p:nvPr/>
+        </p:nvSpPr>
+        <p:spPr>
+          <a:xfrm>
+            <a:off x="5386000" y="3667332"/>
+            <a:ext cx="3185487" cy="369332"/>
+          </a:xfrm>
+          <a:prstGeom prst="rect">
+            <a:avLst/>
+          </a:prstGeom>
+          <a:noFill/>
+        </p:spPr>
+        <p:txBody>
+          <a:bodyPr wrap="none" rtlCol="0">
+            <a:spAutoFit/>
+          </a:bodyPr>
+          <a:lstStyle/>
+          <a:p>
+            <a:r>
+              <a:rPr kumimoji="1" lang="ja-JP" altLang="en-US"/>
+              <a:t>中から外を見ることはできる</a:t>
+            </a:r>
+          </a:p>
+        </p:txBody>
+      </p:sp>
+      <p:sp>
+        <p:nvSpPr>
+          <p:cNvPr id="29" name="テキスト ボックス 28">
+            <a:extLst>
+              <a:ext uri="{FF2B5EF4-FFF2-40B4-BE49-F238E27FC236}">
+                <a16:creationId xmlns:a16="http://schemas.microsoft.com/office/drawing/2014/main" id="{F1567048-4988-7645-91A0-F6C6358D609F}"/>
+              </a:ext>
+            </a:extLst>
+          </p:cNvPr>
+          <p:cNvSpPr txBox="1"/>
+          <p:nvPr/>
+        </p:nvSpPr>
+        <p:spPr>
+          <a:xfrm>
+            <a:off x="1331640" y="4149080"/>
+            <a:ext cx="2262158" cy="369332"/>
+          </a:xfrm>
+          <a:prstGeom prst="rect">
+            <a:avLst/>
+          </a:prstGeom>
+          <a:noFill/>
+        </p:spPr>
+        <p:txBody>
+          <a:bodyPr wrap="none" rtlCol="0">
+            <a:spAutoFit/>
+          </a:bodyPr>
+          <a:lstStyle/>
+          <a:p>
+            <a:r>
+              <a:rPr kumimoji="1" lang="ja-JP" altLang="en-US"/>
+              <a:t>グローバルスコープ</a:t>
+            </a:r>
+          </a:p>
+        </p:txBody>
+      </p:sp>
+      <p:sp>
+        <p:nvSpPr>
+          <p:cNvPr id="30" name="テキスト ボックス 29">
+            <a:extLst>
+              <a:ext uri="{FF2B5EF4-FFF2-40B4-BE49-F238E27FC236}">
+                <a16:creationId xmlns:a16="http://schemas.microsoft.com/office/drawing/2014/main" id="{00EAFBA0-24FD-1A47-8BD7-526AFAE4347E}"/>
+              </a:ext>
+            </a:extLst>
+          </p:cNvPr>
+          <p:cNvSpPr txBox="1"/>
+          <p:nvPr/>
+        </p:nvSpPr>
+        <p:spPr>
+          <a:xfrm>
+            <a:off x="6012160" y="4149080"/>
+            <a:ext cx="2262158" cy="369332"/>
+          </a:xfrm>
+          <a:prstGeom prst="rect">
+            <a:avLst/>
+          </a:prstGeom>
+          <a:noFill/>
+        </p:spPr>
+        <p:txBody>
+          <a:bodyPr wrap="none" rtlCol="0">
+            <a:spAutoFit/>
+          </a:bodyPr>
+          <a:lstStyle/>
+          <a:p>
+            <a:r>
+              <a:rPr kumimoji="1" lang="ja-JP" altLang="en-US"/>
+              <a:t>グローバルスコープ</a:t>
+            </a:r>
+          </a:p>
+        </p:txBody>
+      </p:sp>
+      <p:sp>
+        <p:nvSpPr>
+          <p:cNvPr id="31" name="テキスト ボックス 30">
+            <a:extLst>
+              <a:ext uri="{FF2B5EF4-FFF2-40B4-BE49-F238E27FC236}">
+                <a16:creationId xmlns:a16="http://schemas.microsoft.com/office/drawing/2014/main" id="{1F54B631-2DAB-A74B-AFAD-87001438A2EC}"/>
+              </a:ext>
+            </a:extLst>
+          </p:cNvPr>
+          <p:cNvSpPr txBox="1"/>
+          <p:nvPr/>
+        </p:nvSpPr>
+        <p:spPr>
+          <a:xfrm>
+            <a:off x="2733085" y="4653136"/>
+            <a:ext cx="902811" cy="523220"/>
+          </a:xfrm>
+          <a:prstGeom prst="rect">
+            <a:avLst/>
+          </a:prstGeom>
+          <a:noFill/>
+        </p:spPr>
+        <p:txBody>
+          <a:bodyPr wrap="none" rtlCol="0">
+            <a:spAutoFit/>
+          </a:bodyPr>
+          <a:lstStyle/>
+          <a:p>
+            <a:r>
+              <a:rPr kumimoji="1" lang="ja-JP" altLang="en-US" sz="1400"/>
+              <a:t>ローカル</a:t>
+            </a:r>
+            <a:endParaRPr kumimoji="1" lang="en-US" altLang="ja-JP" sz="1400"/>
+          </a:p>
+          <a:p>
+            <a:r>
+              <a:rPr kumimoji="1" lang="ja-JP" altLang="en-US" sz="1400"/>
+              <a:t>スコープ</a:t>
+            </a:r>
+          </a:p>
+        </p:txBody>
+      </p:sp>
+      <p:sp>
+        <p:nvSpPr>
+          <p:cNvPr id="32" name="テキスト ボックス 31">
+            <a:extLst>
+              <a:ext uri="{FF2B5EF4-FFF2-40B4-BE49-F238E27FC236}">
+                <a16:creationId xmlns:a16="http://schemas.microsoft.com/office/drawing/2014/main" id="{5FD8E983-4208-3F49-948D-265CF6D3FF2B}"/>
+              </a:ext>
+            </a:extLst>
+          </p:cNvPr>
+          <p:cNvSpPr txBox="1"/>
+          <p:nvPr/>
+        </p:nvSpPr>
+        <p:spPr>
+          <a:xfrm>
+            <a:off x="7341597" y="4653136"/>
+            <a:ext cx="902811" cy="523220"/>
+          </a:xfrm>
+          <a:prstGeom prst="rect">
+            <a:avLst/>
+          </a:prstGeom>
+          <a:noFill/>
+        </p:spPr>
+        <p:txBody>
+          <a:bodyPr wrap="none" rtlCol="0">
+            <a:spAutoFit/>
+          </a:bodyPr>
+          <a:lstStyle/>
+          <a:p>
+            <a:r>
+              <a:rPr kumimoji="1" lang="ja-JP" altLang="en-US" sz="1400"/>
+              <a:t>ローカル</a:t>
+            </a:r>
+            <a:endParaRPr kumimoji="1" lang="en-US" altLang="ja-JP" sz="1400"/>
+          </a:p>
+          <a:p>
+            <a:r>
+              <a:rPr kumimoji="1" lang="ja-JP" altLang="en-US" sz="1400"/>
+              <a:t>スコープ</a:t>
+            </a:r>
+          </a:p>
+        </p:txBody>
+      </p:sp>
+    </p:spTree>
+    <p:extLst>
+      <p:ext uri="{BB962C8B-B14F-4D97-AF65-F5344CB8AC3E}">
+        <p14:creationId xmlns:p14="http://schemas.microsoft.com/office/powerpoint/2010/main" val="1196269372"/>
+      </p:ext>
+    </p:extLst>
+  </p:cSld>
+  <p:clrMapOvr>
+    <a:masterClrMapping/>
+  </p:clrMapOvr>
+</p:sld>
+</file>
+
+<file path=ppt/slides/slide18.xml><?xml version="1.0" encoding="utf-8"?>
+<p:sld xmlns:a="http://schemas.openxmlformats.org/drawingml/2006/main" xmlns:r="http://schemas.openxmlformats.org/officeDocument/2006/relationships" xmlns:p="http://schemas.openxmlformats.org/presentationml/2006/main">
+  <p:cSld>
+    <p:spTree>
+      <p:nvGrpSpPr>
+        <p:cNvPr id="1" name=""/>
+        <p:cNvGrpSpPr/>
+        <p:nvPr/>
+      </p:nvGrpSpPr>
+      <p:grpSpPr>
+        <a:xfrm>
+          <a:off x="0" y="0"/>
+          <a:ext cx="0" cy="0"/>
+          <a:chOff x="0" y="0"/>
+          <a:chExt cx="0" cy="0"/>
+        </a:xfrm>
+      </p:grpSpPr>
+      <p:sp>
+        <p:nvSpPr>
+          <p:cNvPr id="2" name="テキスト プレースホルダー 1">
+            <a:extLst>
+              <a:ext uri="{FF2B5EF4-FFF2-40B4-BE49-F238E27FC236}">
+                <a16:creationId xmlns:a16="http://schemas.microsoft.com/office/drawing/2014/main" id="{D38C0495-E669-1E46-834A-4BE634F3F14D}"/>
+              </a:ext>
+            </a:extLst>
+          </p:cNvPr>
+          <p:cNvSpPr>
+            <a:spLocks noGrp="1"/>
+          </p:cNvSpPr>
+          <p:nvPr>
+            <p:ph type="body" sz="quarter" idx="10"/>
+          </p:nvPr>
+        </p:nvSpPr>
+        <p:spPr/>
+        <p:txBody>
+          <a:bodyPr/>
+          <a:lstStyle/>
+          <a:p>
+            <a:r>
+              <a:rPr lang="ja-JP" altLang="en-US"/>
+              <a:t>名前解決</a:t>
+            </a:r>
+            <a:endParaRPr kumimoji="1" lang="ja-JP" altLang="en-US"/>
+          </a:p>
+        </p:txBody>
+      </p:sp>
+      <p:sp>
+        <p:nvSpPr>
+          <p:cNvPr id="4" name="正方形/長方形 3">
+            <a:extLst>
+              <a:ext uri="{FF2B5EF4-FFF2-40B4-BE49-F238E27FC236}">
+                <a16:creationId xmlns:a16="http://schemas.microsoft.com/office/drawing/2014/main" id="{448B18AA-F1D3-F349-B89D-1BD44B06ACC4}"/>
+              </a:ext>
+            </a:extLst>
+          </p:cNvPr>
+          <p:cNvSpPr/>
+          <p:nvPr/>
+        </p:nvSpPr>
+        <p:spPr>
+          <a:xfrm>
+            <a:off x="251520" y="1340768"/>
+            <a:ext cx="3510136" cy="3539430"/>
+          </a:xfrm>
+          <a:prstGeom prst="rect">
+            <a:avLst/>
+          </a:prstGeom>
+          <a:solidFill>
+            <a:schemeClr val="tx1"/>
+          </a:solidFill>
+        </p:spPr>
+        <p:txBody>
+          <a:bodyPr wrap="square">
+            <a:spAutoFit/>
+          </a:bodyPr>
+          <a:lstStyle/>
+          <a:p>
+            <a:r>
+              <a:rPr lang="en" altLang="ja-JP" sz="2800" b="0">
+                <a:solidFill>
+                  <a:srgbClr val="D4D4D4"/>
+                </a:solidFill>
+                <a:effectLst/>
+                <a:latin typeface="Menlo" panose="020B0609030804020204" pitchFamily="49" charset="0"/>
+              </a:rPr>
+              <a:t>a = </a:t>
+            </a:r>
+            <a:r>
+              <a:rPr lang="en" altLang="ja-JP" sz="2800" b="0">
+                <a:solidFill>
+                  <a:srgbClr val="B5CEA8"/>
+                </a:solidFill>
+                <a:effectLst/>
+                <a:latin typeface="Menlo" panose="020B0609030804020204" pitchFamily="49" charset="0"/>
+              </a:rPr>
+              <a:t>10</a:t>
+            </a:r>
+            <a:endParaRPr lang="en" altLang="ja-JP" sz="2800" b="0">
+              <a:solidFill>
+                <a:srgbClr val="D4D4D4"/>
+              </a:solidFill>
+              <a:effectLst/>
+              <a:latin typeface="Menlo" panose="020B0609030804020204" pitchFamily="49" charset="0"/>
+            </a:endParaRPr>
+          </a:p>
+          <a:p>
+            <a:br>
+              <a:rPr lang="en" altLang="ja-JP" sz="2800" b="0">
+                <a:solidFill>
+                  <a:srgbClr val="D4D4D4"/>
+                </a:solidFill>
+                <a:effectLst/>
+                <a:latin typeface="Menlo" panose="020B0609030804020204" pitchFamily="49" charset="0"/>
+              </a:rPr>
+            </a:br>
+            <a:r>
+              <a:rPr lang="en" altLang="ja-JP" sz="2800" b="0">
+                <a:solidFill>
+                  <a:srgbClr val="569CD6"/>
+                </a:solidFill>
+                <a:effectLst/>
+                <a:latin typeface="Menlo" panose="020B0609030804020204" pitchFamily="49" charset="0"/>
+              </a:rPr>
+              <a:t>def</a:t>
+            </a:r>
+            <a:r>
+              <a:rPr lang="en" altLang="ja-JP" sz="2800" b="0">
+                <a:solidFill>
+                  <a:srgbClr val="D4D4D4"/>
+                </a:solidFill>
+                <a:effectLst/>
+                <a:latin typeface="Menlo" panose="020B0609030804020204" pitchFamily="49" charset="0"/>
+              </a:rPr>
+              <a:t> </a:t>
+            </a:r>
+            <a:r>
+              <a:rPr lang="en" altLang="ja-JP" sz="2800" b="0">
+                <a:solidFill>
+                  <a:srgbClr val="DCDCAA"/>
+                </a:solidFill>
+                <a:effectLst/>
+                <a:latin typeface="Menlo" panose="020B0609030804020204" pitchFamily="49" charset="0"/>
+              </a:rPr>
+              <a:t>func</a:t>
+            </a:r>
+            <a:r>
+              <a:rPr lang="en" altLang="ja-JP" sz="2800" b="0">
+                <a:solidFill>
+                  <a:srgbClr val="D4D4D4"/>
+                </a:solidFill>
+                <a:effectLst/>
+                <a:latin typeface="Menlo" panose="020B0609030804020204" pitchFamily="49" charset="0"/>
+              </a:rPr>
+              <a:t>():</a:t>
+            </a:r>
+          </a:p>
+          <a:p>
+            <a:r>
+              <a:rPr lang="en" altLang="ja-JP" sz="2800" b="0">
+                <a:solidFill>
+                  <a:srgbClr val="D4D4D4"/>
+                </a:solidFill>
+                <a:effectLst/>
+                <a:latin typeface="Menlo" panose="020B0609030804020204" pitchFamily="49" charset="0"/>
+              </a:rPr>
+              <a:t>  a = </a:t>
+            </a:r>
+            <a:r>
+              <a:rPr lang="en" altLang="ja-JP" sz="2800" b="0">
+                <a:solidFill>
+                  <a:srgbClr val="B5CEA8"/>
+                </a:solidFill>
+                <a:effectLst/>
+                <a:latin typeface="Menlo" panose="020B0609030804020204" pitchFamily="49" charset="0"/>
+              </a:rPr>
+              <a:t>20</a:t>
+            </a:r>
+            <a:endParaRPr lang="en" altLang="ja-JP" sz="2800" b="0">
+              <a:solidFill>
+                <a:srgbClr val="D4D4D4"/>
+              </a:solidFill>
+              <a:effectLst/>
+              <a:latin typeface="Menlo" panose="020B0609030804020204" pitchFamily="49" charset="0"/>
+            </a:endParaRPr>
+          </a:p>
+          <a:p>
+            <a:r>
+              <a:rPr lang="en" altLang="ja-JP" sz="2800" b="0">
+                <a:solidFill>
+                  <a:srgbClr val="D4D4D4"/>
+                </a:solidFill>
+                <a:effectLst/>
+                <a:latin typeface="Menlo" panose="020B0609030804020204" pitchFamily="49" charset="0"/>
+              </a:rPr>
+              <a:t>  </a:t>
+            </a:r>
+            <a:r>
+              <a:rPr lang="en" altLang="ja-JP" sz="2800" b="0">
+                <a:solidFill>
+                  <a:srgbClr val="DCDCAA"/>
+                </a:solidFill>
+                <a:effectLst/>
+                <a:latin typeface="Menlo" panose="020B0609030804020204" pitchFamily="49" charset="0"/>
+              </a:rPr>
+              <a:t>print</a:t>
+            </a:r>
+            <a:r>
+              <a:rPr lang="en" altLang="ja-JP" sz="2800" b="0">
+                <a:solidFill>
+                  <a:srgbClr val="D4D4D4"/>
+                </a:solidFill>
+                <a:effectLst/>
+                <a:latin typeface="Menlo" panose="020B0609030804020204" pitchFamily="49" charset="0"/>
+              </a:rPr>
+              <a:t>(a)</a:t>
+            </a:r>
+          </a:p>
+          <a:p>
+            <a:br>
+              <a:rPr lang="en" altLang="ja-JP" sz="2800" b="0">
+                <a:solidFill>
+                  <a:srgbClr val="D4D4D4"/>
+                </a:solidFill>
+                <a:effectLst/>
+                <a:latin typeface="Menlo" panose="020B0609030804020204" pitchFamily="49" charset="0"/>
+              </a:rPr>
+            </a:br>
+            <a:r>
+              <a:rPr lang="en" altLang="ja-JP" sz="2800" b="0">
+                <a:solidFill>
+                  <a:srgbClr val="D4D4D4"/>
+                </a:solidFill>
+                <a:effectLst/>
+                <a:latin typeface="Menlo" panose="020B0609030804020204" pitchFamily="49" charset="0"/>
+              </a:rPr>
+              <a:t>func()</a:t>
+            </a:r>
+          </a:p>
+          <a:p>
+            <a:r>
+              <a:rPr lang="en" altLang="ja-JP" sz="2800" b="0">
+                <a:solidFill>
+                  <a:srgbClr val="DCDCAA"/>
+                </a:solidFill>
+                <a:effectLst/>
+                <a:latin typeface="Menlo" panose="020B0609030804020204" pitchFamily="49" charset="0"/>
+              </a:rPr>
+              <a:t>print</a:t>
+            </a:r>
+            <a:r>
+              <a:rPr lang="en" altLang="ja-JP" sz="2800" b="0">
+                <a:solidFill>
+                  <a:srgbClr val="D4D4D4"/>
+                </a:solidFill>
+                <a:effectLst/>
+                <a:latin typeface="Menlo" panose="020B0609030804020204" pitchFamily="49" charset="0"/>
+              </a:rPr>
+              <a:t>(a)</a:t>
+            </a:r>
+          </a:p>
+        </p:txBody>
+      </p:sp>
+      <p:sp>
+        <p:nvSpPr>
+          <p:cNvPr id="5" name="テキスト ボックス 4">
+            <a:extLst>
+              <a:ext uri="{FF2B5EF4-FFF2-40B4-BE49-F238E27FC236}">
+                <a16:creationId xmlns:a16="http://schemas.microsoft.com/office/drawing/2014/main" id="{C9232705-3C51-244F-A9BA-1B28975D3375}"/>
+              </a:ext>
+            </a:extLst>
+          </p:cNvPr>
+          <p:cNvSpPr txBox="1"/>
+          <p:nvPr/>
+        </p:nvSpPr>
+        <p:spPr>
+          <a:xfrm>
+            <a:off x="3779912" y="1412776"/>
+            <a:ext cx="4317207" cy="461665"/>
+          </a:xfrm>
+          <a:prstGeom prst="rect">
+            <a:avLst/>
+          </a:prstGeom>
+          <a:noFill/>
+        </p:spPr>
+        <p:txBody>
+          <a:bodyPr wrap="none" rtlCol="0">
+            <a:spAutoFit/>
+          </a:bodyPr>
+          <a:lstStyle/>
+          <a:p>
+            <a:r>
+              <a:rPr kumimoji="1" lang="ja-JP" altLang="en-US" sz="2400"/>
+              <a:t>ここでグローバル変数</a:t>
+            </a:r>
+            <a:r>
+              <a:rPr kumimoji="1" lang="en-US" altLang="ja-JP" sz="2400"/>
+              <a:t>a</a:t>
+            </a:r>
+            <a:r>
+              <a:rPr kumimoji="1" lang="ja-JP" altLang="en-US" sz="2400"/>
+              <a:t>を定義</a:t>
+            </a:r>
+          </a:p>
+        </p:txBody>
+      </p:sp>
+      <p:sp>
+        <p:nvSpPr>
+          <p:cNvPr id="6" name="テキスト ボックス 5">
+            <a:extLst>
+              <a:ext uri="{FF2B5EF4-FFF2-40B4-BE49-F238E27FC236}">
+                <a16:creationId xmlns:a16="http://schemas.microsoft.com/office/drawing/2014/main" id="{39FFC526-D478-7848-8765-367B0AE92F80}"/>
+              </a:ext>
+            </a:extLst>
+          </p:cNvPr>
+          <p:cNvSpPr txBox="1"/>
+          <p:nvPr/>
+        </p:nvSpPr>
+        <p:spPr>
+          <a:xfrm>
+            <a:off x="3851920" y="2636912"/>
+            <a:ext cx="4317207" cy="461665"/>
+          </a:xfrm>
+          <a:prstGeom prst="rect">
+            <a:avLst/>
+          </a:prstGeom>
+          <a:noFill/>
+        </p:spPr>
+        <p:txBody>
+          <a:bodyPr wrap="none" rtlCol="0">
+            <a:spAutoFit/>
+          </a:bodyPr>
+          <a:lstStyle/>
+          <a:p>
+            <a:r>
+              <a:rPr kumimoji="1" lang="ja-JP" altLang="en-US" sz="2400"/>
+              <a:t>関数内でローカル変数</a:t>
+            </a:r>
+            <a:r>
+              <a:rPr kumimoji="1" lang="en-US" altLang="ja-JP" sz="2400"/>
+              <a:t>a</a:t>
+            </a:r>
+            <a:r>
+              <a:rPr kumimoji="1" lang="ja-JP" altLang="en-US" sz="2400"/>
+              <a:t>を定義</a:t>
+            </a:r>
+          </a:p>
+        </p:txBody>
+      </p:sp>
+      <p:sp>
+        <p:nvSpPr>
+          <p:cNvPr id="8" name="テキスト ボックス 7">
+            <a:extLst>
+              <a:ext uri="{FF2B5EF4-FFF2-40B4-BE49-F238E27FC236}">
+                <a16:creationId xmlns:a16="http://schemas.microsoft.com/office/drawing/2014/main" id="{0083266D-EE63-DC4C-B1BF-598C9F5047C9}"/>
+              </a:ext>
+            </a:extLst>
+          </p:cNvPr>
+          <p:cNvSpPr txBox="1"/>
+          <p:nvPr/>
+        </p:nvSpPr>
+        <p:spPr>
+          <a:xfrm>
+            <a:off x="3851920" y="4005064"/>
+            <a:ext cx="2954655" cy="830997"/>
+          </a:xfrm>
+          <a:prstGeom prst="rect">
+            <a:avLst/>
+          </a:prstGeom>
+          <a:noFill/>
+        </p:spPr>
+        <p:txBody>
+          <a:bodyPr wrap="none" rtlCol="0">
+            <a:spAutoFit/>
+          </a:bodyPr>
+          <a:lstStyle/>
+          <a:p>
+            <a:r>
+              <a:rPr kumimoji="1" lang="ja-JP" altLang="en-US" sz="2400"/>
+              <a:t>関数を実行してから</a:t>
+            </a:r>
+            <a:endParaRPr kumimoji="1" lang="en-US" altLang="ja-JP" sz="2400"/>
+          </a:p>
+          <a:p>
+            <a:r>
+              <a:rPr lang="ja-JP" altLang="en-US" sz="2400"/>
+              <a:t>変数</a:t>
+            </a:r>
+            <a:r>
+              <a:rPr lang="en-US" altLang="ja-JP" sz="2400"/>
+              <a:t>a</a:t>
+            </a:r>
+            <a:r>
+              <a:rPr lang="ja-JP" altLang="en-US" sz="2400"/>
+              <a:t>を表示</a:t>
+            </a:r>
+            <a:endParaRPr kumimoji="1" lang="ja-JP" altLang="en-US" sz="2400"/>
+          </a:p>
+        </p:txBody>
+      </p:sp>
+      <p:sp>
+        <p:nvSpPr>
+          <p:cNvPr id="9" name="テキスト ボックス 8">
+            <a:extLst>
+              <a:ext uri="{FF2B5EF4-FFF2-40B4-BE49-F238E27FC236}">
+                <a16:creationId xmlns:a16="http://schemas.microsoft.com/office/drawing/2014/main" id="{00A9F103-51F5-B54C-A276-B962DCFBAEB2}"/>
+              </a:ext>
+            </a:extLst>
+          </p:cNvPr>
+          <p:cNvSpPr txBox="1"/>
+          <p:nvPr/>
+        </p:nvSpPr>
+        <p:spPr>
+          <a:xfrm>
+            <a:off x="4211239" y="5085184"/>
+            <a:ext cx="4932761" cy="461665"/>
+          </a:xfrm>
+          <a:prstGeom prst="rect">
+            <a:avLst/>
+          </a:prstGeom>
+          <a:noFill/>
+        </p:spPr>
+        <p:txBody>
+          <a:bodyPr wrap="none" rtlCol="0">
+            <a:spAutoFit/>
+          </a:bodyPr>
+          <a:lstStyle/>
+          <a:p>
+            <a:r>
+              <a:rPr kumimoji="1" lang="ja-JP" altLang="en-US" sz="2400"/>
+              <a:t>グローバル変数</a:t>
+            </a:r>
+            <a:r>
+              <a:rPr kumimoji="1" lang="en-US" altLang="ja-JP" sz="2400"/>
+              <a:t>a</a:t>
+            </a:r>
+            <a:r>
+              <a:rPr kumimoji="1" lang="ja-JP" altLang="en-US" sz="2400"/>
+              <a:t>の値が表示される</a:t>
+            </a:r>
+          </a:p>
+        </p:txBody>
+      </p:sp>
+      <p:sp>
+        <p:nvSpPr>
+          <p:cNvPr id="10" name="右矢印 9">
+            <a:extLst>
+              <a:ext uri="{FF2B5EF4-FFF2-40B4-BE49-F238E27FC236}">
+                <a16:creationId xmlns:a16="http://schemas.microsoft.com/office/drawing/2014/main" id="{6E30344D-FBEC-5044-9ED0-2D71DE7F9DCC}"/>
+              </a:ext>
+            </a:extLst>
+          </p:cNvPr>
+          <p:cNvSpPr/>
+          <p:nvPr/>
+        </p:nvSpPr>
+        <p:spPr>
+          <a:xfrm>
+            <a:off x="3707904" y="5085184"/>
+            <a:ext cx="504056" cy="441049"/>
+          </a:xfrm>
+          <a:prstGeom prst="rightArrow">
+            <a:avLst/>
+          </a:prstGeom>
+          <a:solidFill>
+            <a:srgbClr val="FF0000"/>
+          </a:solidFill>
+          <a:ln>
+            <a:solidFill>
+              <a:schemeClr val="tx1"/>
+            </a:solidFill>
+          </a:ln>
+        </p:spPr>
+        <p:style>
+          <a:lnRef idx="2">
+            <a:schemeClr val="accent1">
+              <a:shade val="50000"/>
+            </a:schemeClr>
+          </a:lnRef>
+          <a:fillRef idx="1">
+            <a:schemeClr val="accent1"/>
+          </a:fillRef>
+          <a:effectRef idx="0">
+            <a:schemeClr val="accent1"/>
+          </a:effectRef>
+          <a:fontRef idx="minor">
+            <a:schemeClr val="lt1"/>
+          </a:fontRef>
+        </p:style>
+        <p:txBody>
+          <a:bodyPr rtlCol="0" anchor="ctr"/>
+          <a:lstStyle/>
+          <a:p>
+            <a:pPr algn="ctr"/>
+            <a:endParaRPr kumimoji="1" lang="ja-JP" altLang="en-US"/>
+          </a:p>
+        </p:txBody>
+      </p:sp>
+    </p:spTree>
+    <p:extLst>
+      <p:ext uri="{BB962C8B-B14F-4D97-AF65-F5344CB8AC3E}">
+        <p14:creationId xmlns:p14="http://schemas.microsoft.com/office/powerpoint/2010/main" val="107411140"/>
+      </p:ext>
+    </p:extLst>
+  </p:cSld>
+  <p:clrMapOvr>
+    <a:masterClrMapping/>
+  </p:clrMapOvr>
+</p:sld>
+</file>
+
+<file path=ppt/slides/slide19.xml><?xml version="1.0" encoding="utf-8"?>
+<p:sld xmlns:a="http://schemas.openxmlformats.org/drawingml/2006/main" xmlns:r="http://schemas.openxmlformats.org/officeDocument/2006/relationships" xmlns:p="http://schemas.openxmlformats.org/presentationml/2006/main">
+  <p:cSld>
+    <p:spTree>
+      <p:nvGrpSpPr>
+        <p:cNvPr id="1" name=""/>
+        <p:cNvGrpSpPr/>
+        <p:nvPr/>
+      </p:nvGrpSpPr>
+      <p:grpSpPr>
+        <a:xfrm>
+          <a:off x="0" y="0"/>
+          <a:ext cx="0" cy="0"/>
+          <a:chOff x="0" y="0"/>
+          <a:chExt cx="0" cy="0"/>
+        </a:xfrm>
+      </p:grpSpPr>
+      <p:sp>
+        <p:nvSpPr>
+          <p:cNvPr id="2" name="テキスト プレースホルダー 1">
+            <a:extLst>
+              <a:ext uri="{FF2B5EF4-FFF2-40B4-BE49-F238E27FC236}">
+                <a16:creationId xmlns:a16="http://schemas.microsoft.com/office/drawing/2014/main" id="{E859662A-C657-0B4B-AD8D-0589066B394D}"/>
+              </a:ext>
+            </a:extLst>
+          </p:cNvPr>
+          <p:cNvSpPr>
+            <a:spLocks noGrp="1"/>
+          </p:cNvSpPr>
+          <p:nvPr>
+            <p:ph type="body" sz="quarter" idx="10"/>
+          </p:nvPr>
+        </p:nvSpPr>
+        <p:spPr/>
+        <p:txBody>
+          <a:bodyPr/>
+          <a:lstStyle/>
+          <a:p>
+            <a:endParaRPr kumimoji="1" lang="ja-JP" altLang="en-US"/>
+          </a:p>
+        </p:txBody>
+      </p:sp>
+      <p:sp>
+        <p:nvSpPr>
+          <p:cNvPr id="3" name="正方形/長方形 2">
+            <a:extLst>
+              <a:ext uri="{FF2B5EF4-FFF2-40B4-BE49-F238E27FC236}">
+                <a16:creationId xmlns:a16="http://schemas.microsoft.com/office/drawing/2014/main" id="{D7663B72-5DDB-1749-ABA8-F7A402722EDB}"/>
+              </a:ext>
+            </a:extLst>
+          </p:cNvPr>
+          <p:cNvSpPr/>
+          <p:nvPr/>
+        </p:nvSpPr>
+        <p:spPr>
+          <a:xfrm>
+            <a:off x="1145808" y="1700808"/>
+            <a:ext cx="936104" cy="504056"/>
+          </a:xfrm>
+          <a:prstGeom prst="rect">
+            <a:avLst/>
+          </a:prstGeom>
+          <a:noFill/>
+          <a:ln>
+            <a:solidFill>
+              <a:schemeClr val="tx1"/>
+            </a:solidFill>
+          </a:ln>
+        </p:spPr>
+        <p:style>
+          <a:lnRef idx="2">
+            <a:schemeClr val="accent1">
+              <a:shade val="50000"/>
+            </a:schemeClr>
+          </a:lnRef>
+          <a:fillRef idx="1">
+            <a:schemeClr val="accent1"/>
+          </a:fillRef>
+          <a:effectRef idx="0">
+            <a:schemeClr val="accent1"/>
+          </a:effectRef>
+          <a:fontRef idx="minor">
+            <a:schemeClr val="lt1"/>
+          </a:fontRef>
+        </p:style>
+        <p:txBody>
+          <a:bodyPr rtlCol="0" anchor="ctr"/>
+          <a:lstStyle/>
+          <a:p>
+            <a:pPr algn="ctr"/>
+            <a:endParaRPr kumimoji="1" lang="ja-JP" altLang="en-US"/>
+          </a:p>
+        </p:txBody>
+      </p:sp>
+      <p:sp>
+        <p:nvSpPr>
+          <p:cNvPr id="4" name="正方形/長方形 3">
+            <a:extLst>
+              <a:ext uri="{FF2B5EF4-FFF2-40B4-BE49-F238E27FC236}">
+                <a16:creationId xmlns:a16="http://schemas.microsoft.com/office/drawing/2014/main" id="{2BF7BA71-8EBD-6D4A-B62E-495295176C2F}"/>
+              </a:ext>
+            </a:extLst>
+          </p:cNvPr>
+          <p:cNvSpPr/>
+          <p:nvPr/>
+        </p:nvSpPr>
+        <p:spPr>
+          <a:xfrm>
+            <a:off x="1145808" y="2204864"/>
+            <a:ext cx="936104" cy="504056"/>
+          </a:xfrm>
+          <a:prstGeom prst="rect">
+            <a:avLst/>
+          </a:prstGeom>
+          <a:noFill/>
+          <a:ln>
+            <a:solidFill>
+              <a:schemeClr val="tx1"/>
+            </a:solidFill>
+          </a:ln>
+        </p:spPr>
+        <p:style>
+          <a:lnRef idx="2">
+            <a:schemeClr val="accent1">
+              <a:shade val="50000"/>
+            </a:schemeClr>
+          </a:lnRef>
+          <a:fillRef idx="1">
+            <a:schemeClr val="accent1"/>
+          </a:fillRef>
+          <a:effectRef idx="0">
+            <a:schemeClr val="accent1"/>
+          </a:effectRef>
+          <a:fontRef idx="minor">
+            <a:schemeClr val="lt1"/>
+          </a:fontRef>
+        </p:style>
+        <p:txBody>
+          <a:bodyPr rtlCol="0" anchor="ctr"/>
+          <a:lstStyle/>
+          <a:p>
+            <a:pPr algn="ctr"/>
+            <a:endParaRPr kumimoji="1" lang="ja-JP" altLang="en-US"/>
+          </a:p>
+        </p:txBody>
+      </p:sp>
+      <p:sp>
+        <p:nvSpPr>
+          <p:cNvPr id="5" name="正方形/長方形 4">
+            <a:extLst>
+              <a:ext uri="{FF2B5EF4-FFF2-40B4-BE49-F238E27FC236}">
+                <a16:creationId xmlns:a16="http://schemas.microsoft.com/office/drawing/2014/main" id="{D0CC79F8-CEDD-284D-991E-BB11E91CFCCF}"/>
+              </a:ext>
+            </a:extLst>
+          </p:cNvPr>
+          <p:cNvSpPr/>
+          <p:nvPr/>
+        </p:nvSpPr>
+        <p:spPr>
+          <a:xfrm>
+            <a:off x="1145808" y="2708920"/>
+            <a:ext cx="936104" cy="504056"/>
+          </a:xfrm>
+          <a:prstGeom prst="rect">
+            <a:avLst/>
+          </a:prstGeom>
+          <a:noFill/>
+          <a:ln>
+            <a:solidFill>
+              <a:schemeClr val="tx1"/>
+            </a:solidFill>
+          </a:ln>
+        </p:spPr>
+        <p:style>
+          <a:lnRef idx="2">
+            <a:schemeClr val="accent1">
+              <a:shade val="50000"/>
+            </a:schemeClr>
+          </a:lnRef>
+          <a:fillRef idx="1">
+            <a:schemeClr val="accent1"/>
+          </a:fillRef>
+          <a:effectRef idx="0">
+            <a:schemeClr val="accent1"/>
+          </a:effectRef>
+          <a:fontRef idx="minor">
+            <a:schemeClr val="lt1"/>
+          </a:fontRef>
+        </p:style>
+        <p:txBody>
+          <a:bodyPr rtlCol="0" anchor="ctr"/>
+          <a:lstStyle/>
+          <a:p>
+            <a:pPr algn="ctr"/>
+            <a:endParaRPr kumimoji="1" lang="ja-JP" altLang="en-US"/>
+          </a:p>
+        </p:txBody>
+      </p:sp>
+      <p:sp>
+        <p:nvSpPr>
+          <p:cNvPr id="6" name="正方形/長方形 5">
+            <a:extLst>
+              <a:ext uri="{FF2B5EF4-FFF2-40B4-BE49-F238E27FC236}">
+                <a16:creationId xmlns:a16="http://schemas.microsoft.com/office/drawing/2014/main" id="{8331EE89-CF1D-4E4C-9992-291C6CC127A1}"/>
+              </a:ext>
+            </a:extLst>
+          </p:cNvPr>
+          <p:cNvSpPr/>
+          <p:nvPr/>
+        </p:nvSpPr>
+        <p:spPr>
+          <a:xfrm>
+            <a:off x="1145808" y="3212976"/>
+            <a:ext cx="936104" cy="504056"/>
+          </a:xfrm>
+          <a:prstGeom prst="rect">
+            <a:avLst/>
+          </a:prstGeom>
+          <a:noFill/>
+          <a:ln>
+            <a:solidFill>
+              <a:schemeClr val="tx1"/>
+            </a:solidFill>
+          </a:ln>
+        </p:spPr>
+        <p:style>
+          <a:lnRef idx="2">
+            <a:schemeClr val="accent1">
+              <a:shade val="50000"/>
+            </a:schemeClr>
+          </a:lnRef>
+          <a:fillRef idx="1">
+            <a:schemeClr val="accent1"/>
+          </a:fillRef>
+          <a:effectRef idx="0">
+            <a:schemeClr val="accent1"/>
+          </a:effectRef>
+          <a:fontRef idx="minor">
+            <a:schemeClr val="lt1"/>
+          </a:fontRef>
+        </p:style>
+        <p:txBody>
+          <a:bodyPr rtlCol="0" anchor="ctr"/>
+          <a:lstStyle/>
+          <a:p>
+            <a:pPr algn="ctr"/>
+            <a:r>
+              <a:rPr lang="en-US" altLang="ja-JP" sz="3200">
+                <a:solidFill>
+                  <a:schemeClr val="tx1"/>
+                </a:solidFill>
+              </a:rPr>
+              <a:t>10</a:t>
+            </a:r>
+            <a:endParaRPr kumimoji="1" lang="ja-JP" altLang="en-US" sz="3200">
+              <a:solidFill>
+                <a:schemeClr val="tx1"/>
+              </a:solidFill>
+            </a:endParaRPr>
+          </a:p>
+        </p:txBody>
+      </p:sp>
+      <p:sp>
+        <p:nvSpPr>
+          <p:cNvPr id="7" name="正方形/長方形 6">
+            <a:extLst>
+              <a:ext uri="{FF2B5EF4-FFF2-40B4-BE49-F238E27FC236}">
+                <a16:creationId xmlns:a16="http://schemas.microsoft.com/office/drawing/2014/main" id="{201820A2-A261-EC4E-8A0C-DD8AE023B735}"/>
+              </a:ext>
+            </a:extLst>
+          </p:cNvPr>
+          <p:cNvSpPr/>
+          <p:nvPr/>
+        </p:nvSpPr>
+        <p:spPr>
+          <a:xfrm>
+            <a:off x="1145808" y="3717032"/>
+            <a:ext cx="936104" cy="504056"/>
+          </a:xfrm>
+          <a:prstGeom prst="rect">
+            <a:avLst/>
+          </a:prstGeom>
+          <a:noFill/>
+          <a:ln>
+            <a:solidFill>
+              <a:schemeClr val="tx1"/>
+            </a:solidFill>
+          </a:ln>
+        </p:spPr>
+        <p:style>
+          <a:lnRef idx="2">
+            <a:schemeClr val="accent1">
+              <a:shade val="50000"/>
+            </a:schemeClr>
+          </a:lnRef>
+          <a:fillRef idx="1">
+            <a:schemeClr val="accent1"/>
+          </a:fillRef>
+          <a:effectRef idx="0">
+            <a:schemeClr val="accent1"/>
+          </a:effectRef>
+          <a:fontRef idx="minor">
+            <a:schemeClr val="lt1"/>
+          </a:fontRef>
+        </p:style>
+        <p:txBody>
+          <a:bodyPr rtlCol="0" anchor="ctr"/>
+          <a:lstStyle/>
+          <a:p>
+            <a:pPr algn="ctr"/>
+            <a:endParaRPr kumimoji="1" lang="ja-JP" altLang="en-US"/>
+          </a:p>
+        </p:txBody>
+      </p:sp>
+      <p:sp>
+        <p:nvSpPr>
+          <p:cNvPr id="8" name="正方形/長方形 7">
+            <a:extLst>
+              <a:ext uri="{FF2B5EF4-FFF2-40B4-BE49-F238E27FC236}">
+                <a16:creationId xmlns:a16="http://schemas.microsoft.com/office/drawing/2014/main" id="{7FFD2635-E167-594F-8E05-6F334FF9EE95}"/>
+              </a:ext>
+            </a:extLst>
+          </p:cNvPr>
+          <p:cNvSpPr/>
+          <p:nvPr/>
+        </p:nvSpPr>
+        <p:spPr>
+          <a:xfrm>
+            <a:off x="1145808" y="4221088"/>
+            <a:ext cx="936104" cy="504056"/>
+          </a:xfrm>
+          <a:prstGeom prst="rect">
+            <a:avLst/>
+          </a:prstGeom>
+          <a:noFill/>
+          <a:ln>
+            <a:solidFill>
+              <a:schemeClr val="tx1"/>
+            </a:solidFill>
+          </a:ln>
+        </p:spPr>
+        <p:style>
+          <a:lnRef idx="2">
+            <a:schemeClr val="accent1">
+              <a:shade val="50000"/>
+            </a:schemeClr>
+          </a:lnRef>
+          <a:fillRef idx="1">
+            <a:schemeClr val="accent1"/>
+          </a:fillRef>
+          <a:effectRef idx="0">
+            <a:schemeClr val="accent1"/>
+          </a:effectRef>
+          <a:fontRef idx="minor">
+            <a:schemeClr val="lt1"/>
+          </a:fontRef>
+        </p:style>
+        <p:txBody>
+          <a:bodyPr rtlCol="0" anchor="ctr"/>
+          <a:lstStyle/>
+          <a:p>
+            <a:pPr algn="ctr"/>
+            <a:endParaRPr kumimoji="1" lang="ja-JP" altLang="en-US"/>
+          </a:p>
+        </p:txBody>
+      </p:sp>
+      <p:sp>
+        <p:nvSpPr>
+          <p:cNvPr id="9" name="テキスト ボックス 8">
+            <a:extLst>
+              <a:ext uri="{FF2B5EF4-FFF2-40B4-BE49-F238E27FC236}">
+                <a16:creationId xmlns:a16="http://schemas.microsoft.com/office/drawing/2014/main" id="{3C464631-29C4-A740-A1C0-27BA3BE69929}"/>
+              </a:ext>
+            </a:extLst>
+          </p:cNvPr>
+          <p:cNvSpPr txBox="1"/>
+          <p:nvPr/>
+        </p:nvSpPr>
+        <p:spPr>
+          <a:xfrm>
+            <a:off x="251520" y="1196752"/>
+            <a:ext cx="2492990" cy="400110"/>
+          </a:xfrm>
+          <a:prstGeom prst="rect">
+            <a:avLst/>
+          </a:prstGeom>
+          <a:noFill/>
+        </p:spPr>
+        <p:txBody>
+          <a:bodyPr wrap="none" rtlCol="0">
+            <a:spAutoFit/>
+          </a:bodyPr>
+          <a:lstStyle/>
+          <a:p>
+            <a:r>
+              <a:rPr kumimoji="1" lang="ja-JP" altLang="en-US" sz="2000"/>
+              <a:t>グローバルスコープ</a:t>
+            </a:r>
+          </a:p>
+        </p:txBody>
+      </p:sp>
+      <p:sp>
+        <p:nvSpPr>
+          <p:cNvPr id="17" name="1 つの角を切り取った四角形 16">
+            <a:extLst>
+              <a:ext uri="{FF2B5EF4-FFF2-40B4-BE49-F238E27FC236}">
+                <a16:creationId xmlns:a16="http://schemas.microsoft.com/office/drawing/2014/main" id="{DF749B57-417A-ED42-8E58-BAC6262DC674}"/>
+              </a:ext>
+            </a:extLst>
+          </p:cNvPr>
+          <p:cNvSpPr/>
+          <p:nvPr/>
+        </p:nvSpPr>
+        <p:spPr>
+          <a:xfrm>
+            <a:off x="-6320" y="3356992"/>
+            <a:ext cx="864096" cy="288032"/>
+          </a:xfrm>
+          <a:prstGeom prst="snip1Rect">
+            <a:avLst/>
+          </a:prstGeom>
+          <a:solidFill>
+            <a:schemeClr val="bg1"/>
+          </a:solidFill>
+          <a:ln>
+            <a:solidFill>
+              <a:schemeClr val="tx1"/>
+            </a:solidFill>
+          </a:ln>
+        </p:spPr>
+        <p:style>
+          <a:lnRef idx="2">
+            <a:schemeClr val="accent1">
+              <a:shade val="50000"/>
+            </a:schemeClr>
+          </a:lnRef>
+          <a:fillRef idx="1">
+            <a:schemeClr val="accent1"/>
+          </a:fillRef>
+          <a:effectRef idx="0">
+            <a:schemeClr val="accent1"/>
+          </a:effectRef>
+          <a:fontRef idx="minor">
+            <a:schemeClr val="lt1"/>
+          </a:fontRef>
+        </p:style>
+        <p:txBody>
+          <a:bodyPr rtlCol="0" anchor="ctr"/>
+          <a:lstStyle/>
+          <a:p>
+            <a:pPr algn="ctr"/>
+            <a:r>
+              <a:rPr kumimoji="1" lang="en-US" altLang="ja-JP" sz="2000">
+                <a:solidFill>
+                  <a:schemeClr val="tx1"/>
+                </a:solidFill>
+              </a:rPr>
+              <a:t>a</a:t>
+            </a:r>
+            <a:endParaRPr kumimoji="1" lang="ja-JP" altLang="en-US" sz="2000">
+              <a:solidFill>
+                <a:schemeClr val="tx1"/>
+              </a:solidFill>
+            </a:endParaRPr>
+          </a:p>
+        </p:txBody>
+      </p:sp>
+      <p:cxnSp>
+        <p:nvCxnSpPr>
+          <p:cNvPr id="18" name="直線矢印コネクタ 17">
+            <a:extLst>
+              <a:ext uri="{FF2B5EF4-FFF2-40B4-BE49-F238E27FC236}">
+                <a16:creationId xmlns:a16="http://schemas.microsoft.com/office/drawing/2014/main" id="{86C97BED-E4A3-7749-AA20-5146E36AEBC6}"/>
+              </a:ext>
+            </a:extLst>
+          </p:cNvPr>
+          <p:cNvCxnSpPr>
+            <a:stCxn id="17" idx="0"/>
+          </p:cNvCxnSpPr>
+          <p:nvPr/>
+        </p:nvCxnSpPr>
+        <p:spPr>
+          <a:xfrm>
+            <a:off x="857776" y="3501008"/>
+            <a:ext cx="288032" cy="0"/>
+          </a:xfrm>
+          <a:prstGeom prst="straightConnector1">
+            <a:avLst/>
+          </a:prstGeom>
+          <a:ln w="12700">
+            <a:solidFill>
+              <a:schemeClr val="tx1"/>
+            </a:solidFill>
+            <a:tailEnd type="triangle"/>
+          </a:ln>
+        </p:spPr>
+        <p:style>
+          <a:lnRef idx="1">
+            <a:schemeClr val="accent1"/>
+          </a:lnRef>
+          <a:fillRef idx="0">
+            <a:schemeClr val="accent1"/>
+          </a:fillRef>
+          <a:effectRef idx="0">
+            <a:schemeClr val="accent1"/>
+          </a:effectRef>
+          <a:fontRef idx="minor">
+            <a:schemeClr val="tx1"/>
+          </a:fontRef>
+        </p:style>
+      </p:cxnSp>
+      <p:sp>
+        <p:nvSpPr>
+          <p:cNvPr id="19" name="正方形/長方形 18">
+            <a:extLst>
+              <a:ext uri="{FF2B5EF4-FFF2-40B4-BE49-F238E27FC236}">
+                <a16:creationId xmlns:a16="http://schemas.microsoft.com/office/drawing/2014/main" id="{FCFA2669-2B1D-CF4B-AF8A-226CE9EBA8CD}"/>
+              </a:ext>
+            </a:extLst>
+          </p:cNvPr>
+          <p:cNvSpPr/>
+          <p:nvPr/>
+        </p:nvSpPr>
+        <p:spPr>
+          <a:xfrm>
+            <a:off x="3275856" y="1628800"/>
+            <a:ext cx="2880320" cy="3539430"/>
+          </a:xfrm>
+          <a:prstGeom prst="rect">
+            <a:avLst/>
+          </a:prstGeom>
+          <a:solidFill>
+            <a:schemeClr val="bg1"/>
+          </a:solidFill>
+          <a:ln>
+            <a:solidFill>
+              <a:schemeClr val="tx1"/>
+            </a:solidFill>
+          </a:ln>
+        </p:spPr>
+        <p:txBody>
+          <a:bodyPr wrap="square">
+            <a:spAutoFit/>
+          </a:bodyPr>
+          <a:lstStyle/>
+          <a:p>
+            <a:r>
+              <a:rPr lang="en" altLang="ja-JP" sz="2800" b="0">
+                <a:effectLst/>
+                <a:latin typeface="Menlo" panose="020B0609030804020204" pitchFamily="49" charset="0"/>
+              </a:rPr>
+              <a:t>a = 10</a:t>
+            </a:r>
+          </a:p>
+          <a:p>
+            <a:br>
+              <a:rPr lang="en" altLang="ja-JP" sz="2800" b="0">
+                <a:effectLst/>
+                <a:latin typeface="Menlo" panose="020B0609030804020204" pitchFamily="49" charset="0"/>
+              </a:rPr>
+            </a:br>
+            <a:r>
+              <a:rPr lang="en" altLang="ja-JP" sz="2800" b="0">
+                <a:solidFill>
+                  <a:srgbClr val="011893"/>
+                </a:solidFill>
+                <a:effectLst/>
+                <a:latin typeface="Menlo" panose="020B0609030804020204" pitchFamily="49" charset="0"/>
+              </a:rPr>
+              <a:t>def</a:t>
+            </a:r>
+            <a:r>
+              <a:rPr lang="en" altLang="ja-JP" sz="2800" b="0">
+                <a:effectLst/>
+                <a:latin typeface="Menlo" panose="020B0609030804020204" pitchFamily="49" charset="0"/>
+              </a:rPr>
+              <a:t> func():</a:t>
+            </a:r>
+          </a:p>
+          <a:p>
+            <a:r>
+              <a:rPr lang="en" altLang="ja-JP" sz="2800" b="0">
+                <a:effectLst/>
+                <a:latin typeface="Menlo" panose="020B0609030804020204" pitchFamily="49" charset="0"/>
+              </a:rPr>
+              <a:t>  a = 20</a:t>
+            </a:r>
+          </a:p>
+          <a:p>
+            <a:r>
+              <a:rPr lang="en" altLang="ja-JP" sz="2800" b="0">
+                <a:effectLst/>
+                <a:latin typeface="Menlo" panose="020B0609030804020204" pitchFamily="49" charset="0"/>
+              </a:rPr>
+              <a:t>  print(a)</a:t>
+            </a:r>
+          </a:p>
+          <a:p>
+            <a:br>
+              <a:rPr lang="en" altLang="ja-JP" sz="2800" b="0">
+                <a:effectLst/>
+                <a:latin typeface="Menlo" panose="020B0609030804020204" pitchFamily="49" charset="0"/>
+              </a:rPr>
+            </a:br>
+            <a:r>
+              <a:rPr lang="en" altLang="ja-JP" sz="2800" b="0">
+                <a:effectLst/>
+                <a:latin typeface="Menlo" panose="020B0609030804020204" pitchFamily="49" charset="0"/>
+              </a:rPr>
+              <a:t>func()</a:t>
+            </a:r>
+          </a:p>
+          <a:p>
+            <a:r>
+              <a:rPr lang="en" altLang="ja-JP" sz="2800" b="0">
+                <a:effectLst/>
+                <a:latin typeface="Menlo" panose="020B0609030804020204" pitchFamily="49" charset="0"/>
+              </a:rPr>
+              <a:t>print(a)</a:t>
+            </a:r>
+          </a:p>
+        </p:txBody>
+      </p:sp>
+      <p:cxnSp>
+        <p:nvCxnSpPr>
+          <p:cNvPr id="21" name="直線矢印コネクタ 20">
+            <a:extLst>
+              <a:ext uri="{FF2B5EF4-FFF2-40B4-BE49-F238E27FC236}">
+                <a16:creationId xmlns:a16="http://schemas.microsoft.com/office/drawing/2014/main" id="{D8929D72-7AA2-3F47-A793-0C9884284346}"/>
+              </a:ext>
+            </a:extLst>
+          </p:cNvPr>
+          <p:cNvCxnSpPr/>
+          <p:nvPr/>
+        </p:nvCxnSpPr>
+        <p:spPr>
+          <a:xfrm flipH="1">
+            <a:off x="2123728" y="1916832"/>
+            <a:ext cx="1080120" cy="1512168"/>
+          </a:xfrm>
+          <a:prstGeom prst="straightConnector1">
+            <a:avLst/>
+          </a:prstGeom>
+          <a:ln>
+            <a:solidFill>
+              <a:schemeClr val="tx1"/>
+            </a:solidFill>
+            <a:headEnd type="none" w="med" len="med"/>
+            <a:tailEnd type="triangle"/>
+          </a:ln>
+        </p:spPr>
+        <p:style>
+          <a:lnRef idx="1">
+            <a:schemeClr val="accent1"/>
+          </a:lnRef>
+          <a:fillRef idx="0">
+            <a:schemeClr val="accent1"/>
+          </a:fillRef>
+          <a:effectRef idx="0">
+            <a:schemeClr val="accent1"/>
+          </a:effectRef>
+          <a:fontRef idx="minor">
+            <a:schemeClr val="tx1"/>
+          </a:fontRef>
+        </p:style>
+      </p:cxnSp>
+      <p:cxnSp>
+        <p:nvCxnSpPr>
+          <p:cNvPr id="23" name="直線矢印コネクタ 22">
+            <a:extLst>
+              <a:ext uri="{FF2B5EF4-FFF2-40B4-BE49-F238E27FC236}">
+                <a16:creationId xmlns:a16="http://schemas.microsoft.com/office/drawing/2014/main" id="{4114CE41-91EC-1B4F-B792-3C308E31BAED}"/>
+              </a:ext>
+            </a:extLst>
+          </p:cNvPr>
+          <p:cNvCxnSpPr/>
+          <p:nvPr/>
+        </p:nvCxnSpPr>
+        <p:spPr>
+          <a:xfrm>
+            <a:off x="2195736" y="3645024"/>
+            <a:ext cx="1008112" cy="1296144"/>
+          </a:xfrm>
+          <a:prstGeom prst="straightConnector1">
+            <a:avLst/>
+          </a:prstGeom>
+          <a:ln>
+            <a:solidFill>
+              <a:schemeClr val="tx1"/>
+            </a:solidFill>
+            <a:headEnd type="none" w="med" len="med"/>
+            <a:tailEnd type="triangle"/>
+          </a:ln>
+        </p:spPr>
+        <p:style>
+          <a:lnRef idx="1">
+            <a:schemeClr val="accent1"/>
+          </a:lnRef>
+          <a:fillRef idx="0">
+            <a:schemeClr val="accent1"/>
+          </a:fillRef>
+          <a:effectRef idx="0">
+            <a:schemeClr val="accent1"/>
+          </a:effectRef>
+          <a:fontRef idx="minor">
+            <a:schemeClr val="tx1"/>
+          </a:fontRef>
+        </p:style>
+      </p:cxnSp>
+      <p:sp>
+        <p:nvSpPr>
+          <p:cNvPr id="24" name="正方形/長方形 23">
+            <a:extLst>
+              <a:ext uri="{FF2B5EF4-FFF2-40B4-BE49-F238E27FC236}">
+                <a16:creationId xmlns:a16="http://schemas.microsoft.com/office/drawing/2014/main" id="{0A12A5CE-D1A3-E84F-9E00-B7BD032CC71C}"/>
+              </a:ext>
+            </a:extLst>
+          </p:cNvPr>
+          <p:cNvSpPr/>
+          <p:nvPr/>
+        </p:nvSpPr>
+        <p:spPr>
+          <a:xfrm>
+            <a:off x="7020272" y="1988840"/>
+            <a:ext cx="936104" cy="504056"/>
+          </a:xfrm>
+          <a:prstGeom prst="rect">
+            <a:avLst/>
+          </a:prstGeom>
+          <a:noFill/>
+          <a:ln>
+            <a:solidFill>
+              <a:schemeClr val="tx1"/>
+            </a:solidFill>
+          </a:ln>
+        </p:spPr>
+        <p:style>
+          <a:lnRef idx="2">
+            <a:schemeClr val="accent1">
+              <a:shade val="50000"/>
+            </a:schemeClr>
+          </a:lnRef>
+          <a:fillRef idx="1">
+            <a:schemeClr val="accent1"/>
+          </a:fillRef>
+          <a:effectRef idx="0">
+            <a:schemeClr val="accent1"/>
+          </a:effectRef>
+          <a:fontRef idx="minor">
+            <a:schemeClr val="lt1"/>
+          </a:fontRef>
+        </p:style>
+        <p:txBody>
+          <a:bodyPr rtlCol="0" anchor="ctr"/>
+          <a:lstStyle/>
+          <a:p>
+            <a:pPr algn="ctr"/>
+            <a:endParaRPr kumimoji="1" lang="ja-JP" altLang="en-US"/>
+          </a:p>
+        </p:txBody>
+      </p:sp>
+      <p:sp>
+        <p:nvSpPr>
+          <p:cNvPr id="25" name="正方形/長方形 24">
+            <a:extLst>
+              <a:ext uri="{FF2B5EF4-FFF2-40B4-BE49-F238E27FC236}">
+                <a16:creationId xmlns:a16="http://schemas.microsoft.com/office/drawing/2014/main" id="{EE7C38EE-9962-2F47-94BF-E953194D5937}"/>
+              </a:ext>
+            </a:extLst>
+          </p:cNvPr>
+          <p:cNvSpPr/>
+          <p:nvPr/>
+        </p:nvSpPr>
+        <p:spPr>
+          <a:xfrm>
+            <a:off x="7020272" y="2492896"/>
+            <a:ext cx="936104" cy="504056"/>
+          </a:xfrm>
+          <a:prstGeom prst="rect">
+            <a:avLst/>
+          </a:prstGeom>
+          <a:noFill/>
+          <a:ln>
+            <a:solidFill>
+              <a:schemeClr val="tx1"/>
+            </a:solidFill>
+          </a:ln>
+        </p:spPr>
+        <p:style>
+          <a:lnRef idx="2">
+            <a:schemeClr val="accent1">
+              <a:shade val="50000"/>
+            </a:schemeClr>
+          </a:lnRef>
+          <a:fillRef idx="1">
+            <a:schemeClr val="accent1"/>
+          </a:fillRef>
+          <a:effectRef idx="0">
+            <a:schemeClr val="accent1"/>
+          </a:effectRef>
+          <a:fontRef idx="minor">
+            <a:schemeClr val="lt1"/>
+          </a:fontRef>
+        </p:style>
+        <p:txBody>
+          <a:bodyPr rtlCol="0" anchor="ctr"/>
+          <a:lstStyle/>
+          <a:p>
+            <a:pPr algn="ctr"/>
+            <a:r>
+              <a:rPr kumimoji="1" lang="en-US" altLang="ja-JP" sz="3200">
+                <a:solidFill>
+                  <a:schemeClr val="tx1"/>
+                </a:solidFill>
+              </a:rPr>
+              <a:t>20</a:t>
+            </a:r>
+            <a:endParaRPr kumimoji="1" lang="ja-JP" altLang="en-US" sz="3200">
+              <a:solidFill>
+                <a:schemeClr val="tx1"/>
+              </a:solidFill>
+            </a:endParaRPr>
+          </a:p>
+        </p:txBody>
+      </p:sp>
+      <p:sp>
+        <p:nvSpPr>
+          <p:cNvPr id="26" name="正方形/長方形 25">
+            <a:extLst>
+              <a:ext uri="{FF2B5EF4-FFF2-40B4-BE49-F238E27FC236}">
+                <a16:creationId xmlns:a16="http://schemas.microsoft.com/office/drawing/2014/main" id="{9ADA8505-8382-804C-92A4-59C26CA71D92}"/>
+              </a:ext>
+            </a:extLst>
+          </p:cNvPr>
+          <p:cNvSpPr/>
+          <p:nvPr/>
+        </p:nvSpPr>
+        <p:spPr>
+          <a:xfrm>
+            <a:off x="7020272" y="2996952"/>
+            <a:ext cx="936104" cy="504056"/>
+          </a:xfrm>
+          <a:prstGeom prst="rect">
+            <a:avLst/>
+          </a:prstGeom>
+          <a:noFill/>
+          <a:ln>
+            <a:solidFill>
+              <a:schemeClr val="tx1"/>
+            </a:solidFill>
+          </a:ln>
+        </p:spPr>
+        <p:style>
+          <a:lnRef idx="2">
+            <a:schemeClr val="accent1">
+              <a:shade val="50000"/>
+            </a:schemeClr>
+          </a:lnRef>
+          <a:fillRef idx="1">
+            <a:schemeClr val="accent1"/>
+          </a:fillRef>
+          <a:effectRef idx="0">
+            <a:schemeClr val="accent1"/>
+          </a:effectRef>
+          <a:fontRef idx="minor">
+            <a:schemeClr val="lt1"/>
+          </a:fontRef>
+        </p:style>
+        <p:txBody>
+          <a:bodyPr rtlCol="0" anchor="ctr"/>
+          <a:lstStyle/>
+          <a:p>
+            <a:pPr algn="ctr"/>
+            <a:endParaRPr kumimoji="1" lang="ja-JP" altLang="en-US"/>
+          </a:p>
+        </p:txBody>
+      </p:sp>
+      <p:sp>
+        <p:nvSpPr>
+          <p:cNvPr id="27" name="正方形/長方形 26">
+            <a:extLst>
+              <a:ext uri="{FF2B5EF4-FFF2-40B4-BE49-F238E27FC236}">
+                <a16:creationId xmlns:a16="http://schemas.microsoft.com/office/drawing/2014/main" id="{CC18ABFA-AE7A-7549-BF8A-B5E0A7CEEA34}"/>
+              </a:ext>
+            </a:extLst>
+          </p:cNvPr>
+          <p:cNvSpPr/>
+          <p:nvPr/>
+        </p:nvSpPr>
+        <p:spPr>
+          <a:xfrm>
+            <a:off x="7020272" y="3501008"/>
+            <a:ext cx="936104" cy="504056"/>
+          </a:xfrm>
+          <a:prstGeom prst="rect">
+            <a:avLst/>
+          </a:prstGeom>
+          <a:noFill/>
+          <a:ln>
+            <a:solidFill>
+              <a:schemeClr val="tx1"/>
+            </a:solidFill>
+          </a:ln>
+        </p:spPr>
+        <p:style>
+          <a:lnRef idx="2">
+            <a:schemeClr val="accent1">
+              <a:shade val="50000"/>
+            </a:schemeClr>
+          </a:lnRef>
+          <a:fillRef idx="1">
+            <a:schemeClr val="accent1"/>
+          </a:fillRef>
+          <a:effectRef idx="0">
+            <a:schemeClr val="accent1"/>
+          </a:effectRef>
+          <a:fontRef idx="minor">
+            <a:schemeClr val="lt1"/>
+          </a:fontRef>
+        </p:style>
+        <p:txBody>
+          <a:bodyPr rtlCol="0" anchor="ctr"/>
+          <a:lstStyle/>
+          <a:p>
+            <a:pPr algn="ctr"/>
+            <a:endParaRPr kumimoji="1" lang="ja-JP" altLang="en-US" sz="3200">
+              <a:solidFill>
+                <a:schemeClr val="tx1"/>
+              </a:solidFill>
+            </a:endParaRPr>
+          </a:p>
+        </p:txBody>
+      </p:sp>
+      <p:sp>
+        <p:nvSpPr>
+          <p:cNvPr id="28" name="正方形/長方形 27">
+            <a:extLst>
+              <a:ext uri="{FF2B5EF4-FFF2-40B4-BE49-F238E27FC236}">
+                <a16:creationId xmlns:a16="http://schemas.microsoft.com/office/drawing/2014/main" id="{70FE2FD6-59EE-F449-A4BF-B2F57D21727D}"/>
+              </a:ext>
+            </a:extLst>
+          </p:cNvPr>
+          <p:cNvSpPr/>
+          <p:nvPr/>
+        </p:nvSpPr>
+        <p:spPr>
+          <a:xfrm>
+            <a:off x="7020272" y="4005064"/>
+            <a:ext cx="936104" cy="504056"/>
+          </a:xfrm>
+          <a:prstGeom prst="rect">
+            <a:avLst/>
+          </a:prstGeom>
+          <a:noFill/>
+          <a:ln>
+            <a:solidFill>
+              <a:schemeClr val="tx1"/>
+            </a:solidFill>
+          </a:ln>
+        </p:spPr>
+        <p:style>
+          <a:lnRef idx="2">
+            <a:schemeClr val="accent1">
+              <a:shade val="50000"/>
+            </a:schemeClr>
+          </a:lnRef>
+          <a:fillRef idx="1">
+            <a:schemeClr val="accent1"/>
+          </a:fillRef>
+          <a:effectRef idx="0">
+            <a:schemeClr val="accent1"/>
+          </a:effectRef>
+          <a:fontRef idx="minor">
+            <a:schemeClr val="lt1"/>
+          </a:fontRef>
+        </p:style>
+        <p:txBody>
+          <a:bodyPr rtlCol="0" anchor="ctr"/>
+          <a:lstStyle/>
+          <a:p>
+            <a:pPr algn="ctr"/>
+            <a:endParaRPr kumimoji="1" lang="ja-JP" altLang="en-US"/>
+          </a:p>
+        </p:txBody>
+      </p:sp>
+      <p:sp>
+        <p:nvSpPr>
+          <p:cNvPr id="29" name="正方形/長方形 28">
+            <a:extLst>
+              <a:ext uri="{FF2B5EF4-FFF2-40B4-BE49-F238E27FC236}">
+                <a16:creationId xmlns:a16="http://schemas.microsoft.com/office/drawing/2014/main" id="{55D9D242-57AD-4741-A255-D7FDEAEF33A3}"/>
+              </a:ext>
+            </a:extLst>
+          </p:cNvPr>
+          <p:cNvSpPr/>
+          <p:nvPr/>
+        </p:nvSpPr>
+        <p:spPr>
+          <a:xfrm>
+            <a:off x="7020272" y="4509120"/>
+            <a:ext cx="936104" cy="504056"/>
+          </a:xfrm>
+          <a:prstGeom prst="rect">
+            <a:avLst/>
+          </a:prstGeom>
+          <a:noFill/>
+          <a:ln>
+            <a:solidFill>
+              <a:schemeClr val="tx1"/>
+            </a:solidFill>
+          </a:ln>
+        </p:spPr>
+        <p:style>
+          <a:lnRef idx="2">
+            <a:schemeClr val="accent1">
+              <a:shade val="50000"/>
+            </a:schemeClr>
+          </a:lnRef>
+          <a:fillRef idx="1">
+            <a:schemeClr val="accent1"/>
+          </a:fillRef>
+          <a:effectRef idx="0">
+            <a:schemeClr val="accent1"/>
+          </a:effectRef>
+          <a:fontRef idx="minor">
+            <a:schemeClr val="lt1"/>
+          </a:fontRef>
+        </p:style>
+        <p:txBody>
+          <a:bodyPr rtlCol="0" anchor="ctr"/>
+          <a:lstStyle/>
+          <a:p>
+            <a:pPr algn="ctr"/>
+            <a:endParaRPr kumimoji="1" lang="ja-JP" altLang="en-US"/>
+          </a:p>
+        </p:txBody>
+      </p:sp>
+      <p:sp>
+        <p:nvSpPr>
+          <p:cNvPr id="30" name="1 つの角を切り取った四角形 29">
+            <a:extLst>
+              <a:ext uri="{FF2B5EF4-FFF2-40B4-BE49-F238E27FC236}">
+                <a16:creationId xmlns:a16="http://schemas.microsoft.com/office/drawing/2014/main" id="{30357620-27DB-824D-8F6A-1BC8A59E17BC}"/>
+              </a:ext>
+            </a:extLst>
+          </p:cNvPr>
+          <p:cNvSpPr/>
+          <p:nvPr/>
+        </p:nvSpPr>
+        <p:spPr>
+          <a:xfrm>
+            <a:off x="8172400" y="2564904"/>
+            <a:ext cx="864096" cy="288032"/>
+          </a:xfrm>
+          <a:prstGeom prst="snip1Rect">
+            <a:avLst/>
+          </a:prstGeom>
+          <a:solidFill>
+            <a:schemeClr val="bg1"/>
+          </a:solidFill>
+          <a:ln>
+            <a:solidFill>
+              <a:schemeClr val="tx1"/>
+            </a:solidFill>
+          </a:ln>
+        </p:spPr>
+        <p:style>
+          <a:lnRef idx="2">
+            <a:schemeClr val="accent1">
+              <a:shade val="50000"/>
+            </a:schemeClr>
+          </a:lnRef>
+          <a:fillRef idx="1">
+            <a:schemeClr val="accent1"/>
+          </a:fillRef>
+          <a:effectRef idx="0">
+            <a:schemeClr val="accent1"/>
+          </a:effectRef>
+          <a:fontRef idx="minor">
+            <a:schemeClr val="lt1"/>
+          </a:fontRef>
+        </p:style>
+        <p:txBody>
+          <a:bodyPr rtlCol="0" anchor="ctr"/>
+          <a:lstStyle/>
+          <a:p>
+            <a:pPr algn="ctr"/>
+            <a:r>
+              <a:rPr kumimoji="1" lang="en-US" altLang="ja-JP" sz="2000">
+                <a:solidFill>
+                  <a:schemeClr val="tx1"/>
+                </a:solidFill>
+              </a:rPr>
+              <a:t>a</a:t>
+            </a:r>
+            <a:endParaRPr kumimoji="1" lang="ja-JP" altLang="en-US" sz="2000">
+              <a:solidFill>
+                <a:schemeClr val="tx1"/>
+              </a:solidFill>
+            </a:endParaRPr>
+          </a:p>
+        </p:txBody>
+      </p:sp>
+      <p:cxnSp>
+        <p:nvCxnSpPr>
+          <p:cNvPr id="31" name="直線矢印コネクタ 30">
+            <a:extLst>
+              <a:ext uri="{FF2B5EF4-FFF2-40B4-BE49-F238E27FC236}">
+                <a16:creationId xmlns:a16="http://schemas.microsoft.com/office/drawing/2014/main" id="{13464A84-9158-C341-A367-3B98A4E4486D}"/>
+              </a:ext>
+            </a:extLst>
+          </p:cNvPr>
+          <p:cNvCxnSpPr>
+            <a:cxnSpLocks/>
+            <a:stCxn id="30" idx="2"/>
+          </p:cNvCxnSpPr>
+          <p:nvPr/>
+        </p:nvCxnSpPr>
+        <p:spPr>
+          <a:xfrm flipH="1">
+            <a:off x="7956376" y="2708920"/>
+            <a:ext cx="216024" cy="0"/>
+          </a:xfrm>
+          <a:prstGeom prst="straightConnector1">
+            <a:avLst/>
+          </a:prstGeom>
+          <a:ln w="12700">
+            <a:solidFill>
+              <a:schemeClr val="tx1"/>
+            </a:solidFill>
+            <a:tailEnd type="triangle"/>
+          </a:ln>
+        </p:spPr>
+        <p:style>
+          <a:lnRef idx="1">
+            <a:schemeClr val="accent1"/>
+          </a:lnRef>
+          <a:fillRef idx="0">
+            <a:schemeClr val="accent1"/>
+          </a:fillRef>
+          <a:effectRef idx="0">
+            <a:schemeClr val="accent1"/>
+          </a:effectRef>
+          <a:fontRef idx="minor">
+            <a:schemeClr val="tx1"/>
+          </a:fontRef>
+        </p:style>
+      </p:cxnSp>
+      <p:sp>
+        <p:nvSpPr>
+          <p:cNvPr id="32" name="テキスト ボックス 31">
+            <a:extLst>
+              <a:ext uri="{FF2B5EF4-FFF2-40B4-BE49-F238E27FC236}">
+                <a16:creationId xmlns:a16="http://schemas.microsoft.com/office/drawing/2014/main" id="{142D13B3-5F65-2C44-B982-B785FF7BCB55}"/>
+              </a:ext>
+            </a:extLst>
+          </p:cNvPr>
+          <p:cNvSpPr txBox="1"/>
+          <p:nvPr/>
+        </p:nvSpPr>
+        <p:spPr>
+          <a:xfrm>
+            <a:off x="2195736" y="2204864"/>
+            <a:ext cx="646331" cy="369332"/>
+          </a:xfrm>
+          <a:prstGeom prst="rect">
+            <a:avLst/>
+          </a:prstGeom>
+          <a:noFill/>
+        </p:spPr>
+        <p:txBody>
+          <a:bodyPr wrap="none" rtlCol="0">
+            <a:spAutoFit/>
+          </a:bodyPr>
+          <a:lstStyle/>
+          <a:p>
+            <a:r>
+              <a:rPr kumimoji="1" lang="ja-JP" altLang="en-US"/>
+              <a:t>作成</a:t>
+            </a:r>
+          </a:p>
+        </p:txBody>
+      </p:sp>
+      <p:sp>
+        <p:nvSpPr>
+          <p:cNvPr id="33" name="テキスト ボックス 32">
+            <a:extLst>
+              <a:ext uri="{FF2B5EF4-FFF2-40B4-BE49-F238E27FC236}">
+                <a16:creationId xmlns:a16="http://schemas.microsoft.com/office/drawing/2014/main" id="{733FCE6E-5F15-5742-95E2-18DB25715969}"/>
+              </a:ext>
+            </a:extLst>
+          </p:cNvPr>
+          <p:cNvSpPr txBox="1"/>
+          <p:nvPr/>
+        </p:nvSpPr>
+        <p:spPr>
+          <a:xfrm>
+            <a:off x="2483768" y="3789040"/>
+            <a:ext cx="646331" cy="369332"/>
+          </a:xfrm>
+          <a:prstGeom prst="rect">
+            <a:avLst/>
+          </a:prstGeom>
+          <a:noFill/>
+        </p:spPr>
+        <p:txBody>
+          <a:bodyPr wrap="none" rtlCol="0">
+            <a:spAutoFit/>
+          </a:bodyPr>
+          <a:lstStyle/>
+          <a:p>
+            <a:r>
+              <a:rPr kumimoji="1" lang="ja-JP" altLang="en-US"/>
+              <a:t>参照</a:t>
+            </a:r>
+          </a:p>
+        </p:txBody>
+      </p:sp>
+      <p:sp>
+        <p:nvSpPr>
+          <p:cNvPr id="34" name="テキスト ボックス 33">
+            <a:extLst>
+              <a:ext uri="{FF2B5EF4-FFF2-40B4-BE49-F238E27FC236}">
+                <a16:creationId xmlns:a16="http://schemas.microsoft.com/office/drawing/2014/main" id="{021AC436-6538-794A-A00E-66B68E724088}"/>
+              </a:ext>
+            </a:extLst>
+          </p:cNvPr>
+          <p:cNvSpPr txBox="1"/>
+          <p:nvPr/>
+        </p:nvSpPr>
+        <p:spPr>
+          <a:xfrm>
+            <a:off x="6588224" y="1052736"/>
+            <a:ext cx="2236510" cy="707886"/>
+          </a:xfrm>
+          <a:prstGeom prst="rect">
+            <a:avLst/>
+          </a:prstGeom>
+          <a:noFill/>
+        </p:spPr>
+        <p:txBody>
+          <a:bodyPr wrap="none" rtlCol="0">
+            <a:spAutoFit/>
+          </a:bodyPr>
+          <a:lstStyle/>
+          <a:p>
+            <a:r>
+              <a:rPr kumimoji="1" lang="ja-JP" altLang="en-US" sz="2000"/>
+              <a:t>「関数</a:t>
+            </a:r>
+            <a:r>
+              <a:rPr kumimoji="1" lang="en-US" altLang="ja-JP" sz="2000"/>
+              <a:t>func</a:t>
+            </a:r>
+            <a:r>
+              <a:rPr kumimoji="1" lang="ja-JP" altLang="en-US" sz="2000"/>
+              <a:t>の」</a:t>
+            </a:r>
+            <a:endParaRPr kumimoji="1" lang="en-US" altLang="ja-JP" sz="2000"/>
+          </a:p>
+          <a:p>
+            <a:r>
+              <a:rPr lang="ja-JP" altLang="en-US" sz="2000"/>
+              <a:t>ローカルスコープ</a:t>
+            </a:r>
+            <a:endParaRPr kumimoji="1" lang="ja-JP" altLang="en-US" sz="2000"/>
+          </a:p>
+        </p:txBody>
+      </p:sp>
+      <p:cxnSp>
+        <p:nvCxnSpPr>
+          <p:cNvPr id="36" name="直線矢印コネクタ 35">
+            <a:extLst>
+              <a:ext uri="{FF2B5EF4-FFF2-40B4-BE49-F238E27FC236}">
+                <a16:creationId xmlns:a16="http://schemas.microsoft.com/office/drawing/2014/main" id="{3C6DB16E-600D-5345-95BB-8A723C7BF6F9}"/>
+              </a:ext>
+            </a:extLst>
+          </p:cNvPr>
+          <p:cNvCxnSpPr/>
+          <p:nvPr/>
+        </p:nvCxnSpPr>
+        <p:spPr>
+          <a:xfrm flipV="1">
+            <a:off x="6156176" y="2780928"/>
+            <a:ext cx="864096" cy="360040"/>
+          </a:xfrm>
+          <a:prstGeom prst="straightConnector1">
+            <a:avLst/>
+          </a:prstGeom>
+          <a:ln>
+            <a:solidFill>
+              <a:schemeClr val="tx1"/>
+            </a:solidFill>
+            <a:headEnd type="none" w="med" len="med"/>
+            <a:tailEnd type="triangle"/>
+          </a:ln>
+        </p:spPr>
+        <p:style>
+          <a:lnRef idx="1">
+            <a:schemeClr val="accent1"/>
+          </a:lnRef>
+          <a:fillRef idx="0">
+            <a:schemeClr val="accent1"/>
+          </a:fillRef>
+          <a:effectRef idx="0">
+            <a:schemeClr val="accent1"/>
+          </a:effectRef>
+          <a:fontRef idx="minor">
+            <a:schemeClr val="tx1"/>
+          </a:fontRef>
+        </p:style>
+      </p:cxnSp>
+      <p:cxnSp>
+        <p:nvCxnSpPr>
+          <p:cNvPr id="40" name="直線矢印コネクタ 39">
+            <a:extLst>
+              <a:ext uri="{FF2B5EF4-FFF2-40B4-BE49-F238E27FC236}">
+                <a16:creationId xmlns:a16="http://schemas.microsoft.com/office/drawing/2014/main" id="{34BA8C13-8F3A-1044-9978-79EED5DAF35D}"/>
+              </a:ext>
+            </a:extLst>
+          </p:cNvPr>
+          <p:cNvCxnSpPr/>
+          <p:nvPr/>
+        </p:nvCxnSpPr>
+        <p:spPr>
+          <a:xfrm flipH="1">
+            <a:off x="6228184" y="2924944"/>
+            <a:ext cx="792088" cy="576064"/>
+          </a:xfrm>
+          <a:prstGeom prst="straightConnector1">
+            <a:avLst/>
+          </a:prstGeom>
+          <a:ln>
+            <a:solidFill>
+              <a:schemeClr val="tx1"/>
+            </a:solidFill>
+            <a:headEnd type="none" w="med" len="med"/>
+            <a:tailEnd type="triangle"/>
+          </a:ln>
+        </p:spPr>
+        <p:style>
+          <a:lnRef idx="1">
+            <a:schemeClr val="accent1"/>
+          </a:lnRef>
+          <a:fillRef idx="0">
+            <a:schemeClr val="accent1"/>
+          </a:fillRef>
+          <a:effectRef idx="0">
+            <a:schemeClr val="accent1"/>
+          </a:effectRef>
+          <a:fontRef idx="minor">
+            <a:schemeClr val="tx1"/>
+          </a:fontRef>
+        </p:style>
+      </p:cxnSp>
+    </p:spTree>
+    <p:extLst>
+      <p:ext uri="{BB962C8B-B14F-4D97-AF65-F5344CB8AC3E}">
+        <p14:creationId xmlns:p14="http://schemas.microsoft.com/office/powerpoint/2010/main" val="4151117125"/>
       </p:ext>
     </p:extLst>
   </p:cSld>

--- a/scope/fig/slide.pptx
+++ b/scope/fig/slide.pptx
@@ -5,7 +5,7 @@
     <p:sldMasterId id="2147483663" r:id="rId1"/>
   </p:sldMasterIdLst>
   <p:notesMasterIdLst>
-    <p:notesMasterId r:id="rId21"/>
+    <p:notesMasterId r:id="rId22"/>
   </p:notesMasterIdLst>
   <p:sldIdLst>
     <p:sldId id="256" r:id="rId2"/>
@@ -27,6 +27,7 @@
     <p:sldId id="302" r:id="rId18"/>
     <p:sldId id="303" r:id="rId19"/>
     <p:sldId id="304" r:id="rId20"/>
+    <p:sldId id="305" r:id="rId21"/>
   </p:sldIdLst>
   <p:sldSz cx="9144000" cy="6858000" type="screen4x3"/>
   <p:notesSz cx="6858000" cy="9144000"/>
@@ -3444,46 +3445,6 @@
           </a:p>
         </p:txBody>
       </p:sp>
-      <p:sp>
-        <p:nvSpPr>
-          <p:cNvPr id="11" name="テキスト ボックス 10">
-            <a:extLst>
-              <a:ext uri="{FF2B5EF4-FFF2-40B4-BE49-F238E27FC236}">
-                <a16:creationId xmlns:a16="http://schemas.microsoft.com/office/drawing/2014/main" id="{D8FEC451-29EA-EB41-BB7C-09524ED3152C}"/>
-              </a:ext>
-            </a:extLst>
-          </p:cNvPr>
-          <p:cNvSpPr txBox="1"/>
-          <p:nvPr/>
-        </p:nvSpPr>
-        <p:spPr>
-          <a:xfrm>
-            <a:off x="1043608" y="4437112"/>
-            <a:ext cx="7704856" cy="954107"/>
-          </a:xfrm>
-          <a:prstGeom prst="rect">
-            <a:avLst/>
-          </a:prstGeom>
-          <a:noFill/>
-        </p:spPr>
-        <p:txBody>
-          <a:bodyPr wrap="square" rtlCol="0">
-            <a:spAutoFit/>
-          </a:bodyPr>
-          <a:lstStyle/>
-          <a:p>
-            <a:r>
-              <a:rPr kumimoji="1" lang="ja-JP" altLang="en-US" sz="2800"/>
-              <a:t>スコープの話はわかりづらいが、ハマることが多いのできちんとイメージを</a:t>
-            </a:r>
-            <a:r>
-              <a:rPr lang="ja-JP" altLang="en-US" sz="2800"/>
-              <a:t>つかんでおくこと</a:t>
-            </a:r>
-            <a:endParaRPr kumimoji="1" lang="ja-JP" altLang="en-US" sz="2800"/>
-          </a:p>
-        </p:txBody>
-      </p:sp>
     </p:spTree>
     <p:extLst>
       <p:ext uri="{BB962C8B-B14F-4D97-AF65-F5344CB8AC3E}">
@@ -3675,6 +3636,16 @@
             </a:r>
           </a:p>
           <a:p>
+            <a:r>
+              <a:rPr lang="en" altLang="ja-JP" sz="2800" b="0">
+                <a:solidFill>
+                  <a:srgbClr val="D4D4D4"/>
+                </a:solidFill>
+                <a:effectLst/>
+                <a:latin typeface="Menlo" panose="020B0609030804020204" pitchFamily="49" charset="0"/>
+              </a:rPr>
+              <a:t/>
+            </a:r>
             <a:br>
               <a:rPr lang="en" altLang="ja-JP" sz="2800" b="0">
                 <a:solidFill>
@@ -4138,6 +4109,16 @@
             </a:endParaRPr>
           </a:p>
           <a:p>
+            <a:r>
+              <a:rPr lang="en" altLang="ja-JP" sz="2400" b="0">
+                <a:solidFill>
+                  <a:srgbClr val="D4D4D4"/>
+                </a:solidFill>
+                <a:effectLst/>
+                <a:latin typeface="Menlo" panose="020B0609030804020204" pitchFamily="49" charset="0"/>
+              </a:rPr>
+              <a:t/>
+            </a:r>
             <a:br>
               <a:rPr lang="en" altLang="ja-JP" sz="2400" b="0">
                 <a:solidFill>
@@ -4221,6 +4202,16 @@
             </a:r>
           </a:p>
           <a:p>
+            <a:r>
+              <a:rPr lang="en" altLang="ja-JP" sz="2400" b="0">
+                <a:solidFill>
+                  <a:srgbClr val="D4D4D4"/>
+                </a:solidFill>
+                <a:effectLst/>
+                <a:latin typeface="Menlo" panose="020B0609030804020204" pitchFamily="49" charset="0"/>
+              </a:rPr>
+              <a:t/>
+            </a:r>
             <a:br>
               <a:rPr lang="en" altLang="ja-JP" sz="2400" b="0">
                 <a:solidFill>
@@ -5258,8 +5249,8 @@
         </p:nvSpPr>
         <p:spPr>
           <a:xfrm>
-            <a:off x="3486080" y="1046052"/>
-            <a:ext cx="2262158" cy="369332"/>
+            <a:off x="3094672" y="981443"/>
+            <a:ext cx="2954655" cy="461665"/>
           </a:xfrm>
           <a:prstGeom prst="rect">
             <a:avLst/>
@@ -5273,7 +5264,7 @@
           <a:lstStyle/>
           <a:p>
             <a:r>
-              <a:rPr kumimoji="1" lang="ja-JP" altLang="en-US"/>
+              <a:rPr kumimoji="1" lang="ja-JP" altLang="en-US" sz="2400" dirty="0"/>
               <a:t>グローバルスコープ</a:t>
             </a:r>
           </a:p>
@@ -5293,7 +5284,7 @@
         </p:nvCxnSpPr>
         <p:spPr>
           <a:xfrm flipH="1">
-            <a:off x="3140640" y="1411812"/>
+            <a:off x="2759392" y="1366309"/>
             <a:ext cx="335280" cy="274320"/>
           </a:xfrm>
           <a:prstGeom prst="straightConnector1">
@@ -5335,7 +5326,7 @@
         </p:nvCxnSpPr>
         <p:spPr>
           <a:xfrm>
-            <a:off x="5660320" y="1330532"/>
+            <a:off x="5983848" y="1266816"/>
             <a:ext cx="335280" cy="304800"/>
           </a:xfrm>
           <a:prstGeom prst="straightConnector1">
@@ -5976,7 +5967,7 @@
           <a:lstStyle/>
           <a:p>
             <a:r>
-              <a:rPr lang="en" altLang="ja-JP" sz="2800" b="0">
+              <a:rPr lang="en" altLang="ja-JP" sz="2800" b="0" dirty="0">
                 <a:solidFill>
                   <a:srgbClr val="D4D4D4"/>
                 </a:solidFill>
@@ -5986,7 +5977,7 @@
               <a:t>a = </a:t>
             </a:r>
             <a:r>
-              <a:rPr lang="en" altLang="ja-JP" sz="2800" b="0">
+              <a:rPr lang="en" altLang="ja-JP" sz="2800" b="0" dirty="0">
                 <a:solidFill>
                   <a:srgbClr val="B5CEA8"/>
                 </a:solidFill>
@@ -5995,7 +5986,7 @@
               </a:rPr>
               <a:t>10</a:t>
             </a:r>
-            <a:endParaRPr lang="en" altLang="ja-JP" sz="2800" b="0">
+            <a:endParaRPr lang="en" altLang="ja-JP" sz="2800" b="0" dirty="0">
               <a:solidFill>
                 <a:srgbClr val="D4D4D4"/>
               </a:solidFill>
@@ -6004,8 +5995,18 @@
             </a:endParaRPr>
           </a:p>
           <a:p>
+            <a:r>
+              <a:rPr lang="en" altLang="ja-JP" sz="2800" b="0" dirty="0">
+                <a:solidFill>
+                  <a:srgbClr val="D4D4D4"/>
+                </a:solidFill>
+                <a:effectLst/>
+                <a:latin typeface="Menlo" panose="020B0609030804020204" pitchFamily="49" charset="0"/>
+              </a:rPr>
+              <a:t/>
+            </a:r>
             <a:br>
-              <a:rPr lang="en" altLang="ja-JP" sz="2800" b="0">
+              <a:rPr lang="en" altLang="ja-JP" sz="2800" b="0" dirty="0">
                 <a:solidFill>
                   <a:srgbClr val="D4D4D4"/>
                 </a:solidFill>
@@ -6014,7 +6015,7 @@
               </a:rPr>
             </a:br>
             <a:r>
-              <a:rPr lang="en" altLang="ja-JP" sz="2800" b="0">
+              <a:rPr lang="en" altLang="ja-JP" sz="2800" b="0" dirty="0">
                 <a:solidFill>
                   <a:srgbClr val="569CD6"/>
                 </a:solidFill>
@@ -6024,7 +6025,7 @@
               <a:t>def</a:t>
             </a:r>
             <a:r>
-              <a:rPr lang="en" altLang="ja-JP" sz="2800" b="0">
+              <a:rPr lang="en" altLang="ja-JP" sz="2800" b="0" dirty="0">
                 <a:solidFill>
                   <a:srgbClr val="D4D4D4"/>
                 </a:solidFill>
@@ -6034,7 +6035,7 @@
               <a:t> </a:t>
             </a:r>
             <a:r>
-              <a:rPr lang="en" altLang="ja-JP" sz="2800" b="0">
+              <a:rPr lang="en" altLang="ja-JP" sz="2800" b="0" dirty="0">
                 <a:solidFill>
                   <a:srgbClr val="DCDCAA"/>
                 </a:solidFill>
@@ -6044,7 +6045,7 @@
               <a:t>func</a:t>
             </a:r>
             <a:r>
-              <a:rPr lang="en" altLang="ja-JP" sz="2800" b="0">
+              <a:rPr lang="en" altLang="ja-JP" sz="2800" b="0" dirty="0">
                 <a:solidFill>
                   <a:srgbClr val="D4D4D4"/>
                 </a:solidFill>
@@ -6056,7 +6057,7 @@
           </a:p>
           <a:p>
             <a:r>
-              <a:rPr lang="en" altLang="ja-JP" sz="2800" b="0">
+              <a:rPr lang="en" altLang="ja-JP" sz="2800" b="0" dirty="0">
                 <a:solidFill>
                   <a:srgbClr val="D4D4D4"/>
                 </a:solidFill>
@@ -6066,7 +6067,7 @@
               <a:t>  a = </a:t>
             </a:r>
             <a:r>
-              <a:rPr lang="en" altLang="ja-JP" sz="2800" b="0">
+              <a:rPr lang="en" altLang="ja-JP" sz="2800" b="0" dirty="0">
                 <a:solidFill>
                   <a:srgbClr val="B5CEA8"/>
                 </a:solidFill>
@@ -6075,7 +6076,7 @@
               </a:rPr>
               <a:t>20</a:t>
             </a:r>
-            <a:endParaRPr lang="en" altLang="ja-JP" sz="2800" b="0">
+            <a:endParaRPr lang="en" altLang="ja-JP" sz="2800" b="0" dirty="0">
               <a:solidFill>
                 <a:srgbClr val="D4D4D4"/>
               </a:solidFill>
@@ -6085,7 +6086,7 @@
           </a:p>
           <a:p>
             <a:r>
-              <a:rPr lang="en" altLang="ja-JP" sz="2800" b="0">
+              <a:rPr lang="en" altLang="ja-JP" sz="2800" b="0" dirty="0">
                 <a:solidFill>
                   <a:srgbClr val="D4D4D4"/>
                 </a:solidFill>
@@ -6095,7 +6096,7 @@
               <a:t>  </a:t>
             </a:r>
             <a:r>
-              <a:rPr lang="en" altLang="ja-JP" sz="2800" b="0">
+              <a:rPr lang="en" altLang="ja-JP" sz="2800" b="0" dirty="0">
                 <a:solidFill>
                   <a:srgbClr val="DCDCAA"/>
                 </a:solidFill>
@@ -6105,7 +6106,7 @@
               <a:t>print</a:t>
             </a:r>
             <a:r>
-              <a:rPr lang="en" altLang="ja-JP" sz="2800" b="0">
+              <a:rPr lang="en" altLang="ja-JP" sz="2800" b="0" dirty="0">
                 <a:solidFill>
                   <a:srgbClr val="D4D4D4"/>
                 </a:solidFill>
@@ -6116,8 +6117,18 @@
             </a:r>
           </a:p>
           <a:p>
+            <a:r>
+              <a:rPr lang="en" altLang="ja-JP" sz="2800" b="0" dirty="0">
+                <a:solidFill>
+                  <a:srgbClr val="D4D4D4"/>
+                </a:solidFill>
+                <a:effectLst/>
+                <a:latin typeface="Menlo" panose="020B0609030804020204" pitchFamily="49" charset="0"/>
+              </a:rPr>
+              <a:t/>
+            </a:r>
             <a:br>
-              <a:rPr lang="en" altLang="ja-JP" sz="2800" b="0">
+              <a:rPr lang="en" altLang="ja-JP" sz="2800" b="0" dirty="0">
                 <a:solidFill>
                   <a:srgbClr val="D4D4D4"/>
                 </a:solidFill>
@@ -6126,7 +6137,7 @@
               </a:rPr>
             </a:br>
             <a:r>
-              <a:rPr lang="en" altLang="ja-JP" sz="2800" b="0">
+              <a:rPr lang="en" altLang="ja-JP" sz="2800" b="0" dirty="0">
                 <a:solidFill>
                   <a:srgbClr val="D4D4D4"/>
                 </a:solidFill>
@@ -6138,7 +6149,7 @@
           </a:p>
           <a:p>
             <a:r>
-              <a:rPr lang="en" altLang="ja-JP" sz="2800" b="0">
+              <a:rPr lang="en" altLang="ja-JP" sz="2800" b="0" dirty="0">
                 <a:solidFill>
                   <a:srgbClr val="DCDCAA"/>
                 </a:solidFill>
@@ -6148,7 +6159,7 @@
               <a:t>print</a:t>
             </a:r>
             <a:r>
-              <a:rPr lang="en" altLang="ja-JP" sz="2800" b="0">
+              <a:rPr lang="en" altLang="ja-JP" sz="2800" b="0" dirty="0">
                 <a:solidFill>
                   <a:srgbClr val="D4D4D4"/>
                 </a:solidFill>
@@ -6311,8 +6322,8 @@
         </p:nvSpPr>
         <p:spPr>
           <a:xfrm>
-            <a:off x="4211239" y="5085184"/>
-            <a:ext cx="4932761" cy="461665"/>
+            <a:off x="3779191" y="5343599"/>
+            <a:ext cx="5240537" cy="461665"/>
           </a:xfrm>
           <a:prstGeom prst="rect">
             <a:avLst/>
@@ -6326,16 +6337,32 @@
           <a:lstStyle/>
           <a:p>
             <a:r>
-              <a:rPr kumimoji="1" lang="ja-JP" altLang="en-US" sz="2400"/>
+              <a:rPr kumimoji="1" lang="ja-JP" altLang="en-US" sz="2400" dirty="0"/>
               <a:t>グローバル変数</a:t>
             </a:r>
             <a:r>
-              <a:rPr kumimoji="1" lang="en-US" altLang="ja-JP" sz="2400"/>
+              <a:rPr kumimoji="1" lang="en-US" altLang="ja-JP" sz="2400" dirty="0"/>
               <a:t>a</a:t>
             </a:r>
             <a:r>
-              <a:rPr kumimoji="1" lang="ja-JP" altLang="en-US" sz="2400"/>
-              <a:t>の値が表示される</a:t>
+              <a:rPr kumimoji="1" lang="ja-JP" altLang="en-US" sz="2400" dirty="0"/>
+              <a:t>の</a:t>
+            </a:r>
+            <a:r>
+              <a:rPr kumimoji="1" lang="ja-JP" altLang="en-US" sz="2400" dirty="0" smtClean="0"/>
+              <a:t>値</a:t>
+            </a:r>
+            <a:r>
+              <a:rPr kumimoji="1" lang="en-US" altLang="ja-JP" sz="2400" dirty="0" smtClean="0"/>
+              <a:t>10</a:t>
+            </a:r>
+            <a:r>
+              <a:rPr kumimoji="1" lang="ja-JP" altLang="en-US" sz="2400" dirty="0" smtClean="0"/>
+              <a:t>が</a:t>
+            </a:r>
+            <a:r>
+              <a:rPr kumimoji="1" lang="ja-JP" altLang="en-US" sz="2400" dirty="0"/>
+              <a:t>表示される</a:t>
             </a:r>
           </a:p>
         </p:txBody>
@@ -6353,8 +6380,8 @@
           <p:nvPr/>
         </p:nvSpPr>
         <p:spPr>
-          <a:xfrm>
-            <a:off x="3707904" y="5085184"/>
+          <a:xfrm rot="5400000">
+            <a:off x="4856695" y="4874170"/>
             <a:ext cx="504056" cy="441049"/>
           </a:xfrm>
           <a:prstGeom prst="rightArrow">
@@ -6445,7 +6472,11 @@
           <a:bodyPr/>
           <a:lstStyle/>
           <a:p>
-            <a:endParaRPr kumimoji="1" lang="ja-JP" altLang="en-US"/>
+            <a:r>
+              <a:rPr kumimoji="1" lang="ja-JP" altLang="en-US" dirty="0" smtClean="0"/>
+              <a:t>名前解決</a:t>
+            </a:r>
+            <a:endParaRPr kumimoji="1" lang="ja-JP" altLang="en-US" dirty="0"/>
           </a:p>
         </p:txBody>
       </p:sp>
@@ -6962,6 +6993,13 @@
             </a:r>
           </a:p>
           <a:p>
+            <a:r>
+              <a:rPr lang="en" altLang="ja-JP" sz="2800" b="0">
+                <a:effectLst/>
+                <a:latin typeface="Menlo" panose="020B0609030804020204" pitchFamily="49" charset="0"/>
+              </a:rPr>
+              <a:t/>
+            </a:r>
             <a:br>
               <a:rPr lang="en" altLang="ja-JP" sz="2800" b="0">
                 <a:effectLst/>
@@ -7005,6 +7043,13 @@
             </a:r>
           </a:p>
           <a:p>
+            <a:r>
+              <a:rPr lang="en" altLang="ja-JP" sz="2800" b="0">
+                <a:effectLst/>
+                <a:latin typeface="Menlo" panose="020B0609030804020204" pitchFamily="49" charset="0"/>
+              </a:rPr>
+              <a:t/>
+            </a:r>
             <a:br>
               <a:rPr lang="en" altLang="ja-JP" sz="2800" b="0">
                 <a:effectLst/>
@@ -7762,6 +7807,48 @@
           </a:fontRef>
         </p:style>
       </p:cxnSp>
+      <p:sp>
+        <p:nvSpPr>
+          <p:cNvPr id="10" name="テキスト ボックス 9"/>
+          <p:cNvSpPr txBox="1"/>
+          <p:nvPr/>
+        </p:nvSpPr>
+        <p:spPr>
+          <a:xfrm>
+            <a:off x="275107" y="5385139"/>
+            <a:ext cx="7520007" cy="523220"/>
+          </a:xfrm>
+          <a:prstGeom prst="rect">
+            <a:avLst/>
+          </a:prstGeom>
+          <a:noFill/>
+        </p:spPr>
+        <p:txBody>
+          <a:bodyPr wrap="none" rtlCol="0">
+            <a:spAutoFit/>
+          </a:bodyPr>
+          <a:lstStyle/>
+          <a:p>
+            <a:r>
+              <a:rPr kumimoji="1" lang="en-US" altLang="ja-JP" sz="2800" dirty="0" smtClean="0"/>
+              <a:t>a</a:t>
+            </a:r>
+            <a:r>
+              <a:rPr kumimoji="1" lang="ja-JP" altLang="en-US" sz="2800" dirty="0" smtClean="0"/>
+              <a:t>という名前の指す先は、場所によって</a:t>
+            </a:r>
+            <a:r>
+              <a:rPr lang="ja-JP" altLang="en-US" sz="2800" dirty="0"/>
+              <a:t>異</a:t>
+            </a:r>
+            <a:r>
+              <a:rPr lang="ja-JP" altLang="en-US" sz="2800" dirty="0" smtClean="0"/>
+              <a:t>なる</a:t>
+            </a:r>
+            <a:endParaRPr kumimoji="1" lang="ja-JP" altLang="en-US" sz="2800" dirty="0"/>
+          </a:p>
+        </p:txBody>
+      </p:sp>
     </p:spTree>
     <p:extLst>
       <p:ext uri="{BB962C8B-B14F-4D97-AF65-F5344CB8AC3E}">
@@ -7981,6 +8068,470 @@
 </p:sld>
 </file>
 
+<file path=ppt/slides/slide20.xml><?xml version="1.0" encoding="utf-8"?>
+<p:sld xmlns:a="http://schemas.openxmlformats.org/drawingml/2006/main" xmlns:r="http://schemas.openxmlformats.org/officeDocument/2006/relationships" xmlns:p="http://schemas.openxmlformats.org/presentationml/2006/main">
+  <p:cSld>
+    <p:spTree>
+      <p:nvGrpSpPr>
+        <p:cNvPr id="1" name=""/>
+        <p:cNvGrpSpPr/>
+        <p:nvPr/>
+      </p:nvGrpSpPr>
+      <p:grpSpPr>
+        <a:xfrm>
+          <a:off x="0" y="0"/>
+          <a:ext cx="0" cy="0"/>
+          <a:chOff x="0" y="0"/>
+          <a:chExt cx="0" cy="0"/>
+        </a:xfrm>
+      </p:grpSpPr>
+      <p:sp>
+        <p:nvSpPr>
+          <p:cNvPr id="2" name="テキスト プレースホルダー 1"/>
+          <p:cNvSpPr>
+            <a:spLocks noGrp="1"/>
+          </p:cNvSpPr>
+          <p:nvPr>
+            <p:ph type="body" sz="quarter" idx="10"/>
+          </p:nvPr>
+        </p:nvSpPr>
+        <p:spPr/>
+        <p:txBody>
+          <a:bodyPr/>
+          <a:lstStyle/>
+          <a:p>
+            <a:r>
+              <a:rPr lang="ja-JP" altLang="en-US" dirty="0" smtClean="0"/>
+              <a:t>名前</a:t>
+            </a:r>
+            <a:r>
+              <a:rPr lang="ja-JP" altLang="en-US" dirty="0"/>
+              <a:t>解決</a:t>
+            </a:r>
+            <a:endParaRPr kumimoji="1" lang="ja-JP" altLang="en-US" dirty="0"/>
+          </a:p>
+        </p:txBody>
+      </p:sp>
+      <p:sp>
+        <p:nvSpPr>
+          <p:cNvPr id="3" name="テキスト ボックス 2"/>
+          <p:cNvSpPr txBox="1"/>
+          <p:nvPr/>
+        </p:nvSpPr>
+        <p:spPr>
+          <a:xfrm>
+            <a:off x="539552" y="4862850"/>
+            <a:ext cx="7725192" cy="523220"/>
+          </a:xfrm>
+          <a:prstGeom prst="rect">
+            <a:avLst/>
+          </a:prstGeom>
+          <a:noFill/>
+        </p:spPr>
+        <p:txBody>
+          <a:bodyPr wrap="none" rtlCol="0">
+            <a:spAutoFit/>
+          </a:bodyPr>
+          <a:lstStyle/>
+          <a:p>
+            <a:r>
+              <a:rPr kumimoji="1" lang="ja-JP" altLang="en-US" sz="2800" dirty="0" smtClean="0"/>
+              <a:t>先に狭いスコープを、次に広いスコープを探す</a:t>
+            </a:r>
+            <a:endParaRPr kumimoji="1" lang="ja-JP" altLang="en-US" sz="2800" dirty="0"/>
+          </a:p>
+        </p:txBody>
+      </p:sp>
+      <p:sp>
+        <p:nvSpPr>
+          <p:cNvPr id="4" name="正方形/長方形 3"/>
+          <p:cNvSpPr/>
+          <p:nvPr/>
+        </p:nvSpPr>
+        <p:spPr>
+          <a:xfrm>
+            <a:off x="330703" y="1124744"/>
+            <a:ext cx="3233185" cy="2554545"/>
+          </a:xfrm>
+          <a:prstGeom prst="rect">
+            <a:avLst/>
+          </a:prstGeom>
+          <a:solidFill>
+            <a:schemeClr val="tx1"/>
+          </a:solidFill>
+        </p:spPr>
+        <p:txBody>
+          <a:bodyPr wrap="square">
+            <a:spAutoFit/>
+          </a:bodyPr>
+          <a:lstStyle/>
+          <a:p>
+            <a:r>
+              <a:rPr lang="pt-BR" altLang="ja-JP" sz="3200" dirty="0">
+                <a:solidFill>
+                  <a:srgbClr val="569CD6"/>
+                </a:solidFill>
+                <a:latin typeface="Consolas" panose="020B0609020204030204" pitchFamily="49" charset="0"/>
+              </a:rPr>
+              <a:t>def</a:t>
+            </a:r>
+            <a:r>
+              <a:rPr lang="pt-BR" altLang="ja-JP" sz="3200" dirty="0">
+                <a:solidFill>
+                  <a:srgbClr val="D4D4D4"/>
+                </a:solidFill>
+                <a:latin typeface="Consolas" panose="020B0609020204030204" pitchFamily="49" charset="0"/>
+              </a:rPr>
+              <a:t> </a:t>
+            </a:r>
+            <a:r>
+              <a:rPr lang="pt-BR" altLang="ja-JP" sz="3200" dirty="0">
+                <a:solidFill>
+                  <a:srgbClr val="DCDCAA"/>
+                </a:solidFill>
+                <a:latin typeface="Consolas" panose="020B0609020204030204" pitchFamily="49" charset="0"/>
+              </a:rPr>
+              <a:t>func</a:t>
+            </a:r>
+            <a:r>
+              <a:rPr lang="pt-BR" altLang="ja-JP" sz="3200" dirty="0">
+                <a:solidFill>
+                  <a:srgbClr val="D4D4D4"/>
+                </a:solidFill>
+                <a:latin typeface="Consolas" panose="020B0609020204030204" pitchFamily="49" charset="0"/>
+              </a:rPr>
+              <a:t>():</a:t>
+            </a:r>
+          </a:p>
+          <a:p>
+            <a:r>
+              <a:rPr lang="pt-BR" altLang="ja-JP" sz="3200" dirty="0">
+                <a:solidFill>
+                  <a:srgbClr val="D4D4D4"/>
+                </a:solidFill>
+                <a:latin typeface="Consolas" panose="020B0609020204030204" pitchFamily="49" charset="0"/>
+              </a:rPr>
+              <a:t>    </a:t>
+            </a:r>
+            <a:r>
+              <a:rPr lang="pt-BR" altLang="ja-JP" sz="3200" dirty="0">
+                <a:solidFill>
+                  <a:srgbClr val="DCDCAA"/>
+                </a:solidFill>
+                <a:latin typeface="Consolas" panose="020B0609020204030204" pitchFamily="49" charset="0"/>
+              </a:rPr>
+              <a:t>print</a:t>
+            </a:r>
+            <a:r>
+              <a:rPr lang="pt-BR" altLang="ja-JP" sz="3200" dirty="0">
+                <a:solidFill>
+                  <a:srgbClr val="D4D4D4"/>
+                </a:solidFill>
+                <a:latin typeface="Consolas" panose="020B0609020204030204" pitchFamily="49" charset="0"/>
+              </a:rPr>
+              <a:t>(a)</a:t>
+            </a:r>
+          </a:p>
+          <a:p>
+            <a:r>
+              <a:rPr lang="pt-BR" altLang="ja-JP" sz="3200" dirty="0">
+                <a:solidFill>
+                  <a:srgbClr val="D4D4D4"/>
+                </a:solidFill>
+                <a:latin typeface="Consolas" panose="020B0609020204030204" pitchFamily="49" charset="0"/>
+              </a:rPr>
+              <a:t/>
+            </a:r>
+            <a:br>
+              <a:rPr lang="pt-BR" altLang="ja-JP" sz="3200" dirty="0">
+                <a:solidFill>
+                  <a:srgbClr val="D4D4D4"/>
+                </a:solidFill>
+                <a:latin typeface="Consolas" panose="020B0609020204030204" pitchFamily="49" charset="0"/>
+              </a:rPr>
+            </a:br>
+            <a:r>
+              <a:rPr lang="pt-BR" altLang="ja-JP" sz="3200" dirty="0">
+                <a:solidFill>
+                  <a:srgbClr val="D4D4D4"/>
+                </a:solidFill>
+                <a:latin typeface="Consolas" panose="020B0609020204030204" pitchFamily="49" charset="0"/>
+              </a:rPr>
+              <a:t>a = </a:t>
+            </a:r>
+            <a:r>
+              <a:rPr lang="pt-BR" altLang="ja-JP" sz="3200" dirty="0">
+                <a:solidFill>
+                  <a:srgbClr val="B5CEA8"/>
+                </a:solidFill>
+                <a:latin typeface="Consolas" panose="020B0609020204030204" pitchFamily="49" charset="0"/>
+              </a:rPr>
+              <a:t>10</a:t>
+            </a:r>
+            <a:endParaRPr lang="pt-BR" altLang="ja-JP" sz="3200" dirty="0">
+              <a:solidFill>
+                <a:srgbClr val="D4D4D4"/>
+              </a:solidFill>
+              <a:latin typeface="Consolas" panose="020B0609020204030204" pitchFamily="49" charset="0"/>
+            </a:endParaRPr>
+          </a:p>
+          <a:p>
+            <a:r>
+              <a:rPr lang="pt-BR" altLang="ja-JP" sz="3200" dirty="0">
+                <a:solidFill>
+                  <a:srgbClr val="D4D4D4"/>
+                </a:solidFill>
+                <a:latin typeface="Consolas" panose="020B0609020204030204" pitchFamily="49" charset="0"/>
+              </a:rPr>
+              <a:t>func</a:t>
+            </a:r>
+            <a:r>
+              <a:rPr lang="pt-BR" altLang="ja-JP" sz="3200" dirty="0" smtClean="0">
+                <a:solidFill>
+                  <a:srgbClr val="D4D4D4"/>
+                </a:solidFill>
+                <a:latin typeface="Consolas" panose="020B0609020204030204" pitchFamily="49" charset="0"/>
+              </a:rPr>
+              <a:t>()</a:t>
+            </a:r>
+            <a:endParaRPr lang="pt-BR" altLang="ja-JP" sz="3200" dirty="0">
+              <a:solidFill>
+                <a:srgbClr val="D4D4D4"/>
+              </a:solidFill>
+              <a:latin typeface="Consolas" panose="020B0609020204030204" pitchFamily="49" charset="0"/>
+            </a:endParaRPr>
+          </a:p>
+        </p:txBody>
+      </p:sp>
+      <p:sp>
+        <p:nvSpPr>
+          <p:cNvPr id="5" name="右中かっこ 4">
+            <a:extLst>
+              <a:ext uri="{FF2B5EF4-FFF2-40B4-BE49-F238E27FC236}">
+                <a16:creationId xmlns:a16="http://schemas.microsoft.com/office/drawing/2014/main" id="{BCD07ACF-DE4D-2E48-88BF-45939AE39099}"/>
+              </a:ext>
+            </a:extLst>
+          </p:cNvPr>
+          <p:cNvSpPr/>
+          <p:nvPr/>
+        </p:nvSpPr>
+        <p:spPr>
+          <a:xfrm>
+            <a:off x="3203848" y="1286763"/>
+            <a:ext cx="216024" cy="918101"/>
+          </a:xfrm>
+          <a:prstGeom prst="rightBrace">
+            <a:avLst/>
+          </a:prstGeom>
+          <a:ln w="38100">
+            <a:solidFill>
+              <a:schemeClr val="bg1"/>
+            </a:solidFill>
+            <a:headEnd type="none" w="med" len="med"/>
+            <a:tailEnd type="none" w="med" len="med"/>
+          </a:ln>
+        </p:spPr>
+        <p:style>
+          <a:lnRef idx="1">
+            <a:schemeClr val="accent1"/>
+          </a:lnRef>
+          <a:fillRef idx="0">
+            <a:schemeClr val="accent1"/>
+          </a:fillRef>
+          <a:effectRef idx="0">
+            <a:schemeClr val="accent1"/>
+          </a:effectRef>
+          <a:fontRef idx="minor">
+            <a:schemeClr val="tx1"/>
+          </a:fontRef>
+        </p:style>
+        <p:txBody>
+          <a:bodyPr rtlCol="0" anchor="ctr"/>
+          <a:lstStyle/>
+          <a:p>
+            <a:pPr algn="ctr"/>
+            <a:endParaRPr kumimoji="1" lang="ja-JP" altLang="en-US"/>
+          </a:p>
+        </p:txBody>
+      </p:sp>
+      <p:sp>
+        <p:nvSpPr>
+          <p:cNvPr id="6" name="テキスト ボックス 5">
+            <a:extLst>
+              <a:ext uri="{FF2B5EF4-FFF2-40B4-BE49-F238E27FC236}">
+                <a16:creationId xmlns:a16="http://schemas.microsoft.com/office/drawing/2014/main" id="{93B25092-B6E3-3A40-814D-774E8BD8E692}"/>
+              </a:ext>
+            </a:extLst>
+          </p:cNvPr>
+          <p:cNvSpPr txBox="1"/>
+          <p:nvPr/>
+        </p:nvSpPr>
+        <p:spPr>
+          <a:xfrm>
+            <a:off x="3707904" y="1286763"/>
+            <a:ext cx="4852610" cy="954107"/>
+          </a:xfrm>
+          <a:prstGeom prst="rect">
+            <a:avLst/>
+          </a:prstGeom>
+          <a:noFill/>
+        </p:spPr>
+        <p:txBody>
+          <a:bodyPr wrap="none" rtlCol="0">
+            <a:spAutoFit/>
+          </a:bodyPr>
+          <a:lstStyle/>
+          <a:p>
+            <a:r>
+              <a:rPr lang="ja-JP" altLang="en-US" sz="2800" dirty="0" smtClean="0"/>
+              <a:t>関数定義の時点では未定義の</a:t>
+            </a:r>
+            <a:endParaRPr lang="en-US" altLang="ja-JP" sz="2800" dirty="0" smtClean="0"/>
+          </a:p>
+          <a:p>
+            <a:r>
+              <a:rPr kumimoji="1" lang="ja-JP" altLang="en-US" sz="2800" dirty="0" smtClean="0"/>
+              <a:t>変数</a:t>
+            </a:r>
+            <a:r>
+              <a:rPr kumimoji="1" lang="en-US" altLang="ja-JP" sz="2800" dirty="0" smtClean="0"/>
+              <a:t>a</a:t>
+            </a:r>
+            <a:r>
+              <a:rPr kumimoji="1" lang="ja-JP" altLang="en-US" sz="2800" dirty="0" smtClean="0"/>
+              <a:t>を表示</a:t>
+            </a:r>
+            <a:endParaRPr kumimoji="1" lang="ja-JP" altLang="en-US" sz="2800" dirty="0"/>
+          </a:p>
+        </p:txBody>
+      </p:sp>
+      <p:sp>
+        <p:nvSpPr>
+          <p:cNvPr id="7" name="テキスト ボックス 6">
+            <a:extLst>
+              <a:ext uri="{FF2B5EF4-FFF2-40B4-BE49-F238E27FC236}">
+                <a16:creationId xmlns:a16="http://schemas.microsoft.com/office/drawing/2014/main" id="{93B25092-B6E3-3A40-814D-774E8BD8E692}"/>
+              </a:ext>
+            </a:extLst>
+          </p:cNvPr>
+          <p:cNvSpPr txBox="1"/>
+          <p:nvPr/>
+        </p:nvSpPr>
+        <p:spPr>
+          <a:xfrm>
+            <a:off x="3663186" y="2636912"/>
+            <a:ext cx="2492990" cy="523220"/>
+          </a:xfrm>
+          <a:prstGeom prst="rect">
+            <a:avLst/>
+          </a:prstGeom>
+          <a:noFill/>
+        </p:spPr>
+        <p:txBody>
+          <a:bodyPr wrap="none" rtlCol="0">
+            <a:spAutoFit/>
+          </a:bodyPr>
+          <a:lstStyle/>
+          <a:p>
+            <a:r>
+              <a:rPr kumimoji="1" lang="ja-JP" altLang="en-US" sz="2800" dirty="0" smtClean="0"/>
+              <a:t>ここで</a:t>
+            </a:r>
+            <a:r>
+              <a:rPr kumimoji="1" lang="en-US" altLang="ja-JP" sz="2800" dirty="0" smtClean="0"/>
+              <a:t>a</a:t>
+            </a:r>
+            <a:r>
+              <a:rPr kumimoji="1" lang="ja-JP" altLang="en-US" sz="2800" dirty="0" smtClean="0"/>
+              <a:t>を定義</a:t>
+            </a:r>
+            <a:endParaRPr kumimoji="1" lang="ja-JP" altLang="en-US" sz="2800" dirty="0"/>
+          </a:p>
+        </p:txBody>
+      </p:sp>
+      <p:sp>
+        <p:nvSpPr>
+          <p:cNvPr id="8" name="テキスト ボックス 7">
+            <a:extLst>
+              <a:ext uri="{FF2B5EF4-FFF2-40B4-BE49-F238E27FC236}">
+                <a16:creationId xmlns:a16="http://schemas.microsoft.com/office/drawing/2014/main" id="{93B25092-B6E3-3A40-814D-774E8BD8E692}"/>
+              </a:ext>
+            </a:extLst>
+          </p:cNvPr>
+          <p:cNvSpPr txBox="1"/>
+          <p:nvPr/>
+        </p:nvSpPr>
+        <p:spPr>
+          <a:xfrm>
+            <a:off x="3663186" y="3130225"/>
+            <a:ext cx="3416320" cy="523220"/>
+          </a:xfrm>
+          <a:prstGeom prst="rect">
+            <a:avLst/>
+          </a:prstGeom>
+          <a:noFill/>
+        </p:spPr>
+        <p:txBody>
+          <a:bodyPr wrap="none" rtlCol="0">
+            <a:spAutoFit/>
+          </a:bodyPr>
+          <a:lstStyle/>
+          <a:p>
+            <a:r>
+              <a:rPr lang="ja-JP" altLang="en-US" sz="2800" dirty="0" smtClean="0"/>
+              <a:t>問題なく実行できる</a:t>
+            </a:r>
+            <a:endParaRPr kumimoji="1" lang="ja-JP" altLang="en-US" sz="2800" dirty="0"/>
+          </a:p>
+        </p:txBody>
+      </p:sp>
+      <p:sp>
+        <p:nvSpPr>
+          <p:cNvPr id="9" name="テキスト ボックス 8"/>
+          <p:cNvSpPr txBox="1"/>
+          <p:nvPr/>
+        </p:nvSpPr>
+        <p:spPr>
+          <a:xfrm>
+            <a:off x="539552" y="4224889"/>
+            <a:ext cx="6229590" cy="523220"/>
+          </a:xfrm>
+          <a:prstGeom prst="rect">
+            <a:avLst/>
+          </a:prstGeom>
+          <a:noFill/>
+        </p:spPr>
+        <p:txBody>
+          <a:bodyPr wrap="none" rtlCol="0">
+            <a:spAutoFit/>
+          </a:bodyPr>
+          <a:lstStyle/>
+          <a:p>
+            <a:r>
+              <a:rPr kumimoji="1" lang="en-US" altLang="ja-JP" sz="2800" dirty="0" smtClean="0"/>
+              <a:t>Python</a:t>
+            </a:r>
+            <a:r>
+              <a:rPr lang="ja-JP" altLang="en-US" sz="2800" dirty="0" smtClean="0"/>
+              <a:t>は必要になった時に変数を探す</a:t>
+            </a:r>
+            <a:endParaRPr lang="en-US" altLang="ja-JP" sz="2800" dirty="0" smtClean="0"/>
+          </a:p>
+        </p:txBody>
+      </p:sp>
+    </p:spTree>
+    <p:extLst>
+      <p:ext uri="{BB962C8B-B14F-4D97-AF65-F5344CB8AC3E}">
+        <p14:creationId xmlns:p14="http://schemas.microsoft.com/office/powerpoint/2010/main" val="2276367319"/>
+      </p:ext>
+    </p:extLst>
+  </p:cSld>
+  <p:clrMapOvr>
+    <a:masterClrMapping/>
+  </p:clrMapOvr>
+</p:sld>
+</file>
+
 <file path=ppt/slides/slide3.xml><?xml version="1.0" encoding="utf-8"?>
 <p:sld xmlns:a="http://schemas.openxmlformats.org/drawingml/2006/main" xmlns:r="http://schemas.openxmlformats.org/officeDocument/2006/relationships" xmlns:p="http://schemas.openxmlformats.org/presentationml/2006/main">
   <p:cSld>
@@ -9073,20 +9624,58 @@
       </p:sp>
       <p:sp>
         <p:nvSpPr>
-          <p:cNvPr id="18" name="正方形/長方形 17">
-            <a:extLst>
-              <a:ext uri="{FF2B5EF4-FFF2-40B4-BE49-F238E27FC236}">
-                <a16:creationId xmlns:a16="http://schemas.microsoft.com/office/drawing/2014/main" id="{B1880133-EAD3-A344-A5E9-1104F1CFB9AF}"/>
-              </a:ext>
-            </a:extLst>
-          </p:cNvPr>
+          <p:cNvPr id="16" name="テキスト ボックス 15">
+            <a:extLst>
+              <a:ext uri="{FF2B5EF4-FFF2-40B4-BE49-F238E27FC236}">
+                <a16:creationId xmlns:a16="http://schemas.microsoft.com/office/drawing/2014/main" id="{F5949CEB-E152-1249-9565-3B01903AF75D}"/>
+              </a:ext>
+            </a:extLst>
+          </p:cNvPr>
+          <p:cNvSpPr txBox="1"/>
+          <p:nvPr/>
+        </p:nvSpPr>
+        <p:spPr>
+          <a:xfrm>
+            <a:off x="433660" y="6334780"/>
+            <a:ext cx="8084264" cy="523220"/>
+          </a:xfrm>
+          <a:prstGeom prst="rect">
+            <a:avLst/>
+          </a:prstGeom>
+          <a:noFill/>
+        </p:spPr>
+        <p:txBody>
+          <a:bodyPr wrap="none" rtlCol="0">
+            <a:spAutoFit/>
+          </a:bodyPr>
+          <a:lstStyle/>
+          <a:p>
+            <a:r>
+              <a:rPr lang="ja-JP" altLang="en-US" sz="2800" dirty="0" smtClean="0"/>
+              <a:t>事前にループの回転数がわからない場合等に</a:t>
+            </a:r>
+            <a:r>
+              <a:rPr lang="ja-JP" altLang="en-US" sz="2800" dirty="0"/>
+              <a:t>使</a:t>
+            </a:r>
+            <a:r>
+              <a:rPr lang="ja-JP" altLang="en-US" sz="2800" dirty="0" smtClean="0"/>
+              <a:t>う</a:t>
+            </a:r>
+            <a:endParaRPr kumimoji="1" lang="ja-JP" altLang="en-US" sz="2800" dirty="0"/>
+          </a:p>
+        </p:txBody>
+      </p:sp>
+      <p:sp>
+        <p:nvSpPr>
+          <p:cNvPr id="3" name="正方形/長方形 2"/>
           <p:cNvSpPr/>
           <p:nvPr/>
         </p:nvSpPr>
         <p:spPr>
           <a:xfrm>
-            <a:off x="2195736" y="4293096"/>
-            <a:ext cx="4572000" cy="1815882"/>
+            <a:off x="539552" y="4045992"/>
+            <a:ext cx="2889059" cy="2062103"/>
           </a:xfrm>
           <a:prstGeom prst="rect">
             <a:avLst/>
@@ -9096,160 +9685,142 @@
           </a:solidFill>
         </p:spPr>
         <p:txBody>
-          <a:bodyPr>
+          <a:bodyPr wrap="square">
             <a:spAutoFit/>
           </a:bodyPr>
           <a:lstStyle/>
           <a:p>
             <a:r>
-              <a:rPr lang="en" altLang="ja-JP" sz="2800" b="0">
-                <a:solidFill>
-                  <a:srgbClr val="D4D4D4"/>
-                </a:solidFill>
-                <a:effectLst/>
-                <a:latin typeface="Menlo" panose="020B0609030804020204" pitchFamily="49" charset="0"/>
+              <a:rPr lang="en-US" altLang="ja-JP" sz="3200" dirty="0">
+                <a:solidFill>
+                  <a:srgbClr val="D4D4D4"/>
+                </a:solidFill>
+                <a:latin typeface="Consolas" panose="020B0609020204030204" pitchFamily="49" charset="0"/>
               </a:rPr>
               <a:t>a = </a:t>
             </a:r>
             <a:r>
-              <a:rPr lang="en" altLang="ja-JP" sz="2800" b="0">
+              <a:rPr lang="en-US" altLang="ja-JP" sz="3200" dirty="0">
                 <a:solidFill>
                   <a:srgbClr val="B5CEA8"/>
                 </a:solidFill>
-                <a:effectLst/>
-                <a:latin typeface="Menlo" panose="020B0609030804020204" pitchFamily="49" charset="0"/>
+                <a:latin typeface="Consolas" panose="020B0609020204030204" pitchFamily="49" charset="0"/>
               </a:rPr>
               <a:t>10</a:t>
             </a:r>
-            <a:endParaRPr lang="en" altLang="ja-JP" sz="2800" b="0">
+            <a:endParaRPr lang="en-US" altLang="ja-JP" sz="3200" dirty="0">
+              <a:solidFill>
+                <a:srgbClr val="D4D4D4"/>
+              </a:solidFill>
+              <a:latin typeface="Consolas" panose="020B0609020204030204" pitchFamily="49" charset="0"/>
+            </a:endParaRPr>
+          </a:p>
+          <a:p>
+            <a:r>
+              <a:rPr lang="en-US" altLang="ja-JP" sz="3200" dirty="0">
+                <a:solidFill>
+                  <a:srgbClr val="C586C0"/>
+                </a:solidFill>
+                <a:latin typeface="Consolas" panose="020B0609020204030204" pitchFamily="49" charset="0"/>
+              </a:rPr>
+              <a:t>while</a:t>
+            </a:r>
+            <a:r>
+              <a:rPr lang="en-US" altLang="ja-JP" sz="3200" dirty="0">
+                <a:solidFill>
+                  <a:srgbClr val="D4D4D4"/>
+                </a:solidFill>
+                <a:latin typeface="Consolas" panose="020B0609020204030204" pitchFamily="49" charset="0"/>
+              </a:rPr>
+              <a:t> a &gt; </a:t>
+            </a:r>
+            <a:r>
+              <a:rPr lang="en-US" altLang="ja-JP" sz="3200" dirty="0">
+                <a:solidFill>
+                  <a:srgbClr val="B5CEA8"/>
+                </a:solidFill>
+                <a:latin typeface="Consolas" panose="020B0609020204030204" pitchFamily="49" charset="0"/>
+              </a:rPr>
+              <a:t>0</a:t>
+            </a:r>
+            <a:r>
+              <a:rPr lang="en-US" altLang="ja-JP" sz="3200" dirty="0">
+                <a:solidFill>
+                  <a:srgbClr val="D4D4D4"/>
+                </a:solidFill>
+                <a:latin typeface="Consolas" panose="020B0609020204030204" pitchFamily="49" charset="0"/>
+              </a:rPr>
+              <a:t>:</a:t>
+            </a:r>
+          </a:p>
+          <a:p>
+            <a:r>
+              <a:rPr lang="en-US" altLang="ja-JP" sz="3200" dirty="0">
+                <a:solidFill>
+                  <a:srgbClr val="D4D4D4"/>
+                </a:solidFill>
+                <a:latin typeface="Consolas" panose="020B0609020204030204" pitchFamily="49" charset="0"/>
+              </a:rPr>
+              <a:t>    </a:t>
+            </a:r>
+            <a:r>
+              <a:rPr lang="en-US" altLang="ja-JP" sz="3200" dirty="0">
+                <a:solidFill>
+                  <a:srgbClr val="DCDCAA"/>
+                </a:solidFill>
+                <a:latin typeface="Consolas" panose="020B0609020204030204" pitchFamily="49" charset="0"/>
+              </a:rPr>
+              <a:t>print</a:t>
+            </a:r>
+            <a:r>
+              <a:rPr lang="en-US" altLang="ja-JP" sz="3200" dirty="0">
+                <a:solidFill>
+                  <a:srgbClr val="D4D4D4"/>
+                </a:solidFill>
+                <a:latin typeface="Consolas" panose="020B0609020204030204" pitchFamily="49" charset="0"/>
+              </a:rPr>
+              <a:t>(a)</a:t>
+            </a:r>
+          </a:p>
+          <a:p>
+            <a:r>
+              <a:rPr lang="en-US" altLang="ja-JP" sz="3200" dirty="0">
+                <a:solidFill>
+                  <a:srgbClr val="D4D4D4"/>
+                </a:solidFill>
+                <a:latin typeface="Consolas" panose="020B0609020204030204" pitchFamily="49" charset="0"/>
+              </a:rPr>
+              <a:t>    a -= </a:t>
+            </a:r>
+            <a:r>
+              <a:rPr lang="en-US" altLang="ja-JP" sz="3200" dirty="0">
+                <a:solidFill>
+                  <a:srgbClr val="B5CEA8"/>
+                </a:solidFill>
+                <a:latin typeface="Consolas" panose="020B0609020204030204" pitchFamily="49" charset="0"/>
+              </a:rPr>
+              <a:t>1</a:t>
+            </a:r>
+            <a:endParaRPr lang="en-US" altLang="ja-JP" sz="3200" b="0" dirty="0">
               <a:solidFill>
                 <a:srgbClr val="D4D4D4"/>
               </a:solidFill>
               <a:effectLst/>
-              <a:latin typeface="Menlo" panose="020B0609030804020204" pitchFamily="49" charset="0"/>
+              <a:latin typeface="Consolas" panose="020B0609020204030204" pitchFamily="49" charset="0"/>
             </a:endParaRPr>
           </a:p>
-          <a:p>
-            <a:r>
-              <a:rPr lang="en" altLang="ja-JP" sz="2800" b="0">
-                <a:solidFill>
-                  <a:srgbClr val="C586C0"/>
-                </a:solidFill>
-                <a:effectLst/>
-                <a:latin typeface="Menlo" panose="020B0609030804020204" pitchFamily="49" charset="0"/>
-              </a:rPr>
-              <a:t>while</a:t>
-            </a:r>
-            <a:r>
-              <a:rPr lang="en" altLang="ja-JP" sz="2800" b="0">
-                <a:solidFill>
-                  <a:srgbClr val="D4D4D4"/>
-                </a:solidFill>
-                <a:effectLst/>
-                <a:latin typeface="Menlo" panose="020B0609030804020204" pitchFamily="49" charset="0"/>
-              </a:rPr>
-              <a:t> a &gt; </a:t>
-            </a:r>
-            <a:r>
-              <a:rPr lang="en" altLang="ja-JP" sz="2800" b="0">
-                <a:solidFill>
-                  <a:srgbClr val="B5CEA8"/>
-                </a:solidFill>
-                <a:effectLst/>
-                <a:latin typeface="Menlo" panose="020B0609030804020204" pitchFamily="49" charset="0"/>
-              </a:rPr>
-              <a:t>0</a:t>
-            </a:r>
-            <a:r>
-              <a:rPr lang="en" altLang="ja-JP" sz="2800" b="0">
-                <a:solidFill>
-                  <a:srgbClr val="D4D4D4"/>
-                </a:solidFill>
-                <a:effectLst/>
-                <a:latin typeface="Menlo" panose="020B0609030804020204" pitchFamily="49" charset="0"/>
-              </a:rPr>
-              <a:t>:</a:t>
-            </a:r>
-          </a:p>
-          <a:p>
-            <a:r>
-              <a:rPr lang="en" altLang="ja-JP" sz="2800" b="0">
-                <a:solidFill>
-                  <a:srgbClr val="D4D4D4"/>
-                </a:solidFill>
-                <a:effectLst/>
-                <a:latin typeface="Menlo" panose="020B0609030804020204" pitchFamily="49" charset="0"/>
-              </a:rPr>
-              <a:t>    </a:t>
-            </a:r>
-            <a:r>
-              <a:rPr lang="en" altLang="ja-JP" sz="2800" b="0">
-                <a:solidFill>
-                  <a:srgbClr val="DCDCAA"/>
-                </a:solidFill>
-                <a:effectLst/>
-                <a:latin typeface="Menlo" panose="020B0609030804020204" pitchFamily="49" charset="0"/>
-              </a:rPr>
-              <a:t>print</a:t>
-            </a:r>
-            <a:r>
-              <a:rPr lang="en" altLang="ja-JP" sz="2800" b="0">
-                <a:solidFill>
-                  <a:srgbClr val="D4D4D4"/>
-                </a:solidFill>
-                <a:effectLst/>
-                <a:latin typeface="Menlo" panose="020B0609030804020204" pitchFamily="49" charset="0"/>
-              </a:rPr>
-              <a:t>(a)</a:t>
-            </a:r>
-          </a:p>
-          <a:p>
-            <a:r>
-              <a:rPr lang="en" altLang="ja-JP" sz="2800" b="0">
-                <a:solidFill>
-                  <a:srgbClr val="D4D4D4"/>
-                </a:solidFill>
-                <a:effectLst/>
-                <a:latin typeface="Menlo" panose="020B0609030804020204" pitchFamily="49" charset="0"/>
-              </a:rPr>
-              <a:t>    a -= </a:t>
-            </a:r>
-            <a:r>
-              <a:rPr lang="en" altLang="ja-JP" sz="2800" b="0">
-                <a:solidFill>
-                  <a:srgbClr val="B5CEA8"/>
-                </a:solidFill>
-                <a:effectLst/>
-                <a:latin typeface="Menlo" panose="020B0609030804020204" pitchFamily="49" charset="0"/>
-              </a:rPr>
-              <a:t>1</a:t>
-            </a:r>
-            <a:endParaRPr lang="en" altLang="ja-JP" sz="2800" b="0">
-              <a:solidFill>
-                <a:srgbClr val="D4D4D4"/>
-              </a:solidFill>
-              <a:effectLst/>
-              <a:latin typeface="Menlo" panose="020B0609030804020204" pitchFamily="49" charset="0"/>
-            </a:endParaRPr>
-          </a:p>
-        </p:txBody>
-      </p:sp>
-      <p:sp>
-        <p:nvSpPr>
-          <p:cNvPr id="19" name="テキスト ボックス 18">
-            <a:extLst>
-              <a:ext uri="{FF2B5EF4-FFF2-40B4-BE49-F238E27FC236}">
-                <a16:creationId xmlns:a16="http://schemas.microsoft.com/office/drawing/2014/main" id="{5B9D9671-FE81-4948-8DE0-49F52AEA790C}"/>
-              </a:ext>
-            </a:extLst>
-          </p:cNvPr>
+        </p:txBody>
+      </p:sp>
+      <p:sp>
+        <p:nvSpPr>
+          <p:cNvPr id="4" name="テキスト ボックス 3"/>
           <p:cNvSpPr txBox="1"/>
           <p:nvPr/>
         </p:nvSpPr>
         <p:spPr>
           <a:xfrm>
-            <a:off x="1619672" y="6165304"/>
-            <a:ext cx="5591595" cy="369332"/>
+            <a:off x="3579951" y="4528310"/>
+            <a:ext cx="4288353" cy="523220"/>
           </a:xfrm>
           <a:prstGeom prst="rect">
             <a:avLst/>
@@ -9263,21 +9834,18 @@
           <a:lstStyle/>
           <a:p>
             <a:r>
-              <a:rPr kumimoji="1" lang="en-US" altLang="ja-JP"/>
+              <a:rPr kumimoji="1" lang="en-US" altLang="ja-JP" sz="2800" dirty="0" smtClean="0"/>
               <a:t>a</a:t>
             </a:r>
             <a:r>
-              <a:rPr kumimoji="1" lang="ja-JP" altLang="en-US"/>
+              <a:rPr kumimoji="1" lang="ja-JP" altLang="en-US" sz="2800" dirty="0" smtClean="0"/>
               <a:t>が</a:t>
             </a:r>
             <a:r>
-              <a:rPr kumimoji="1" lang="en-US" altLang="ja-JP"/>
-              <a:t>10</a:t>
-            </a:r>
-            <a:r>
-              <a:rPr kumimoji="1" lang="ja-JP" altLang="en-US"/>
-              <a:t>から正の間だけカウントダウンするプログラム</a:t>
-            </a:r>
+              <a:rPr lang="ja-JP" altLang="en-US" sz="2800" dirty="0" smtClean="0"/>
+              <a:t>正である限り実行する</a:t>
+            </a:r>
+            <a:endParaRPr kumimoji="1" lang="ja-JP" altLang="en-US" sz="2800" dirty="0"/>
           </a:p>
         </p:txBody>
       </p:sp>
@@ -11270,7 +11838,7 @@
         </p:nvSpPr>
         <p:spPr>
           <a:xfrm>
-            <a:off x="1547664" y="6093296"/>
+            <a:off x="1547664" y="6165304"/>
             <a:ext cx="5664564" cy="523220"/>
           </a:xfrm>
           <a:prstGeom prst="rect">
@@ -11285,15 +11853,15 @@
           <a:lstStyle/>
           <a:p>
             <a:r>
-              <a:rPr kumimoji="1" lang="ja-JP" altLang="en-US" sz="2800"/>
+              <a:rPr kumimoji="1" lang="ja-JP" altLang="en-US" sz="2800" dirty="0"/>
               <a:t>ループを終了するには</a:t>
             </a:r>
             <a:r>
-              <a:rPr kumimoji="1" lang="en-US" altLang="ja-JP" sz="2800"/>
+              <a:rPr kumimoji="1" lang="en-US" altLang="ja-JP" sz="2800" dirty="0"/>
               <a:t>break</a:t>
             </a:r>
             <a:r>
-              <a:rPr kumimoji="1" lang="ja-JP" altLang="en-US" sz="2800"/>
+              <a:rPr kumimoji="1" lang="ja-JP" altLang="en-US" sz="2800" dirty="0"/>
               <a:t>を使う</a:t>
             </a:r>
           </a:p>
@@ -11301,89 +11869,6 @@
       </p:sp>
       <p:sp>
         <p:nvSpPr>
-          <p:cNvPr id="4" name="テキスト ボックス 3">
-            <a:extLst>
-              <a:ext uri="{FF2B5EF4-FFF2-40B4-BE49-F238E27FC236}">
-                <a16:creationId xmlns:a16="http://schemas.microsoft.com/office/drawing/2014/main" id="{9C6530FA-FE9B-CF40-906C-B13BFEDC1B24}"/>
-              </a:ext>
-            </a:extLst>
-          </p:cNvPr>
-          <p:cNvSpPr txBox="1"/>
-          <p:nvPr/>
-        </p:nvSpPr>
-        <p:spPr>
-          <a:xfrm>
-            <a:off x="107504" y="1124744"/>
-            <a:ext cx="8494633" cy="646331"/>
-          </a:xfrm>
-          <a:prstGeom prst="rect">
-            <a:avLst/>
-          </a:prstGeom>
-          <a:noFill/>
-        </p:spPr>
-        <p:txBody>
-          <a:bodyPr wrap="none" rtlCol="0">
-            <a:spAutoFit/>
-          </a:bodyPr>
-          <a:lstStyle/>
-          <a:p>
-            <a:r>
-              <a:rPr kumimoji="1" lang="ja-JP" altLang="en-US"/>
-              <a:t>例：確率</a:t>
-            </a:r>
-            <a:r>
-              <a:rPr kumimoji="1" lang="en-US" altLang="ja-JP"/>
-              <a:t>1/2</a:t>
-            </a:r>
-            <a:r>
-              <a:rPr kumimoji="1" lang="ja-JP" altLang="en-US"/>
-              <a:t>で所持金が</a:t>
-            </a:r>
-            <a:r>
-              <a:rPr kumimoji="1" lang="en-US" altLang="ja-JP"/>
-              <a:t>1</a:t>
-            </a:r>
-            <a:r>
-              <a:rPr kumimoji="1" lang="ja-JP" altLang="en-US"/>
-              <a:t>万円増えるか減るかするギャンブルがある。</a:t>
-            </a:r>
-            <a:endParaRPr kumimoji="1" lang="en-US" altLang="ja-JP"/>
-          </a:p>
-          <a:p>
-            <a:r>
-              <a:rPr lang="ja-JP" altLang="en-US"/>
-              <a:t>　　所持金</a:t>
-            </a:r>
-            <a:r>
-              <a:rPr lang="en-US" altLang="ja-JP"/>
-              <a:t>5</a:t>
-            </a:r>
-            <a:r>
-              <a:rPr lang="ja-JP" altLang="en-US"/>
-              <a:t>万円からスタートして、</a:t>
-            </a:r>
-            <a:r>
-              <a:rPr lang="en-US" altLang="ja-JP"/>
-              <a:t>0</a:t>
-            </a:r>
-            <a:r>
-              <a:rPr lang="ja-JP" altLang="en-US"/>
-              <a:t>円になったら負け、</a:t>
-            </a:r>
-            <a:r>
-              <a:rPr lang="en-US" altLang="ja-JP"/>
-              <a:t>10</a:t>
-            </a:r>
-            <a:r>
-              <a:rPr lang="ja-JP" altLang="en-US"/>
-              <a:t>万円になったら勝ち</a:t>
-            </a:r>
-            <a:endParaRPr kumimoji="1" lang="ja-JP" altLang="en-US"/>
-          </a:p>
-        </p:txBody>
-      </p:sp>
-      <p:sp>
-        <p:nvSpPr>
           <p:cNvPr id="5" name="正方形/長方形 4">
             <a:extLst>
               <a:ext uri="{FF2B5EF4-FFF2-40B4-BE49-F238E27FC236}">
@@ -11396,7 +11881,7 @@
         </p:nvSpPr>
         <p:spPr>
           <a:xfrm>
-            <a:off x="251520" y="2492896"/>
+            <a:off x="251520" y="2689756"/>
             <a:ext cx="5544616" cy="3416320"/>
           </a:xfrm>
           <a:prstGeom prst="rect">
@@ -11475,6 +11960,16 @@
             </a:endParaRPr>
           </a:p>
           <a:p>
+            <a:r>
+              <a:rPr lang="en" altLang="ja-JP" b="0">
+                <a:solidFill>
+                  <a:srgbClr val="D4D4D4"/>
+                </a:solidFill>
+                <a:effectLst/>
+                <a:latin typeface="Menlo" panose="020B0609030804020204" pitchFamily="49" charset="0"/>
+              </a:rPr>
+              <a:t/>
+            </a:r>
             <a:br>
               <a:rPr lang="en" altLang="ja-JP" b="0">
                 <a:solidFill>
@@ -11884,10 +12379,10 @@
       </p:sp>
       <p:sp>
         <p:nvSpPr>
-          <p:cNvPr id="6" name="テキスト ボックス 5">
-            <a:extLst>
-              <a:ext uri="{FF2B5EF4-FFF2-40B4-BE49-F238E27FC236}">
-                <a16:creationId xmlns:a16="http://schemas.microsoft.com/office/drawing/2014/main" id="{F5949CEB-E152-1249-9565-3B01903AF75D}"/>
+          <p:cNvPr id="7" name="テキスト ボックス 6">
+            <a:extLst>
+              <a:ext uri="{FF2B5EF4-FFF2-40B4-BE49-F238E27FC236}">
+                <a16:creationId xmlns:a16="http://schemas.microsoft.com/office/drawing/2014/main" id="{BE0DDFFB-8272-8542-90F2-A4EF3F69B24D}"/>
               </a:ext>
             </a:extLst>
           </p:cNvPr>
@@ -11896,8 +12391,8 @@
         </p:nvSpPr>
         <p:spPr>
           <a:xfrm>
-            <a:off x="323528" y="1916832"/>
-            <a:ext cx="6681637" cy="369332"/>
+            <a:off x="6012160" y="3625860"/>
+            <a:ext cx="2723823" cy="646331"/>
           </a:xfrm>
           <a:prstGeom prst="rect">
             <a:avLst/>
@@ -11911,16 +12406,23 @@
           <a:lstStyle/>
           <a:p>
             <a:r>
+              <a:rPr kumimoji="1" lang="ja-JP" altLang="en-US"/>
+              <a:t>常にループが実行される</a:t>
+            </a:r>
+            <a:endParaRPr kumimoji="1" lang="en-US" altLang="ja-JP"/>
+          </a:p>
+          <a:p>
+            <a:r>
+              <a:rPr lang="en-US" altLang="ja-JP"/>
+              <a:t>(</a:t>
+            </a:r>
+            <a:r>
               <a:rPr lang="ja-JP" altLang="en-US"/>
-              <a:t>何回ループが回るか事前にわからない場合は</a:t>
+              <a:t>無限ループ</a:t>
             </a:r>
             <a:r>
               <a:rPr lang="en-US" altLang="ja-JP"/>
-              <a:t>while</a:t>
-            </a:r>
-            <a:r>
-              <a:rPr lang="ja-JP" altLang="en-US"/>
-              <a:t>を使うと良い</a:t>
+              <a:t>)</a:t>
             </a:r>
             <a:endParaRPr kumimoji="1" lang="ja-JP" altLang="en-US"/>
           </a:p>
@@ -11928,10 +12430,10 @@
       </p:sp>
       <p:sp>
         <p:nvSpPr>
-          <p:cNvPr id="7" name="テキスト ボックス 6">
-            <a:extLst>
-              <a:ext uri="{FF2B5EF4-FFF2-40B4-BE49-F238E27FC236}">
-                <a16:creationId xmlns:a16="http://schemas.microsoft.com/office/drawing/2014/main" id="{BE0DDFFB-8272-8542-90F2-A4EF3F69B24D}"/>
+          <p:cNvPr id="8" name="テキスト ボックス 7">
+            <a:extLst>
+              <a:ext uri="{FF2B5EF4-FFF2-40B4-BE49-F238E27FC236}">
+                <a16:creationId xmlns:a16="http://schemas.microsoft.com/office/drawing/2014/main" id="{1D084CDB-F8EB-A748-815D-C1EB33765CAC}"/>
               </a:ext>
             </a:extLst>
           </p:cNvPr>
@@ -11940,8 +12442,8 @@
         </p:nvSpPr>
         <p:spPr>
           <a:xfrm>
-            <a:off x="6084168" y="3429000"/>
-            <a:ext cx="2723823" cy="646331"/>
+            <a:off x="6012160" y="4561964"/>
+            <a:ext cx="1685077" cy="646331"/>
           </a:xfrm>
           <a:prstGeom prst="rect">
             <a:avLst/>
@@ -11956,7 +12458,15 @@
           <a:p>
             <a:r>
               <a:rPr kumimoji="1" lang="ja-JP" altLang="en-US"/>
-              <a:t>常にループが実行される</a:t>
+              <a:t>所持金</a:t>
+            </a:r>
+            <a:r>
+              <a:rPr kumimoji="1" lang="en-US" altLang="ja-JP"/>
+              <a:t>0</a:t>
+            </a:r>
+            <a:r>
+              <a:rPr kumimoji="1" lang="ja-JP" altLang="en-US"/>
+              <a:t>で終了</a:t>
             </a:r>
             <a:endParaRPr kumimoji="1" lang="en-US" altLang="ja-JP"/>
           </a:p>
@@ -11967,7 +12477,7 @@
             </a:r>
             <a:r>
               <a:rPr lang="ja-JP" altLang="en-US"/>
-              <a:t>無限ループ</a:t>
+              <a:t>ループ脱出</a:t>
             </a:r>
             <a:r>
               <a:rPr lang="en-US" altLang="ja-JP"/>
@@ -11979,10 +12489,10 @@
       </p:sp>
       <p:sp>
         <p:nvSpPr>
-          <p:cNvPr id="8" name="テキスト ボックス 7">
-            <a:extLst>
-              <a:ext uri="{FF2B5EF4-FFF2-40B4-BE49-F238E27FC236}">
-                <a16:creationId xmlns:a16="http://schemas.microsoft.com/office/drawing/2014/main" id="{1D084CDB-F8EB-A748-815D-C1EB33765CAC}"/>
+          <p:cNvPr id="9" name="テキスト ボックス 8">
+            <a:extLst>
+              <a:ext uri="{FF2B5EF4-FFF2-40B4-BE49-F238E27FC236}">
+                <a16:creationId xmlns:a16="http://schemas.microsoft.com/office/drawing/2014/main" id="{F14762C1-9172-EC42-987C-E8F2BDBA206E}"/>
               </a:ext>
             </a:extLst>
           </p:cNvPr>
@@ -11991,8 +12501,8 @@
         </p:nvSpPr>
         <p:spPr>
           <a:xfrm>
-            <a:off x="6012160" y="4365104"/>
-            <a:ext cx="1685077" cy="646331"/>
+            <a:off x="6012160" y="5354052"/>
+            <a:ext cx="2262158" cy="646331"/>
           </a:xfrm>
           <a:prstGeom prst="rect">
             <a:avLst/>
@@ -12006,92 +12516,33 @@
           <a:lstStyle/>
           <a:p>
             <a:r>
-              <a:rPr kumimoji="1" lang="ja-JP" altLang="en-US"/>
+              <a:rPr kumimoji="1" lang="ja-JP" altLang="en-US" dirty="0"/>
               <a:t>所持金</a:t>
             </a:r>
             <a:r>
-              <a:rPr kumimoji="1" lang="en-US" altLang="ja-JP"/>
-              <a:t>0</a:t>
-            </a:r>
-            <a:r>
-              <a:rPr kumimoji="1" lang="ja-JP" altLang="en-US"/>
-              <a:t>で終了</a:t>
-            </a:r>
-            <a:endParaRPr kumimoji="1" lang="en-US" altLang="ja-JP"/>
-          </a:p>
-          <a:p>
-            <a:r>
-              <a:rPr lang="en-US" altLang="ja-JP"/>
+              <a:rPr kumimoji="1" lang="en-US" altLang="ja-JP" dirty="0"/>
+              <a:t>10</a:t>
+            </a:r>
+            <a:r>
+              <a:rPr kumimoji="1" lang="ja-JP" altLang="en-US" dirty="0"/>
+              <a:t>万円で終了</a:t>
+            </a:r>
+            <a:endParaRPr kumimoji="1" lang="en-US" altLang="ja-JP" dirty="0"/>
+          </a:p>
+          <a:p>
+            <a:r>
+              <a:rPr lang="en-US" altLang="ja-JP" dirty="0"/>
               <a:t>(</a:t>
             </a:r>
             <a:r>
-              <a:rPr lang="ja-JP" altLang="en-US"/>
+              <a:rPr lang="ja-JP" altLang="en-US" dirty="0"/>
               <a:t>ループ脱出</a:t>
             </a:r>
             <a:r>
-              <a:rPr lang="en-US" altLang="ja-JP"/>
+              <a:rPr lang="en-US" altLang="ja-JP" dirty="0"/>
               <a:t>)</a:t>
             </a:r>
-            <a:endParaRPr kumimoji="1" lang="ja-JP" altLang="en-US"/>
-          </a:p>
-        </p:txBody>
-      </p:sp>
-      <p:sp>
-        <p:nvSpPr>
-          <p:cNvPr id="9" name="テキスト ボックス 8">
-            <a:extLst>
-              <a:ext uri="{FF2B5EF4-FFF2-40B4-BE49-F238E27FC236}">
-                <a16:creationId xmlns:a16="http://schemas.microsoft.com/office/drawing/2014/main" id="{F14762C1-9172-EC42-987C-E8F2BDBA206E}"/>
-              </a:ext>
-            </a:extLst>
-          </p:cNvPr>
-          <p:cNvSpPr txBox="1"/>
-          <p:nvPr/>
-        </p:nvSpPr>
-        <p:spPr>
-          <a:xfrm>
-            <a:off x="6012160" y="5157192"/>
-            <a:ext cx="2262158" cy="646331"/>
-          </a:xfrm>
-          <a:prstGeom prst="rect">
-            <a:avLst/>
-          </a:prstGeom>
-          <a:noFill/>
-        </p:spPr>
-        <p:txBody>
-          <a:bodyPr wrap="none" rtlCol="0">
-            <a:spAutoFit/>
-          </a:bodyPr>
-          <a:lstStyle/>
-          <a:p>
-            <a:r>
-              <a:rPr kumimoji="1" lang="ja-JP" altLang="en-US"/>
-              <a:t>所持金</a:t>
-            </a:r>
-            <a:r>
-              <a:rPr kumimoji="1" lang="en-US" altLang="ja-JP"/>
-              <a:t>10</a:t>
-            </a:r>
-            <a:r>
-              <a:rPr kumimoji="1" lang="ja-JP" altLang="en-US"/>
-              <a:t>万円で終了</a:t>
-            </a:r>
-            <a:endParaRPr kumimoji="1" lang="en-US" altLang="ja-JP"/>
-          </a:p>
-          <a:p>
-            <a:r>
-              <a:rPr lang="en-US" altLang="ja-JP"/>
-              <a:t>(</a:t>
-            </a:r>
-            <a:r>
-              <a:rPr lang="ja-JP" altLang="en-US"/>
-              <a:t>ループ脱出</a:t>
-            </a:r>
-            <a:r>
-              <a:rPr lang="en-US" altLang="ja-JP"/>
-              <a:t>)</a:t>
-            </a:r>
-            <a:endParaRPr lang="ja-JP" altLang="en-US"/>
+            <a:endParaRPr lang="ja-JP" altLang="en-US" dirty="0"/>
           </a:p>
         </p:txBody>
       </p:sp>
@@ -12109,7 +12560,7 @@
         </p:nvSpPr>
         <p:spPr>
           <a:xfrm>
-            <a:off x="3347864" y="4221088"/>
+            <a:off x="3347864" y="4417948"/>
             <a:ext cx="216024" cy="792088"/>
           </a:xfrm>
           <a:prstGeom prst="rightBrace">
@@ -12160,7 +12611,7 @@
         </p:nvSpPr>
         <p:spPr>
           <a:xfrm>
-            <a:off x="3347864" y="5085184"/>
+            <a:off x="3347864" y="5282044"/>
             <a:ext cx="216024" cy="792088"/>
           </a:xfrm>
           <a:prstGeom prst="rightBrace">
@@ -12211,7 +12662,7 @@
         </p:nvSpPr>
         <p:spPr>
           <a:xfrm>
-            <a:off x="1907704" y="3645024"/>
+            <a:off x="1907704" y="3841884"/>
             <a:ext cx="135632" cy="224408"/>
           </a:xfrm>
           <a:prstGeom prst="rightBrace">
@@ -12245,6 +12696,123 @@
           <a:p>
             <a:pPr algn="ctr"/>
             <a:endParaRPr kumimoji="1" lang="ja-JP" altLang="en-US"/>
+          </a:p>
+        </p:txBody>
+      </p:sp>
+      <p:sp>
+        <p:nvSpPr>
+          <p:cNvPr id="13" name="テキスト ボックス 12">
+            <a:extLst>
+              <a:ext uri="{FF2B5EF4-FFF2-40B4-BE49-F238E27FC236}">
+                <a16:creationId xmlns:a16="http://schemas.microsoft.com/office/drawing/2014/main" id="{9C6530FA-FE9B-CF40-906C-B13BFEDC1B24}"/>
+              </a:ext>
+            </a:extLst>
+          </p:cNvPr>
+          <p:cNvSpPr txBox="1"/>
+          <p:nvPr/>
+        </p:nvSpPr>
+        <p:spPr>
+          <a:xfrm>
+            <a:off x="193260" y="836712"/>
+            <a:ext cx="7503977" cy="1569660"/>
+          </a:xfrm>
+          <a:prstGeom prst="rect">
+            <a:avLst/>
+          </a:prstGeom>
+          <a:noFill/>
+        </p:spPr>
+        <p:txBody>
+          <a:bodyPr wrap="none" rtlCol="0">
+            <a:spAutoFit/>
+          </a:bodyPr>
+          <a:lstStyle/>
+          <a:p>
+            <a:r>
+              <a:rPr kumimoji="1" lang="ja-JP" altLang="en-US" sz="2400" dirty="0"/>
+              <a:t>例：確率</a:t>
+            </a:r>
+            <a:r>
+              <a:rPr kumimoji="1" lang="en-US" altLang="ja-JP" sz="2400" dirty="0"/>
+              <a:t>1/2</a:t>
+            </a:r>
+            <a:r>
+              <a:rPr kumimoji="1" lang="ja-JP" altLang="en-US" sz="2400" dirty="0"/>
+              <a:t>で所持金が</a:t>
+            </a:r>
+            <a:r>
+              <a:rPr kumimoji="1" lang="en-US" altLang="ja-JP" sz="2400" dirty="0"/>
+              <a:t>1</a:t>
+            </a:r>
+            <a:r>
+              <a:rPr kumimoji="1" lang="ja-JP" altLang="en-US" sz="2400" dirty="0"/>
+              <a:t>万円増えるか</a:t>
+            </a:r>
+            <a:r>
+              <a:rPr kumimoji="1" lang="ja-JP" altLang="en-US" sz="2400" dirty="0" smtClean="0"/>
+              <a:t>減るギャンブル</a:t>
+            </a:r>
+            <a:endParaRPr kumimoji="1" lang="en-US" altLang="ja-JP" sz="2400" dirty="0"/>
+          </a:p>
+          <a:p>
+            <a:r>
+              <a:rPr lang="ja-JP" altLang="en-US" sz="2400" dirty="0"/>
+              <a:t>　　所持金</a:t>
+            </a:r>
+            <a:r>
+              <a:rPr lang="en-US" altLang="ja-JP" sz="2400" dirty="0"/>
+              <a:t>5</a:t>
+            </a:r>
+            <a:r>
+              <a:rPr lang="ja-JP" altLang="en-US" sz="2400" dirty="0"/>
+              <a:t>万円からスタート</a:t>
+            </a:r>
+            <a:r>
+              <a:rPr lang="ja-JP" altLang="en-US" sz="2400" dirty="0" smtClean="0"/>
+              <a:t>して</a:t>
+            </a:r>
+            <a:endParaRPr lang="en-US" altLang="ja-JP" sz="2400" dirty="0" smtClean="0"/>
+          </a:p>
+          <a:p>
+            <a:r>
+              <a:rPr lang="ja-JP" altLang="en-US" sz="2400" dirty="0"/>
+              <a:t>　</a:t>
+            </a:r>
+            <a:r>
+              <a:rPr lang="ja-JP" altLang="en-US" sz="2400" dirty="0" smtClean="0"/>
+              <a:t>　　</a:t>
+            </a:r>
+            <a:r>
+              <a:rPr lang="en-US" altLang="ja-JP" sz="2400" dirty="0" smtClean="0"/>
+              <a:t>0</a:t>
+            </a:r>
+            <a:r>
+              <a:rPr lang="ja-JP" altLang="en-US" sz="2400" dirty="0"/>
+              <a:t>円になったら</a:t>
+            </a:r>
+            <a:r>
+              <a:rPr lang="ja-JP" altLang="en-US" sz="2400" dirty="0" smtClean="0"/>
+              <a:t>負け</a:t>
+            </a:r>
+            <a:endParaRPr lang="en-US" altLang="ja-JP" sz="2400" dirty="0" smtClean="0"/>
+          </a:p>
+          <a:p>
+            <a:r>
+              <a:rPr lang="ja-JP" altLang="en-US" sz="2400" dirty="0"/>
+              <a:t>　</a:t>
+            </a:r>
+            <a:r>
+              <a:rPr lang="ja-JP" altLang="en-US" sz="2400" dirty="0" smtClean="0"/>
+              <a:t>　　</a:t>
+            </a:r>
+            <a:r>
+              <a:rPr lang="en-US" altLang="ja-JP" sz="2400" dirty="0" smtClean="0"/>
+              <a:t>10</a:t>
+            </a:r>
+            <a:r>
+              <a:rPr lang="ja-JP" altLang="en-US" sz="2400" dirty="0"/>
+              <a:t>万円になったら勝ち</a:t>
+            </a:r>
+            <a:endParaRPr kumimoji="1" lang="ja-JP" altLang="en-US" sz="2400" dirty="0"/>
           </a:p>
         </p:txBody>
       </p:sp>
@@ -12320,7 +12888,7 @@
         </p:nvSpPr>
         <p:spPr>
           <a:xfrm>
-            <a:off x="413897" y="2276872"/>
+            <a:off x="251520" y="2737951"/>
             <a:ext cx="5472608" cy="3139321"/>
           </a:xfrm>
           <a:prstGeom prst="rect">
@@ -12399,6 +12967,16 @@
             </a:endParaRPr>
           </a:p>
           <a:p>
+            <a:r>
+              <a:rPr lang="en" altLang="ja-JP" b="0">
+                <a:solidFill>
+                  <a:srgbClr val="D4D4D4"/>
+                </a:solidFill>
+                <a:effectLst/>
+                <a:latin typeface="Menlo" panose="020B0609030804020204" pitchFamily="49" charset="0"/>
+              </a:rPr>
+              <a:t/>
+            </a:r>
             <a:br>
               <a:rPr lang="en" altLang="ja-JP" b="0">
                 <a:solidFill>
@@ -12559,6 +13137,16 @@
             </a:endParaRPr>
           </a:p>
           <a:p>
+            <a:r>
+              <a:rPr lang="en" altLang="ja-JP" b="0">
+                <a:solidFill>
+                  <a:srgbClr val="D4D4D4"/>
+                </a:solidFill>
+                <a:effectLst/>
+                <a:latin typeface="Menlo" panose="020B0609030804020204" pitchFamily="49" charset="0"/>
+              </a:rPr>
+              <a:t/>
+            </a:r>
             <a:br>
               <a:rPr lang="en" altLang="ja-JP" b="0">
                 <a:solidFill>
@@ -12739,89 +13327,6 @@
       </p:sp>
       <p:sp>
         <p:nvSpPr>
-          <p:cNvPr id="4" name="テキスト ボックス 3">
-            <a:extLst>
-              <a:ext uri="{FF2B5EF4-FFF2-40B4-BE49-F238E27FC236}">
-                <a16:creationId xmlns:a16="http://schemas.microsoft.com/office/drawing/2014/main" id="{A8AEFCB2-424D-EA41-A573-0BC17E448906}"/>
-              </a:ext>
-            </a:extLst>
-          </p:cNvPr>
-          <p:cNvSpPr txBox="1"/>
-          <p:nvPr/>
-        </p:nvSpPr>
-        <p:spPr>
-          <a:xfrm>
-            <a:off x="107504" y="1124744"/>
-            <a:ext cx="8494633" cy="646331"/>
-          </a:xfrm>
-          <a:prstGeom prst="rect">
-            <a:avLst/>
-          </a:prstGeom>
-          <a:noFill/>
-        </p:spPr>
-        <p:txBody>
-          <a:bodyPr wrap="none" rtlCol="0">
-            <a:spAutoFit/>
-          </a:bodyPr>
-          <a:lstStyle/>
-          <a:p>
-            <a:r>
-              <a:rPr kumimoji="1" lang="ja-JP" altLang="en-US"/>
-              <a:t>例：確率</a:t>
-            </a:r>
-            <a:r>
-              <a:rPr kumimoji="1" lang="en-US" altLang="ja-JP"/>
-              <a:t>1/2</a:t>
-            </a:r>
-            <a:r>
-              <a:rPr kumimoji="1" lang="ja-JP" altLang="en-US"/>
-              <a:t>で所持金が</a:t>
-            </a:r>
-            <a:r>
-              <a:rPr kumimoji="1" lang="en-US" altLang="ja-JP"/>
-              <a:t>1</a:t>
-            </a:r>
-            <a:r>
-              <a:rPr kumimoji="1" lang="ja-JP" altLang="en-US"/>
-              <a:t>万円増えるか減るかするギャンブルがある。</a:t>
-            </a:r>
-            <a:endParaRPr kumimoji="1" lang="en-US" altLang="ja-JP"/>
-          </a:p>
-          <a:p>
-            <a:r>
-              <a:rPr lang="ja-JP" altLang="en-US"/>
-              <a:t>　　所持金</a:t>
-            </a:r>
-            <a:r>
-              <a:rPr lang="en-US" altLang="ja-JP"/>
-              <a:t>5</a:t>
-            </a:r>
-            <a:r>
-              <a:rPr lang="ja-JP" altLang="en-US"/>
-              <a:t>万円からスタートして、</a:t>
-            </a:r>
-            <a:r>
-              <a:rPr lang="en-US" altLang="ja-JP"/>
-              <a:t>0</a:t>
-            </a:r>
-            <a:r>
-              <a:rPr lang="ja-JP" altLang="en-US"/>
-              <a:t>円になったら負け、</a:t>
-            </a:r>
-            <a:r>
-              <a:rPr lang="en-US" altLang="ja-JP"/>
-              <a:t>10</a:t>
-            </a:r>
-            <a:r>
-              <a:rPr lang="ja-JP" altLang="en-US"/>
-              <a:t>万円になったら勝ち</a:t>
-            </a:r>
-            <a:endParaRPr kumimoji="1" lang="ja-JP" altLang="en-US"/>
-          </a:p>
-        </p:txBody>
-      </p:sp>
-      <p:sp>
-        <p:nvSpPr>
           <p:cNvPr id="6" name="右中かっこ 5">
             <a:extLst>
               <a:ext uri="{FF2B5EF4-FFF2-40B4-BE49-F238E27FC236}">
@@ -12834,7 +13339,7 @@
         </p:nvSpPr>
         <p:spPr>
           <a:xfrm>
-            <a:off x="3438233" y="3429000"/>
+            <a:off x="3275856" y="3890079"/>
             <a:ext cx="135632" cy="224408"/>
           </a:xfrm>
           <a:prstGeom prst="rightBrace">
@@ -12885,7 +13390,7 @@
         </p:nvSpPr>
         <p:spPr>
           <a:xfrm>
-            <a:off x="6030521" y="3356992"/>
+            <a:off x="5868144" y="3818071"/>
             <a:ext cx="3185487" cy="646331"/>
           </a:xfrm>
           <a:prstGeom prst="rect">
@@ -12900,33 +13405,33 @@
           <a:lstStyle/>
           <a:p>
             <a:r>
-              <a:rPr kumimoji="1" lang="ja-JP" altLang="en-US"/>
+              <a:rPr kumimoji="1" lang="ja-JP" altLang="en-US" dirty="0"/>
               <a:t>所持金が</a:t>
             </a:r>
             <a:r>
-              <a:rPr kumimoji="1" lang="en-US" altLang="ja-JP"/>
+              <a:rPr kumimoji="1" lang="en-US" altLang="ja-JP" dirty="0"/>
               <a:t>1</a:t>
             </a:r>
             <a:r>
-              <a:rPr kumimoji="1" lang="ja-JP" altLang="en-US"/>
+              <a:rPr kumimoji="1" lang="ja-JP" altLang="en-US" dirty="0"/>
               <a:t>以上</a:t>
             </a:r>
             <a:r>
-              <a:rPr kumimoji="1" lang="en-US" altLang="ja-JP"/>
+              <a:rPr kumimoji="1" lang="en-US" altLang="ja-JP" dirty="0"/>
               <a:t>9</a:t>
             </a:r>
             <a:r>
-              <a:rPr kumimoji="1" lang="ja-JP" altLang="en-US"/>
+              <a:rPr kumimoji="1" lang="ja-JP" altLang="en-US" dirty="0"/>
               <a:t>以下の時だけ</a:t>
             </a:r>
-            <a:endParaRPr kumimoji="1" lang="en-US" altLang="ja-JP"/>
-          </a:p>
-          <a:p>
-            <a:r>
-              <a:rPr lang="ja-JP" altLang="en-US"/>
+            <a:endParaRPr kumimoji="1" lang="en-US" altLang="ja-JP" dirty="0"/>
+          </a:p>
+          <a:p>
+            <a:r>
+              <a:rPr lang="ja-JP" altLang="en-US" dirty="0"/>
               <a:t>ループ</a:t>
             </a:r>
-            <a:endParaRPr kumimoji="1" lang="ja-JP" altLang="en-US"/>
+            <a:endParaRPr kumimoji="1" lang="ja-JP" altLang="en-US" dirty="0"/>
           </a:p>
         </p:txBody>
       </p:sp>
@@ -12944,7 +13449,7 @@
         </p:nvSpPr>
         <p:spPr>
           <a:xfrm>
-            <a:off x="2862169" y="4293096"/>
+            <a:off x="2699792" y="4754175"/>
             <a:ext cx="144016" cy="1080120"/>
           </a:xfrm>
           <a:prstGeom prst="rightBrace">
@@ -12995,7 +13500,7 @@
         </p:nvSpPr>
         <p:spPr>
           <a:xfrm>
-            <a:off x="5958513" y="4437112"/>
+            <a:off x="5796136" y="4898191"/>
             <a:ext cx="3185487" cy="369332"/>
           </a:xfrm>
           <a:prstGeom prst="rect">
@@ -13034,7 +13539,7 @@
         </p:nvSpPr>
         <p:spPr>
           <a:xfrm>
-            <a:off x="467544" y="5733256"/>
+            <a:off x="519216" y="5930116"/>
             <a:ext cx="7725192" cy="523220"/>
           </a:xfrm>
           <a:prstGeom prst="rect">
@@ -13084,9 +13589,126 @@
           <a:lstStyle/>
           <a:p>
             <a:r>
-              <a:rPr kumimoji="1" lang="ja-JP" altLang="en-US"/>
+              <a:rPr kumimoji="1" lang="ja-JP" altLang="en-US" dirty="0"/>
               <a:t>簡潔さ、わかりやすさなどで使い分ける</a:t>
             </a:r>
+          </a:p>
+        </p:txBody>
+      </p:sp>
+      <p:sp>
+        <p:nvSpPr>
+          <p:cNvPr id="13" name="テキスト ボックス 12">
+            <a:extLst>
+              <a:ext uri="{FF2B5EF4-FFF2-40B4-BE49-F238E27FC236}">
+                <a16:creationId xmlns:a16="http://schemas.microsoft.com/office/drawing/2014/main" id="{9C6530FA-FE9B-CF40-906C-B13BFEDC1B24}"/>
+              </a:ext>
+            </a:extLst>
+          </p:cNvPr>
+          <p:cNvSpPr txBox="1"/>
+          <p:nvPr/>
+        </p:nvSpPr>
+        <p:spPr>
+          <a:xfrm>
+            <a:off x="193260" y="836712"/>
+            <a:ext cx="7503977" cy="1569660"/>
+          </a:xfrm>
+          <a:prstGeom prst="rect">
+            <a:avLst/>
+          </a:prstGeom>
+          <a:noFill/>
+        </p:spPr>
+        <p:txBody>
+          <a:bodyPr wrap="none" rtlCol="0">
+            <a:spAutoFit/>
+          </a:bodyPr>
+          <a:lstStyle/>
+          <a:p>
+            <a:r>
+              <a:rPr kumimoji="1" lang="ja-JP" altLang="en-US" sz="2400" dirty="0"/>
+              <a:t>例：確率</a:t>
+            </a:r>
+            <a:r>
+              <a:rPr kumimoji="1" lang="en-US" altLang="ja-JP" sz="2400" dirty="0"/>
+              <a:t>1/2</a:t>
+            </a:r>
+            <a:r>
+              <a:rPr kumimoji="1" lang="ja-JP" altLang="en-US" sz="2400" dirty="0"/>
+              <a:t>で所持金が</a:t>
+            </a:r>
+            <a:r>
+              <a:rPr kumimoji="1" lang="en-US" altLang="ja-JP" sz="2400" dirty="0"/>
+              <a:t>1</a:t>
+            </a:r>
+            <a:r>
+              <a:rPr kumimoji="1" lang="ja-JP" altLang="en-US" sz="2400" dirty="0"/>
+              <a:t>万円増えるか</a:t>
+            </a:r>
+            <a:r>
+              <a:rPr kumimoji="1" lang="ja-JP" altLang="en-US" sz="2400" dirty="0" smtClean="0"/>
+              <a:t>減るギャンブル</a:t>
+            </a:r>
+            <a:endParaRPr kumimoji="1" lang="en-US" altLang="ja-JP" sz="2400" dirty="0"/>
+          </a:p>
+          <a:p>
+            <a:r>
+              <a:rPr lang="ja-JP" altLang="en-US" sz="2400" dirty="0"/>
+              <a:t>　　所持金</a:t>
+            </a:r>
+            <a:r>
+              <a:rPr lang="en-US" altLang="ja-JP" sz="2400" dirty="0"/>
+              <a:t>5</a:t>
+            </a:r>
+            <a:r>
+              <a:rPr lang="ja-JP" altLang="en-US" sz="2400" dirty="0"/>
+              <a:t>万円からスタート</a:t>
+            </a:r>
+            <a:r>
+              <a:rPr lang="ja-JP" altLang="en-US" sz="2400" dirty="0" smtClean="0"/>
+              <a:t>して</a:t>
+            </a:r>
+            <a:endParaRPr lang="en-US" altLang="ja-JP" sz="2400" dirty="0" smtClean="0"/>
+          </a:p>
+          <a:p>
+            <a:r>
+              <a:rPr lang="ja-JP" altLang="en-US" sz="2400" dirty="0"/>
+              <a:t>　</a:t>
+            </a:r>
+            <a:r>
+              <a:rPr lang="ja-JP" altLang="en-US" sz="2400" dirty="0" smtClean="0"/>
+              <a:t>　　</a:t>
+            </a:r>
+            <a:r>
+              <a:rPr lang="en-US" altLang="ja-JP" sz="2400" dirty="0" smtClean="0"/>
+              <a:t>0</a:t>
+            </a:r>
+            <a:r>
+              <a:rPr lang="ja-JP" altLang="en-US" sz="2400" dirty="0"/>
+              <a:t>円になったら</a:t>
+            </a:r>
+            <a:r>
+              <a:rPr lang="ja-JP" altLang="en-US" sz="2400" dirty="0" smtClean="0"/>
+              <a:t>負け</a:t>
+            </a:r>
+            <a:endParaRPr lang="en-US" altLang="ja-JP" sz="2400" dirty="0" smtClean="0"/>
+          </a:p>
+          <a:p>
+            <a:r>
+              <a:rPr lang="ja-JP" altLang="en-US" sz="2400" dirty="0"/>
+              <a:t>　</a:t>
+            </a:r>
+            <a:r>
+              <a:rPr lang="ja-JP" altLang="en-US" sz="2400" dirty="0" smtClean="0"/>
+              <a:t>　　</a:t>
+            </a:r>
+            <a:r>
+              <a:rPr lang="en-US" altLang="ja-JP" sz="2400" dirty="0" smtClean="0"/>
+              <a:t>10</a:t>
+            </a:r>
+            <a:r>
+              <a:rPr lang="ja-JP" altLang="en-US" sz="2400" dirty="0"/>
+              <a:t>万円になったら勝ち</a:t>
+            </a:r>
+            <a:endParaRPr kumimoji="1" lang="ja-JP" altLang="en-US" sz="2400" dirty="0"/>
           </a:p>
         </p:txBody>
       </p:sp>

--- a/scope/fig/slide.pptx
+++ b/scope/fig/slide.pptx
@@ -5,7 +5,7 @@
     <p:sldMasterId id="2147483663" r:id="rId1"/>
   </p:sldMasterIdLst>
   <p:notesMasterIdLst>
-    <p:notesMasterId r:id="rId22"/>
+    <p:notesMasterId r:id="rId29"/>
   </p:notesMasterIdLst>
   <p:sldIdLst>
     <p:sldId id="256" r:id="rId2"/>
@@ -28,6 +28,13 @@
     <p:sldId id="303" r:id="rId19"/>
     <p:sldId id="304" r:id="rId20"/>
     <p:sldId id="305" r:id="rId21"/>
+    <p:sldId id="307" r:id="rId22"/>
+    <p:sldId id="306" r:id="rId23"/>
+    <p:sldId id="308" r:id="rId24"/>
+    <p:sldId id="309" r:id="rId25"/>
+    <p:sldId id="311" r:id="rId26"/>
+    <p:sldId id="310" r:id="rId27"/>
+    <p:sldId id="312" r:id="rId28"/>
   </p:sldIdLst>
   <p:sldSz cx="9144000" cy="6858000" type="screen4x3"/>
   <p:notesSz cx="6858000" cy="9144000"/>
@@ -7629,7 +7636,7 @@
           <a:lstStyle/>
           <a:p>
             <a:r>
-              <a:rPr kumimoji="1" lang="ja-JP" altLang="en-US"/>
+              <a:rPr kumimoji="1" lang="ja-JP" altLang="en-US" dirty="0"/>
               <a:t>作成</a:t>
             </a:r>
           </a:p>
@@ -7815,8 +7822,8 @@
         </p:nvSpPr>
         <p:spPr>
           <a:xfrm>
-            <a:off x="275107" y="5385139"/>
-            <a:ext cx="7520007" cy="523220"/>
+            <a:off x="555516" y="5359568"/>
+            <a:ext cx="8032968" cy="523220"/>
           </a:xfrm>
           <a:prstGeom prst="rect">
             <a:avLst/>
@@ -7830,22 +7837,96 @@
           <a:lstStyle/>
           <a:p>
             <a:r>
-              <a:rPr kumimoji="1" lang="en-US" altLang="ja-JP" sz="2800" dirty="0" smtClean="0"/>
+              <a:rPr lang="ja-JP" altLang="en-US" sz="2800" dirty="0" smtClean="0"/>
+              <a:t>グローバル変数の</a:t>
+            </a:r>
+            <a:r>
+              <a:rPr lang="en-US" altLang="ja-JP" sz="2800" dirty="0" smtClean="0"/>
               <a:t>a</a:t>
             </a:r>
             <a:r>
-              <a:rPr kumimoji="1" lang="ja-JP" altLang="en-US" sz="2800" dirty="0" smtClean="0"/>
-              <a:t>という名前の指す先は、場所によって</a:t>
-            </a:r>
-            <a:r>
-              <a:rPr lang="ja-JP" altLang="en-US" sz="2800" dirty="0"/>
-              <a:t>異</a:t>
-            </a:r>
-            <a:r>
               <a:rPr lang="ja-JP" altLang="en-US" sz="2800" dirty="0" smtClean="0"/>
-              <a:t>なる</a:t>
+              <a:t>とローカル変数の</a:t>
+            </a:r>
+            <a:r>
+              <a:rPr lang="en-US" altLang="ja-JP" sz="2800" dirty="0" smtClean="0"/>
+              <a:t>a</a:t>
+            </a:r>
+            <a:r>
+              <a:rPr lang="ja-JP" altLang="en-US" sz="2800" dirty="0" smtClean="0"/>
+              <a:t>は別の変数</a:t>
             </a:r>
             <a:endParaRPr kumimoji="1" lang="ja-JP" altLang="en-US" sz="2800" dirty="0"/>
+          </a:p>
+        </p:txBody>
+      </p:sp>
+      <p:sp>
+        <p:nvSpPr>
+          <p:cNvPr id="35" name="テキスト ボックス 34">
+            <a:extLst>
+              <a:ext uri="{FF2B5EF4-FFF2-40B4-BE49-F238E27FC236}">
+                <a16:creationId xmlns:a16="http://schemas.microsoft.com/office/drawing/2014/main" id="{142D13B3-5F65-2C44-B982-B785FF7BCB55}"/>
+              </a:ext>
+            </a:extLst>
+          </p:cNvPr>
+          <p:cNvSpPr txBox="1"/>
+          <p:nvPr/>
+        </p:nvSpPr>
+        <p:spPr>
+          <a:xfrm>
+            <a:off x="6171916" y="2445227"/>
+            <a:ext cx="646331" cy="369332"/>
+          </a:xfrm>
+          <a:prstGeom prst="rect">
+            <a:avLst/>
+          </a:prstGeom>
+          <a:noFill/>
+        </p:spPr>
+        <p:txBody>
+          <a:bodyPr wrap="none" rtlCol="0">
+            <a:spAutoFit/>
+          </a:bodyPr>
+          <a:lstStyle/>
+          <a:p>
+            <a:r>
+              <a:rPr kumimoji="1" lang="ja-JP" altLang="en-US" dirty="0"/>
+              <a:t>作成</a:t>
+            </a:r>
+          </a:p>
+        </p:txBody>
+      </p:sp>
+      <p:sp>
+        <p:nvSpPr>
+          <p:cNvPr id="37" name="テキスト ボックス 36">
+            <a:extLst>
+              <a:ext uri="{FF2B5EF4-FFF2-40B4-BE49-F238E27FC236}">
+                <a16:creationId xmlns:a16="http://schemas.microsoft.com/office/drawing/2014/main" id="{733FCE6E-5F15-5742-95E2-18DB25715969}"/>
+              </a:ext>
+            </a:extLst>
+          </p:cNvPr>
+          <p:cNvSpPr txBox="1"/>
+          <p:nvPr/>
+        </p:nvSpPr>
+        <p:spPr>
+          <a:xfrm>
+            <a:off x="6337937" y="3505912"/>
+            <a:ext cx="646331" cy="369332"/>
+          </a:xfrm>
+          <a:prstGeom prst="rect">
+            <a:avLst/>
+          </a:prstGeom>
+          <a:noFill/>
+        </p:spPr>
+        <p:txBody>
+          <a:bodyPr wrap="none" rtlCol="0">
+            <a:spAutoFit/>
+          </a:bodyPr>
+          <a:lstStyle/>
+          <a:p>
+            <a:r>
+              <a:rPr kumimoji="1" lang="ja-JP" altLang="en-US"/>
+              <a:t>参照</a:t>
+            </a:r>
           </a:p>
         </p:txBody>
       </p:sp>
@@ -8523,6 +8604,2659 @@
     <p:extLst>
       <p:ext uri="{BB962C8B-B14F-4D97-AF65-F5344CB8AC3E}">
         <p14:creationId xmlns:p14="http://schemas.microsoft.com/office/powerpoint/2010/main" val="2276367319"/>
+      </p:ext>
+    </p:extLst>
+  </p:cSld>
+  <p:clrMapOvr>
+    <a:masterClrMapping/>
+  </p:clrMapOvr>
+</p:sld>
+</file>
+
+<file path=ppt/slides/slide21.xml><?xml version="1.0" encoding="utf-8"?>
+<p:sld xmlns:a="http://schemas.openxmlformats.org/drawingml/2006/main" xmlns:r="http://schemas.openxmlformats.org/officeDocument/2006/relationships" xmlns:p="http://schemas.openxmlformats.org/presentationml/2006/main">
+  <p:cSld>
+    <p:spTree>
+      <p:nvGrpSpPr>
+        <p:cNvPr id="1" name=""/>
+        <p:cNvGrpSpPr/>
+        <p:nvPr/>
+      </p:nvGrpSpPr>
+      <p:grpSpPr>
+        <a:xfrm>
+          <a:off x="0" y="0"/>
+          <a:ext cx="0" cy="0"/>
+          <a:chOff x="0" y="0"/>
+          <a:chExt cx="0" cy="0"/>
+        </a:xfrm>
+      </p:grpSpPr>
+      <p:sp>
+        <p:nvSpPr>
+          <p:cNvPr id="2" name="テキスト プレースホルダー 1"/>
+          <p:cNvSpPr>
+            <a:spLocks noGrp="1"/>
+          </p:cNvSpPr>
+          <p:nvPr>
+            <p:ph type="body" sz="quarter" idx="10"/>
+          </p:nvPr>
+        </p:nvSpPr>
+        <p:spPr/>
+        <p:txBody>
+          <a:bodyPr/>
+          <a:lstStyle/>
+          <a:p>
+            <a:r>
+              <a:rPr kumimoji="1" lang="en-US" altLang="ja-JP" dirty="0" smtClean="0"/>
+              <a:t>global</a:t>
+            </a:r>
+            <a:r>
+              <a:rPr kumimoji="1" lang="ja-JP" altLang="en-US" dirty="0" smtClean="0"/>
+              <a:t>宣言</a:t>
+            </a:r>
+            <a:endParaRPr kumimoji="1" lang="ja-JP" altLang="en-US" dirty="0"/>
+          </a:p>
+        </p:txBody>
+      </p:sp>
+      <p:sp>
+        <p:nvSpPr>
+          <p:cNvPr id="3" name="正方形/長方形 2"/>
+          <p:cNvSpPr/>
+          <p:nvPr/>
+        </p:nvSpPr>
+        <p:spPr>
+          <a:xfrm>
+            <a:off x="251520" y="980728"/>
+            <a:ext cx="2448272" cy="1815882"/>
+          </a:xfrm>
+          <a:prstGeom prst="rect">
+            <a:avLst/>
+          </a:prstGeom>
+          <a:solidFill>
+            <a:schemeClr val="tx1"/>
+          </a:solidFill>
+        </p:spPr>
+        <p:txBody>
+          <a:bodyPr wrap="square">
+            <a:spAutoFit/>
+          </a:bodyPr>
+          <a:lstStyle/>
+          <a:p>
+            <a:r>
+              <a:rPr lang="pt-BR" altLang="ja-JP" sz="2800" dirty="0">
+                <a:solidFill>
+                  <a:srgbClr val="D4D4D4"/>
+                </a:solidFill>
+                <a:latin typeface="Consolas" panose="020B0609020204030204" pitchFamily="49" charset="0"/>
+              </a:rPr>
+              <a:t>a = </a:t>
+            </a:r>
+            <a:r>
+              <a:rPr lang="pt-BR" altLang="ja-JP" sz="2800" dirty="0">
+                <a:solidFill>
+                  <a:srgbClr val="B5CEA8"/>
+                </a:solidFill>
+                <a:latin typeface="Consolas" panose="020B0609020204030204" pitchFamily="49" charset="0"/>
+              </a:rPr>
+              <a:t>10</a:t>
+            </a:r>
+            <a:endParaRPr lang="pt-BR" altLang="ja-JP" sz="2800" dirty="0">
+              <a:solidFill>
+                <a:srgbClr val="D4D4D4"/>
+              </a:solidFill>
+              <a:latin typeface="Consolas" panose="020B0609020204030204" pitchFamily="49" charset="0"/>
+            </a:endParaRPr>
+          </a:p>
+          <a:p>
+            <a:r>
+              <a:rPr lang="pt-BR" altLang="ja-JP" sz="2800" dirty="0">
+                <a:solidFill>
+                  <a:srgbClr val="D4D4D4"/>
+                </a:solidFill>
+                <a:latin typeface="Consolas" panose="020B0609020204030204" pitchFamily="49" charset="0"/>
+              </a:rPr>
+              <a:t/>
+            </a:r>
+            <a:br>
+              <a:rPr lang="pt-BR" altLang="ja-JP" sz="2800" dirty="0">
+                <a:solidFill>
+                  <a:srgbClr val="D4D4D4"/>
+                </a:solidFill>
+                <a:latin typeface="Consolas" panose="020B0609020204030204" pitchFamily="49" charset="0"/>
+              </a:rPr>
+            </a:br>
+            <a:r>
+              <a:rPr lang="pt-BR" altLang="ja-JP" sz="2800" dirty="0">
+                <a:solidFill>
+                  <a:srgbClr val="569CD6"/>
+                </a:solidFill>
+                <a:latin typeface="Consolas" panose="020B0609020204030204" pitchFamily="49" charset="0"/>
+              </a:rPr>
+              <a:t>def</a:t>
+            </a:r>
+            <a:r>
+              <a:rPr lang="pt-BR" altLang="ja-JP" sz="2800" dirty="0">
+                <a:solidFill>
+                  <a:srgbClr val="D4D4D4"/>
+                </a:solidFill>
+                <a:latin typeface="Consolas" panose="020B0609020204030204" pitchFamily="49" charset="0"/>
+              </a:rPr>
+              <a:t> </a:t>
+            </a:r>
+            <a:r>
+              <a:rPr lang="pt-BR" altLang="ja-JP" sz="2800" dirty="0">
+                <a:solidFill>
+                  <a:srgbClr val="DCDCAA"/>
+                </a:solidFill>
+                <a:latin typeface="Consolas" panose="020B0609020204030204" pitchFamily="49" charset="0"/>
+              </a:rPr>
+              <a:t>func</a:t>
+            </a:r>
+            <a:r>
+              <a:rPr lang="pt-BR" altLang="ja-JP" sz="2800" dirty="0">
+                <a:solidFill>
+                  <a:srgbClr val="D4D4D4"/>
+                </a:solidFill>
+                <a:latin typeface="Consolas" panose="020B0609020204030204" pitchFamily="49" charset="0"/>
+              </a:rPr>
+              <a:t>():</a:t>
+            </a:r>
+          </a:p>
+          <a:p>
+            <a:r>
+              <a:rPr lang="pt-BR" altLang="ja-JP" sz="2800" dirty="0">
+                <a:solidFill>
+                  <a:srgbClr val="D4D4D4"/>
+                </a:solidFill>
+                <a:latin typeface="Consolas" panose="020B0609020204030204" pitchFamily="49" charset="0"/>
+              </a:rPr>
+              <a:t>    a = </a:t>
+            </a:r>
+            <a:r>
+              <a:rPr lang="pt-BR" altLang="ja-JP" sz="2800" dirty="0" smtClean="0">
+                <a:solidFill>
+                  <a:srgbClr val="B5CEA8"/>
+                </a:solidFill>
+                <a:latin typeface="Consolas" panose="020B0609020204030204" pitchFamily="49" charset="0"/>
+              </a:rPr>
+              <a:t>20</a:t>
+            </a:r>
+            <a:endParaRPr lang="pt-BR" altLang="ja-JP" sz="2800" dirty="0">
+              <a:solidFill>
+                <a:srgbClr val="D4D4D4"/>
+              </a:solidFill>
+              <a:latin typeface="Consolas" panose="020B0609020204030204" pitchFamily="49" charset="0"/>
+            </a:endParaRPr>
+          </a:p>
+        </p:txBody>
+      </p:sp>
+      <p:sp>
+        <p:nvSpPr>
+          <p:cNvPr id="4" name="正方形/長方形 3"/>
+          <p:cNvSpPr/>
+          <p:nvPr/>
+        </p:nvSpPr>
+        <p:spPr>
+          <a:xfrm>
+            <a:off x="251520" y="3197880"/>
+            <a:ext cx="2664296" cy="2246769"/>
+          </a:xfrm>
+          <a:prstGeom prst="rect">
+            <a:avLst/>
+          </a:prstGeom>
+          <a:solidFill>
+            <a:schemeClr val="tx1"/>
+          </a:solidFill>
+        </p:spPr>
+        <p:txBody>
+          <a:bodyPr wrap="square">
+            <a:spAutoFit/>
+          </a:bodyPr>
+          <a:lstStyle/>
+          <a:p>
+            <a:r>
+              <a:rPr lang="en-US" altLang="ja-JP" sz="2800" dirty="0">
+                <a:solidFill>
+                  <a:srgbClr val="D4D4D4"/>
+                </a:solidFill>
+                <a:latin typeface="Consolas" panose="020B0609020204030204" pitchFamily="49" charset="0"/>
+              </a:rPr>
+              <a:t>a = </a:t>
+            </a:r>
+            <a:r>
+              <a:rPr lang="en-US" altLang="ja-JP" sz="2800" dirty="0">
+                <a:solidFill>
+                  <a:srgbClr val="B5CEA8"/>
+                </a:solidFill>
+                <a:latin typeface="Consolas" panose="020B0609020204030204" pitchFamily="49" charset="0"/>
+              </a:rPr>
+              <a:t>10</a:t>
+            </a:r>
+            <a:endParaRPr lang="en-US" altLang="ja-JP" sz="2800" dirty="0">
+              <a:solidFill>
+                <a:srgbClr val="D4D4D4"/>
+              </a:solidFill>
+              <a:latin typeface="Consolas" panose="020B0609020204030204" pitchFamily="49" charset="0"/>
+            </a:endParaRPr>
+          </a:p>
+          <a:p>
+            <a:r>
+              <a:rPr lang="en-US" altLang="ja-JP" sz="2800" dirty="0">
+                <a:solidFill>
+                  <a:srgbClr val="D4D4D4"/>
+                </a:solidFill>
+                <a:latin typeface="Consolas" panose="020B0609020204030204" pitchFamily="49" charset="0"/>
+              </a:rPr>
+              <a:t/>
+            </a:r>
+            <a:br>
+              <a:rPr lang="en-US" altLang="ja-JP" sz="2800" dirty="0">
+                <a:solidFill>
+                  <a:srgbClr val="D4D4D4"/>
+                </a:solidFill>
+                <a:latin typeface="Consolas" panose="020B0609020204030204" pitchFamily="49" charset="0"/>
+              </a:rPr>
+            </a:br>
+            <a:r>
+              <a:rPr lang="en-US" altLang="ja-JP" sz="2800" dirty="0" err="1">
+                <a:solidFill>
+                  <a:srgbClr val="569CD6"/>
+                </a:solidFill>
+                <a:latin typeface="Consolas" panose="020B0609020204030204" pitchFamily="49" charset="0"/>
+              </a:rPr>
+              <a:t>def</a:t>
+            </a:r>
+            <a:r>
+              <a:rPr lang="en-US" altLang="ja-JP" sz="2800" dirty="0">
+                <a:solidFill>
+                  <a:srgbClr val="D4D4D4"/>
+                </a:solidFill>
+                <a:latin typeface="Consolas" panose="020B0609020204030204" pitchFamily="49" charset="0"/>
+              </a:rPr>
+              <a:t> </a:t>
+            </a:r>
+            <a:r>
+              <a:rPr lang="en-US" altLang="ja-JP" sz="2800" dirty="0" err="1">
+                <a:solidFill>
+                  <a:srgbClr val="DCDCAA"/>
+                </a:solidFill>
+                <a:latin typeface="Consolas" panose="020B0609020204030204" pitchFamily="49" charset="0"/>
+              </a:rPr>
+              <a:t>func</a:t>
+            </a:r>
+            <a:r>
+              <a:rPr lang="en-US" altLang="ja-JP" sz="2800" dirty="0">
+                <a:solidFill>
+                  <a:srgbClr val="D4D4D4"/>
+                </a:solidFill>
+                <a:latin typeface="Consolas" panose="020B0609020204030204" pitchFamily="49" charset="0"/>
+              </a:rPr>
+              <a:t>():</a:t>
+            </a:r>
+          </a:p>
+          <a:p>
+            <a:r>
+              <a:rPr lang="en-US" altLang="ja-JP" sz="2800" dirty="0">
+                <a:solidFill>
+                  <a:srgbClr val="D4D4D4"/>
+                </a:solidFill>
+                <a:latin typeface="Consolas" panose="020B0609020204030204" pitchFamily="49" charset="0"/>
+              </a:rPr>
+              <a:t>    </a:t>
+            </a:r>
+            <a:r>
+              <a:rPr lang="en-US" altLang="ja-JP" sz="2800" dirty="0">
+                <a:solidFill>
+                  <a:srgbClr val="569CD6"/>
+                </a:solidFill>
+                <a:latin typeface="Consolas" panose="020B0609020204030204" pitchFamily="49" charset="0"/>
+              </a:rPr>
+              <a:t>global</a:t>
+            </a:r>
+            <a:r>
+              <a:rPr lang="en-US" altLang="ja-JP" sz="2800" dirty="0">
+                <a:solidFill>
+                  <a:srgbClr val="D4D4D4"/>
+                </a:solidFill>
+                <a:latin typeface="Consolas" panose="020B0609020204030204" pitchFamily="49" charset="0"/>
+              </a:rPr>
+              <a:t> a</a:t>
+            </a:r>
+          </a:p>
+          <a:p>
+            <a:r>
+              <a:rPr lang="en-US" altLang="ja-JP" sz="2800" dirty="0">
+                <a:solidFill>
+                  <a:srgbClr val="D4D4D4"/>
+                </a:solidFill>
+                <a:latin typeface="Consolas" panose="020B0609020204030204" pitchFamily="49" charset="0"/>
+              </a:rPr>
+              <a:t>    a = </a:t>
+            </a:r>
+            <a:r>
+              <a:rPr lang="en-US" altLang="ja-JP" sz="2800" dirty="0" smtClean="0">
+                <a:solidFill>
+                  <a:srgbClr val="B5CEA8"/>
+                </a:solidFill>
+                <a:latin typeface="Consolas" panose="020B0609020204030204" pitchFamily="49" charset="0"/>
+              </a:rPr>
+              <a:t>20</a:t>
+            </a:r>
+            <a:endParaRPr lang="en-US" altLang="ja-JP" sz="2800" dirty="0">
+              <a:solidFill>
+                <a:srgbClr val="D4D4D4"/>
+              </a:solidFill>
+              <a:latin typeface="Consolas" panose="020B0609020204030204" pitchFamily="49" charset="0"/>
+            </a:endParaRPr>
+          </a:p>
+        </p:txBody>
+      </p:sp>
+      <p:sp>
+        <p:nvSpPr>
+          <p:cNvPr id="6" name="テキスト ボックス 5"/>
+          <p:cNvSpPr txBox="1"/>
+          <p:nvPr/>
+        </p:nvSpPr>
+        <p:spPr>
+          <a:xfrm>
+            <a:off x="3200260" y="1943825"/>
+            <a:ext cx="4624984" cy="830997"/>
+          </a:xfrm>
+          <a:prstGeom prst="rect">
+            <a:avLst/>
+          </a:prstGeom>
+          <a:noFill/>
+        </p:spPr>
+        <p:txBody>
+          <a:bodyPr wrap="none" rtlCol="0">
+            <a:spAutoFit/>
+          </a:bodyPr>
+          <a:lstStyle/>
+          <a:p>
+            <a:r>
+              <a:rPr lang="ja-JP" altLang="en-US" sz="2400" dirty="0" smtClean="0"/>
+              <a:t>ローカル変数が作られ</a:t>
+            </a:r>
+            <a:endParaRPr lang="en-US" altLang="ja-JP" sz="2400" dirty="0" smtClean="0"/>
+          </a:p>
+          <a:p>
+            <a:r>
+              <a:rPr lang="ja-JP" altLang="en-US" sz="2400" dirty="0" smtClean="0"/>
+              <a:t>グローバル変数</a:t>
+            </a:r>
+            <a:r>
+              <a:rPr lang="en-US" altLang="ja-JP" sz="2400" dirty="0" smtClean="0"/>
+              <a:t>a</a:t>
+            </a:r>
+            <a:r>
+              <a:rPr lang="ja-JP" altLang="en-US" sz="2400" dirty="0" smtClean="0"/>
+              <a:t>は変更されない</a:t>
+            </a:r>
+            <a:endParaRPr kumimoji="1" lang="ja-JP" altLang="en-US" sz="2400" dirty="0"/>
+          </a:p>
+        </p:txBody>
+      </p:sp>
+      <p:sp>
+        <p:nvSpPr>
+          <p:cNvPr id="7" name="テキスト ボックス 6"/>
+          <p:cNvSpPr txBox="1"/>
+          <p:nvPr/>
+        </p:nvSpPr>
+        <p:spPr>
+          <a:xfrm>
+            <a:off x="3419872" y="4940593"/>
+            <a:ext cx="4185761" cy="461665"/>
+          </a:xfrm>
+          <a:prstGeom prst="rect">
+            <a:avLst/>
+          </a:prstGeom>
+          <a:noFill/>
+        </p:spPr>
+        <p:txBody>
+          <a:bodyPr wrap="none" rtlCol="0">
+            <a:spAutoFit/>
+          </a:bodyPr>
+          <a:lstStyle/>
+          <a:p>
+            <a:r>
+              <a:rPr kumimoji="1" lang="ja-JP" altLang="en-US" sz="2400" dirty="0" smtClean="0"/>
+              <a:t>グローバル変数の値が変わる</a:t>
+            </a:r>
+            <a:endParaRPr kumimoji="1" lang="ja-JP" altLang="en-US" sz="2400" dirty="0"/>
+          </a:p>
+        </p:txBody>
+      </p:sp>
+      <p:sp>
+        <p:nvSpPr>
+          <p:cNvPr id="8" name="テキスト ボックス 7"/>
+          <p:cNvSpPr txBox="1"/>
+          <p:nvPr/>
+        </p:nvSpPr>
+        <p:spPr>
+          <a:xfrm>
+            <a:off x="3419872" y="4566032"/>
+            <a:ext cx="4009431" cy="461665"/>
+          </a:xfrm>
+          <a:prstGeom prst="rect">
+            <a:avLst/>
+          </a:prstGeom>
+          <a:noFill/>
+        </p:spPr>
+        <p:txBody>
+          <a:bodyPr wrap="none" rtlCol="0">
+            <a:spAutoFit/>
+          </a:bodyPr>
+          <a:lstStyle/>
+          <a:p>
+            <a:r>
+              <a:rPr kumimoji="1" lang="ja-JP" altLang="en-US" sz="2400" dirty="0" smtClean="0"/>
+              <a:t>グローバル変数</a:t>
+            </a:r>
+            <a:r>
+              <a:rPr kumimoji="1" lang="en-US" altLang="ja-JP" sz="2400" dirty="0" smtClean="0"/>
+              <a:t>a</a:t>
+            </a:r>
+            <a:r>
+              <a:rPr kumimoji="1" lang="ja-JP" altLang="en-US" sz="2400" dirty="0" smtClean="0"/>
+              <a:t>を使う宣言</a:t>
+            </a:r>
+            <a:endParaRPr kumimoji="1" lang="ja-JP" altLang="en-US" sz="2400" dirty="0"/>
+          </a:p>
+        </p:txBody>
+      </p:sp>
+      <p:cxnSp>
+        <p:nvCxnSpPr>
+          <p:cNvPr id="10" name="直線矢印コネクタ 9"/>
+          <p:cNvCxnSpPr/>
+          <p:nvPr/>
+        </p:nvCxnSpPr>
+        <p:spPr>
+          <a:xfrm flipH="1">
+            <a:off x="2987824" y="4782056"/>
+            <a:ext cx="504056" cy="0"/>
+          </a:xfrm>
+          <a:prstGeom prst="straightConnector1">
+            <a:avLst/>
+          </a:prstGeom>
+          <a:ln>
+            <a:solidFill>
+              <a:schemeClr val="tx1"/>
+            </a:solidFill>
+            <a:headEnd type="none" w="med" len="med"/>
+            <a:tailEnd type="triangle"/>
+          </a:ln>
+        </p:spPr>
+        <p:style>
+          <a:lnRef idx="1">
+            <a:schemeClr val="accent1"/>
+          </a:lnRef>
+          <a:fillRef idx="0">
+            <a:schemeClr val="accent1"/>
+          </a:fillRef>
+          <a:effectRef idx="0">
+            <a:schemeClr val="accent1"/>
+          </a:effectRef>
+          <a:fontRef idx="minor">
+            <a:schemeClr val="tx1"/>
+          </a:fontRef>
+        </p:style>
+      </p:cxnSp>
+      <p:cxnSp>
+        <p:nvCxnSpPr>
+          <p:cNvPr id="14" name="直線矢印コネクタ 13"/>
+          <p:cNvCxnSpPr/>
+          <p:nvPr/>
+        </p:nvCxnSpPr>
+        <p:spPr>
+          <a:xfrm flipH="1">
+            <a:off x="2987824" y="5214104"/>
+            <a:ext cx="504056" cy="0"/>
+          </a:xfrm>
+          <a:prstGeom prst="straightConnector1">
+            <a:avLst/>
+          </a:prstGeom>
+          <a:ln>
+            <a:solidFill>
+              <a:schemeClr val="tx1"/>
+            </a:solidFill>
+            <a:headEnd type="none" w="med" len="med"/>
+            <a:tailEnd type="triangle"/>
+          </a:ln>
+        </p:spPr>
+        <p:style>
+          <a:lnRef idx="1">
+            <a:schemeClr val="accent1"/>
+          </a:lnRef>
+          <a:fillRef idx="0">
+            <a:schemeClr val="accent1"/>
+          </a:fillRef>
+          <a:effectRef idx="0">
+            <a:schemeClr val="accent1"/>
+          </a:effectRef>
+          <a:fontRef idx="minor">
+            <a:schemeClr val="tx1"/>
+          </a:fontRef>
+        </p:style>
+      </p:cxnSp>
+      <p:sp>
+        <p:nvSpPr>
+          <p:cNvPr id="15" name="テキスト ボックス 14"/>
+          <p:cNvSpPr txBox="1"/>
+          <p:nvPr/>
+        </p:nvSpPr>
+        <p:spPr>
+          <a:xfrm>
+            <a:off x="827584" y="5805264"/>
+            <a:ext cx="6288901" cy="954107"/>
+          </a:xfrm>
+          <a:prstGeom prst="rect">
+            <a:avLst/>
+          </a:prstGeom>
+          <a:noFill/>
+        </p:spPr>
+        <p:txBody>
+          <a:bodyPr wrap="none" rtlCol="0">
+            <a:spAutoFit/>
+          </a:bodyPr>
+          <a:lstStyle/>
+          <a:p>
+            <a:r>
+              <a:rPr lang="ja-JP" altLang="en-US" sz="2800" dirty="0" smtClean="0"/>
+              <a:t>グローバル変数をローカルスコープで</a:t>
+            </a:r>
+            <a:endParaRPr lang="en-US" altLang="ja-JP" sz="2800" dirty="0" smtClean="0"/>
+          </a:p>
+          <a:p>
+            <a:r>
+              <a:rPr lang="ja-JP" altLang="en-US" sz="2800" dirty="0" smtClean="0"/>
+              <a:t>修正するのはバグの元なのでやらない</a:t>
+            </a:r>
+            <a:endParaRPr lang="en-US" altLang="ja-JP" sz="2800" dirty="0" smtClean="0"/>
+          </a:p>
+        </p:txBody>
+      </p:sp>
+    </p:spTree>
+    <p:extLst>
+      <p:ext uri="{BB962C8B-B14F-4D97-AF65-F5344CB8AC3E}">
+        <p14:creationId xmlns:p14="http://schemas.microsoft.com/office/powerpoint/2010/main" val="4136143151"/>
+      </p:ext>
+    </p:extLst>
+  </p:cSld>
+  <p:clrMapOvr>
+    <a:masterClrMapping/>
+  </p:clrMapOvr>
+</p:sld>
+</file>
+
+<file path=ppt/slides/slide22.xml><?xml version="1.0" encoding="utf-8"?>
+<p:sld xmlns:a="http://schemas.openxmlformats.org/drawingml/2006/main" xmlns:r="http://schemas.openxmlformats.org/officeDocument/2006/relationships" xmlns:p="http://schemas.openxmlformats.org/presentationml/2006/main">
+  <p:cSld>
+    <p:spTree>
+      <p:nvGrpSpPr>
+        <p:cNvPr id="1" name=""/>
+        <p:cNvGrpSpPr/>
+        <p:nvPr/>
+      </p:nvGrpSpPr>
+      <p:grpSpPr>
+        <a:xfrm>
+          <a:off x="0" y="0"/>
+          <a:ext cx="0" cy="0"/>
+          <a:chOff x="0" y="0"/>
+          <a:chExt cx="0" cy="0"/>
+        </a:xfrm>
+      </p:grpSpPr>
+      <p:sp>
+        <p:nvSpPr>
+          <p:cNvPr id="2" name="テキスト プレースホルダー 1"/>
+          <p:cNvSpPr>
+            <a:spLocks noGrp="1"/>
+          </p:cNvSpPr>
+          <p:nvPr>
+            <p:ph type="body" sz="quarter" idx="10"/>
+          </p:nvPr>
+        </p:nvSpPr>
+        <p:spPr/>
+        <p:txBody>
+          <a:bodyPr/>
+          <a:lstStyle/>
+          <a:p>
+            <a:r>
+              <a:rPr lang="ja-JP" altLang="en-US" dirty="0" smtClean="0"/>
+              <a:t>言語間の違い</a:t>
+            </a:r>
+            <a:endParaRPr kumimoji="1" lang="ja-JP" altLang="en-US" dirty="0"/>
+          </a:p>
+        </p:txBody>
+      </p:sp>
+      <p:sp>
+        <p:nvSpPr>
+          <p:cNvPr id="3" name="正方形/長方形 2"/>
+          <p:cNvSpPr/>
+          <p:nvPr/>
+        </p:nvSpPr>
+        <p:spPr>
+          <a:xfrm>
+            <a:off x="395536" y="2492896"/>
+            <a:ext cx="2880320" cy="2246769"/>
+          </a:xfrm>
+          <a:prstGeom prst="rect">
+            <a:avLst/>
+          </a:prstGeom>
+          <a:solidFill>
+            <a:schemeClr val="tx1"/>
+          </a:solidFill>
+        </p:spPr>
+        <p:txBody>
+          <a:bodyPr wrap="square">
+            <a:spAutoFit/>
+          </a:bodyPr>
+          <a:lstStyle/>
+          <a:p>
+            <a:r>
+              <a:rPr lang="en-US" altLang="ja-JP" sz="2000" dirty="0">
+                <a:solidFill>
+                  <a:srgbClr val="C586C0"/>
+                </a:solidFill>
+                <a:latin typeface="Consolas" panose="020B0609020204030204" pitchFamily="49" charset="0"/>
+              </a:rPr>
+              <a:t>if</a:t>
+            </a:r>
+            <a:r>
+              <a:rPr lang="en-US" altLang="ja-JP" sz="2000" dirty="0">
+                <a:solidFill>
+                  <a:srgbClr val="D4D4D4"/>
+                </a:solidFill>
+                <a:latin typeface="Consolas" panose="020B0609020204030204" pitchFamily="49" charset="0"/>
+              </a:rPr>
+              <a:t> (</a:t>
+            </a:r>
+            <a:r>
+              <a:rPr lang="en-US" altLang="ja-JP" sz="2000" dirty="0">
+                <a:solidFill>
+                  <a:srgbClr val="569CD6"/>
+                </a:solidFill>
+                <a:latin typeface="Consolas" panose="020B0609020204030204" pitchFamily="49" charset="0"/>
+              </a:rPr>
+              <a:t>true</a:t>
+            </a:r>
+            <a:r>
+              <a:rPr lang="en-US" altLang="ja-JP" sz="2000" dirty="0">
+                <a:solidFill>
+                  <a:srgbClr val="D4D4D4"/>
+                </a:solidFill>
+                <a:latin typeface="Consolas" panose="020B0609020204030204" pitchFamily="49" charset="0"/>
+              </a:rPr>
+              <a:t>){</a:t>
+            </a:r>
+          </a:p>
+          <a:p>
+            <a:r>
+              <a:rPr lang="en-US" altLang="ja-JP" sz="2000" dirty="0">
+                <a:solidFill>
+                  <a:srgbClr val="D4D4D4"/>
+                </a:solidFill>
+                <a:latin typeface="Consolas" panose="020B0609020204030204" pitchFamily="49" charset="0"/>
+              </a:rPr>
+              <a:t>  </a:t>
+            </a:r>
+            <a:r>
+              <a:rPr lang="en-US" altLang="ja-JP" sz="2000" dirty="0" err="1">
+                <a:solidFill>
+                  <a:srgbClr val="569CD6"/>
+                </a:solidFill>
+                <a:latin typeface="Consolas" panose="020B0609020204030204" pitchFamily="49" charset="0"/>
+              </a:rPr>
+              <a:t>int</a:t>
+            </a:r>
+            <a:r>
+              <a:rPr lang="en-US" altLang="ja-JP" sz="2000" dirty="0">
+                <a:solidFill>
+                  <a:srgbClr val="D4D4D4"/>
+                </a:solidFill>
+                <a:latin typeface="Consolas" panose="020B0609020204030204" pitchFamily="49" charset="0"/>
+              </a:rPr>
+              <a:t> a = </a:t>
+            </a:r>
+            <a:r>
+              <a:rPr lang="en-US" altLang="ja-JP" sz="2000" dirty="0">
+                <a:solidFill>
+                  <a:srgbClr val="B5CEA8"/>
+                </a:solidFill>
+                <a:latin typeface="Consolas" panose="020B0609020204030204" pitchFamily="49" charset="0"/>
+              </a:rPr>
+              <a:t>10</a:t>
+            </a:r>
+            <a:r>
+              <a:rPr lang="en-US" altLang="ja-JP" sz="2000" dirty="0">
+                <a:solidFill>
+                  <a:srgbClr val="D4D4D4"/>
+                </a:solidFill>
+                <a:latin typeface="Consolas" panose="020B0609020204030204" pitchFamily="49" charset="0"/>
+              </a:rPr>
+              <a:t>;</a:t>
+            </a:r>
+          </a:p>
+          <a:p>
+            <a:r>
+              <a:rPr lang="en-US" altLang="ja-JP" sz="2000" dirty="0">
+                <a:solidFill>
+                  <a:srgbClr val="D4D4D4"/>
+                </a:solidFill>
+                <a:latin typeface="Consolas" panose="020B0609020204030204" pitchFamily="49" charset="0"/>
+              </a:rPr>
+              <a:t>}</a:t>
+            </a:r>
+          </a:p>
+          <a:p>
+            <a:r>
+              <a:rPr lang="en-US" altLang="ja-JP" sz="2000" dirty="0">
+                <a:solidFill>
+                  <a:srgbClr val="D4D4D4"/>
+                </a:solidFill>
+                <a:latin typeface="Consolas" panose="020B0609020204030204" pitchFamily="49" charset="0"/>
+              </a:rPr>
+              <a:t/>
+            </a:r>
+            <a:br>
+              <a:rPr lang="en-US" altLang="ja-JP" sz="2000" dirty="0">
+                <a:solidFill>
+                  <a:srgbClr val="D4D4D4"/>
+                </a:solidFill>
+                <a:latin typeface="Consolas" panose="020B0609020204030204" pitchFamily="49" charset="0"/>
+              </a:rPr>
+            </a:br>
+            <a:r>
+              <a:rPr lang="en-US" altLang="ja-JP" sz="2000" dirty="0">
+                <a:solidFill>
+                  <a:srgbClr val="C586C0"/>
+                </a:solidFill>
+                <a:latin typeface="Consolas" panose="020B0609020204030204" pitchFamily="49" charset="0"/>
+              </a:rPr>
+              <a:t>if</a:t>
+            </a:r>
+            <a:r>
+              <a:rPr lang="en-US" altLang="ja-JP" sz="2000" dirty="0">
+                <a:solidFill>
+                  <a:srgbClr val="D4D4D4"/>
+                </a:solidFill>
+                <a:latin typeface="Consolas" panose="020B0609020204030204" pitchFamily="49" charset="0"/>
+              </a:rPr>
+              <a:t> (</a:t>
+            </a:r>
+            <a:r>
+              <a:rPr lang="en-US" altLang="ja-JP" sz="2000" dirty="0">
+                <a:solidFill>
+                  <a:srgbClr val="569CD6"/>
+                </a:solidFill>
+                <a:latin typeface="Consolas" panose="020B0609020204030204" pitchFamily="49" charset="0"/>
+              </a:rPr>
+              <a:t>true</a:t>
+            </a:r>
+            <a:r>
+              <a:rPr lang="en-US" altLang="ja-JP" sz="2000" dirty="0">
+                <a:solidFill>
+                  <a:srgbClr val="D4D4D4"/>
+                </a:solidFill>
+                <a:latin typeface="Consolas" panose="020B0609020204030204" pitchFamily="49" charset="0"/>
+              </a:rPr>
+              <a:t>){</a:t>
+            </a:r>
+          </a:p>
+          <a:p>
+            <a:r>
+              <a:rPr lang="en-US" altLang="ja-JP" sz="2000" dirty="0">
+                <a:solidFill>
+                  <a:srgbClr val="D4D4D4"/>
+                </a:solidFill>
+                <a:latin typeface="Consolas" panose="020B0609020204030204" pitchFamily="49" charset="0"/>
+              </a:rPr>
+              <a:t>  </a:t>
+            </a:r>
+            <a:r>
+              <a:rPr lang="en-US" altLang="ja-JP" sz="2000" dirty="0" err="1">
+                <a:solidFill>
+                  <a:srgbClr val="DCDCAA"/>
+                </a:solidFill>
+                <a:latin typeface="Consolas" panose="020B0609020204030204" pitchFamily="49" charset="0"/>
+              </a:rPr>
+              <a:t>printf</a:t>
+            </a:r>
+            <a:r>
+              <a:rPr lang="en-US" altLang="ja-JP" sz="2000" dirty="0">
+                <a:solidFill>
+                  <a:srgbClr val="D4D4D4"/>
+                </a:solidFill>
+                <a:latin typeface="Consolas" panose="020B0609020204030204" pitchFamily="49" charset="0"/>
+              </a:rPr>
+              <a:t>(</a:t>
+            </a:r>
+            <a:r>
+              <a:rPr lang="en-US" altLang="ja-JP" sz="2000" dirty="0">
+                <a:solidFill>
+                  <a:srgbClr val="CE9178"/>
+                </a:solidFill>
+                <a:latin typeface="Consolas" panose="020B0609020204030204" pitchFamily="49" charset="0"/>
+              </a:rPr>
+              <a:t>"%d</a:t>
+            </a:r>
+            <a:r>
+              <a:rPr lang="en-US" altLang="ja-JP" sz="2000" dirty="0">
+                <a:solidFill>
+                  <a:srgbClr val="D7BA7D"/>
+                </a:solidFill>
+                <a:latin typeface="Consolas" panose="020B0609020204030204" pitchFamily="49" charset="0"/>
+              </a:rPr>
+              <a:t>\</a:t>
+            </a:r>
+            <a:r>
+              <a:rPr lang="en-US" altLang="ja-JP" sz="2000" dirty="0" err="1">
+                <a:solidFill>
+                  <a:srgbClr val="D7BA7D"/>
+                </a:solidFill>
+                <a:latin typeface="Consolas" panose="020B0609020204030204" pitchFamily="49" charset="0"/>
+              </a:rPr>
+              <a:t>n</a:t>
+            </a:r>
+            <a:r>
+              <a:rPr lang="en-US" altLang="ja-JP" sz="2000" dirty="0" err="1">
+                <a:solidFill>
+                  <a:srgbClr val="CE9178"/>
+                </a:solidFill>
+                <a:latin typeface="Consolas" panose="020B0609020204030204" pitchFamily="49" charset="0"/>
+              </a:rPr>
+              <a:t>"</a:t>
+            </a:r>
+            <a:r>
+              <a:rPr lang="en-US" altLang="ja-JP" sz="2000" dirty="0" err="1">
+                <a:solidFill>
+                  <a:srgbClr val="D4D4D4"/>
+                </a:solidFill>
+                <a:latin typeface="Consolas" panose="020B0609020204030204" pitchFamily="49" charset="0"/>
+              </a:rPr>
+              <a:t>,a</a:t>
+            </a:r>
+            <a:r>
+              <a:rPr lang="en-US" altLang="ja-JP" sz="2000" dirty="0">
+                <a:solidFill>
+                  <a:srgbClr val="D4D4D4"/>
+                </a:solidFill>
+                <a:latin typeface="Consolas" panose="020B0609020204030204" pitchFamily="49" charset="0"/>
+              </a:rPr>
+              <a:t>);</a:t>
+            </a:r>
+          </a:p>
+          <a:p>
+            <a:r>
+              <a:rPr lang="en-US" altLang="ja-JP" sz="2000" dirty="0" smtClean="0">
+                <a:solidFill>
+                  <a:srgbClr val="D4D4D4"/>
+                </a:solidFill>
+                <a:latin typeface="Consolas" panose="020B0609020204030204" pitchFamily="49" charset="0"/>
+              </a:rPr>
+              <a:t>}</a:t>
+            </a:r>
+            <a:endParaRPr lang="en-US" altLang="ja-JP" sz="2000" dirty="0">
+              <a:solidFill>
+                <a:srgbClr val="D4D4D4"/>
+              </a:solidFill>
+              <a:latin typeface="Consolas" panose="020B0609020204030204" pitchFamily="49" charset="0"/>
+            </a:endParaRPr>
+          </a:p>
+        </p:txBody>
+      </p:sp>
+      <p:sp>
+        <p:nvSpPr>
+          <p:cNvPr id="5" name="正方形/長方形 4"/>
+          <p:cNvSpPr/>
+          <p:nvPr/>
+        </p:nvSpPr>
+        <p:spPr>
+          <a:xfrm>
+            <a:off x="5286431" y="2494213"/>
+            <a:ext cx="2592288" cy="2246769"/>
+          </a:xfrm>
+          <a:prstGeom prst="rect">
+            <a:avLst/>
+          </a:prstGeom>
+          <a:solidFill>
+            <a:schemeClr val="tx1"/>
+          </a:solidFill>
+        </p:spPr>
+        <p:txBody>
+          <a:bodyPr wrap="square">
+            <a:spAutoFit/>
+          </a:bodyPr>
+          <a:lstStyle/>
+          <a:p>
+            <a:r>
+              <a:rPr lang="en-US" altLang="ja-JP" sz="2800" dirty="0">
+                <a:solidFill>
+                  <a:srgbClr val="C586C0"/>
+                </a:solidFill>
+                <a:latin typeface="Consolas" panose="020B0609020204030204" pitchFamily="49" charset="0"/>
+              </a:rPr>
+              <a:t>if</a:t>
+            </a:r>
+            <a:r>
+              <a:rPr lang="en-US" altLang="ja-JP" sz="2800" dirty="0">
+                <a:solidFill>
+                  <a:srgbClr val="D4D4D4"/>
+                </a:solidFill>
+                <a:latin typeface="Consolas" panose="020B0609020204030204" pitchFamily="49" charset="0"/>
+              </a:rPr>
+              <a:t> </a:t>
+            </a:r>
+            <a:r>
+              <a:rPr lang="en-US" altLang="ja-JP" sz="2800" dirty="0">
+                <a:solidFill>
+                  <a:srgbClr val="569CD6"/>
+                </a:solidFill>
+                <a:latin typeface="Consolas" panose="020B0609020204030204" pitchFamily="49" charset="0"/>
+              </a:rPr>
+              <a:t>True</a:t>
+            </a:r>
+            <a:r>
+              <a:rPr lang="en-US" altLang="ja-JP" sz="2800" dirty="0">
+                <a:solidFill>
+                  <a:srgbClr val="D4D4D4"/>
+                </a:solidFill>
+                <a:latin typeface="Consolas" panose="020B0609020204030204" pitchFamily="49" charset="0"/>
+              </a:rPr>
+              <a:t>:</a:t>
+            </a:r>
+          </a:p>
+          <a:p>
+            <a:r>
+              <a:rPr lang="en-US" altLang="ja-JP" sz="2800" dirty="0">
+                <a:solidFill>
+                  <a:srgbClr val="D4D4D4"/>
+                </a:solidFill>
+                <a:latin typeface="Consolas" panose="020B0609020204030204" pitchFamily="49" charset="0"/>
+              </a:rPr>
+              <a:t>    a = </a:t>
+            </a:r>
+            <a:r>
+              <a:rPr lang="en-US" altLang="ja-JP" sz="2800" dirty="0">
+                <a:solidFill>
+                  <a:srgbClr val="B5CEA8"/>
+                </a:solidFill>
+                <a:latin typeface="Consolas" panose="020B0609020204030204" pitchFamily="49" charset="0"/>
+              </a:rPr>
+              <a:t>10</a:t>
+            </a:r>
+            <a:endParaRPr lang="en-US" altLang="ja-JP" sz="2800" dirty="0">
+              <a:solidFill>
+                <a:srgbClr val="D4D4D4"/>
+              </a:solidFill>
+              <a:latin typeface="Consolas" panose="020B0609020204030204" pitchFamily="49" charset="0"/>
+            </a:endParaRPr>
+          </a:p>
+          <a:p>
+            <a:r>
+              <a:rPr lang="en-US" altLang="ja-JP" sz="2800" dirty="0">
+                <a:solidFill>
+                  <a:srgbClr val="D4D4D4"/>
+                </a:solidFill>
+                <a:latin typeface="Consolas" panose="020B0609020204030204" pitchFamily="49" charset="0"/>
+              </a:rPr>
+              <a:t/>
+            </a:r>
+            <a:br>
+              <a:rPr lang="en-US" altLang="ja-JP" sz="2800" dirty="0">
+                <a:solidFill>
+                  <a:srgbClr val="D4D4D4"/>
+                </a:solidFill>
+                <a:latin typeface="Consolas" panose="020B0609020204030204" pitchFamily="49" charset="0"/>
+              </a:rPr>
+            </a:br>
+            <a:r>
+              <a:rPr lang="en-US" altLang="ja-JP" sz="2800" dirty="0">
+                <a:solidFill>
+                  <a:srgbClr val="C586C0"/>
+                </a:solidFill>
+                <a:latin typeface="Consolas" panose="020B0609020204030204" pitchFamily="49" charset="0"/>
+              </a:rPr>
+              <a:t>if</a:t>
+            </a:r>
+            <a:r>
+              <a:rPr lang="en-US" altLang="ja-JP" sz="2800" dirty="0">
+                <a:solidFill>
+                  <a:srgbClr val="D4D4D4"/>
+                </a:solidFill>
+                <a:latin typeface="Consolas" panose="020B0609020204030204" pitchFamily="49" charset="0"/>
+              </a:rPr>
+              <a:t> </a:t>
+            </a:r>
+            <a:r>
+              <a:rPr lang="en-US" altLang="ja-JP" sz="2800" dirty="0">
+                <a:solidFill>
+                  <a:srgbClr val="569CD6"/>
+                </a:solidFill>
+                <a:latin typeface="Consolas" panose="020B0609020204030204" pitchFamily="49" charset="0"/>
+              </a:rPr>
+              <a:t>True</a:t>
+            </a:r>
+            <a:r>
+              <a:rPr lang="en-US" altLang="ja-JP" sz="2800" dirty="0">
+                <a:solidFill>
+                  <a:srgbClr val="D4D4D4"/>
+                </a:solidFill>
+                <a:latin typeface="Consolas" panose="020B0609020204030204" pitchFamily="49" charset="0"/>
+              </a:rPr>
+              <a:t>:</a:t>
+            </a:r>
+          </a:p>
+          <a:p>
+            <a:r>
+              <a:rPr lang="en-US" altLang="ja-JP" sz="2800" dirty="0">
+                <a:solidFill>
+                  <a:srgbClr val="D4D4D4"/>
+                </a:solidFill>
+                <a:latin typeface="Consolas" panose="020B0609020204030204" pitchFamily="49" charset="0"/>
+              </a:rPr>
+              <a:t>    </a:t>
+            </a:r>
+            <a:r>
+              <a:rPr lang="en-US" altLang="ja-JP" sz="2800" dirty="0">
+                <a:solidFill>
+                  <a:srgbClr val="DCDCAA"/>
+                </a:solidFill>
+                <a:latin typeface="Consolas" panose="020B0609020204030204" pitchFamily="49" charset="0"/>
+              </a:rPr>
+              <a:t>print</a:t>
+            </a:r>
+            <a:r>
+              <a:rPr lang="en-US" altLang="ja-JP" sz="2800" dirty="0">
+                <a:solidFill>
+                  <a:srgbClr val="D4D4D4"/>
+                </a:solidFill>
+                <a:latin typeface="Consolas" panose="020B0609020204030204" pitchFamily="49" charset="0"/>
+              </a:rPr>
+              <a:t>(a</a:t>
+            </a:r>
+            <a:r>
+              <a:rPr lang="en-US" altLang="ja-JP" sz="2800" dirty="0" smtClean="0">
+                <a:solidFill>
+                  <a:srgbClr val="D4D4D4"/>
+                </a:solidFill>
+                <a:latin typeface="Consolas" panose="020B0609020204030204" pitchFamily="49" charset="0"/>
+              </a:rPr>
+              <a:t>)</a:t>
+            </a:r>
+            <a:endParaRPr lang="en-US" altLang="ja-JP" sz="2800" dirty="0">
+              <a:solidFill>
+                <a:srgbClr val="D4D4D4"/>
+              </a:solidFill>
+              <a:latin typeface="Consolas" panose="020B0609020204030204" pitchFamily="49" charset="0"/>
+            </a:endParaRPr>
+          </a:p>
+        </p:txBody>
+      </p:sp>
+      <p:sp>
+        <p:nvSpPr>
+          <p:cNvPr id="6" name="テキスト ボックス 5"/>
+          <p:cNvSpPr txBox="1"/>
+          <p:nvPr/>
+        </p:nvSpPr>
+        <p:spPr>
+          <a:xfrm>
+            <a:off x="1547664" y="985711"/>
+            <a:ext cx="5711820" cy="584775"/>
+          </a:xfrm>
+          <a:prstGeom prst="rect">
+            <a:avLst/>
+          </a:prstGeom>
+          <a:noFill/>
+        </p:spPr>
+        <p:txBody>
+          <a:bodyPr wrap="none" rtlCol="0">
+            <a:spAutoFit/>
+          </a:bodyPr>
+          <a:lstStyle/>
+          <a:p>
+            <a:r>
+              <a:rPr kumimoji="1" lang="en-US" altLang="ja-JP" sz="3200" dirty="0" smtClean="0"/>
+              <a:t>if</a:t>
+            </a:r>
+            <a:r>
+              <a:rPr lang="ja-JP" altLang="en-US" sz="3200" dirty="0" smtClean="0"/>
+              <a:t>ブロックがスコープを作るか</a:t>
+            </a:r>
+            <a:endParaRPr kumimoji="1" lang="ja-JP" altLang="en-US" sz="3200" dirty="0"/>
+          </a:p>
+        </p:txBody>
+      </p:sp>
+      <p:sp>
+        <p:nvSpPr>
+          <p:cNvPr id="7" name="テキスト ボックス 6"/>
+          <p:cNvSpPr txBox="1"/>
+          <p:nvPr/>
+        </p:nvSpPr>
+        <p:spPr>
+          <a:xfrm>
+            <a:off x="683568" y="1772816"/>
+            <a:ext cx="2234907" cy="523220"/>
+          </a:xfrm>
+          <a:prstGeom prst="rect">
+            <a:avLst/>
+          </a:prstGeom>
+          <a:noFill/>
+        </p:spPr>
+        <p:txBody>
+          <a:bodyPr wrap="none" rtlCol="0">
+            <a:spAutoFit/>
+          </a:bodyPr>
+          <a:lstStyle/>
+          <a:p>
+            <a:r>
+              <a:rPr kumimoji="1" lang="en-US" altLang="ja-JP" sz="2800" dirty="0" smtClean="0"/>
+              <a:t>C</a:t>
+            </a:r>
+            <a:r>
+              <a:rPr kumimoji="1" lang="ja-JP" altLang="en-US" sz="2800" dirty="0" smtClean="0"/>
+              <a:t>言語は作る</a:t>
+            </a:r>
+            <a:endParaRPr kumimoji="1" lang="ja-JP" altLang="en-US" sz="2800" dirty="0"/>
+          </a:p>
+        </p:txBody>
+      </p:sp>
+      <p:sp>
+        <p:nvSpPr>
+          <p:cNvPr id="8" name="テキスト ボックス 7"/>
+          <p:cNvSpPr txBox="1"/>
+          <p:nvPr/>
+        </p:nvSpPr>
+        <p:spPr>
+          <a:xfrm>
+            <a:off x="5257475" y="1772816"/>
+            <a:ext cx="2997937" cy="523220"/>
+          </a:xfrm>
+          <a:prstGeom prst="rect">
+            <a:avLst/>
+          </a:prstGeom>
+          <a:noFill/>
+        </p:spPr>
+        <p:txBody>
+          <a:bodyPr wrap="none" rtlCol="0">
+            <a:spAutoFit/>
+          </a:bodyPr>
+          <a:lstStyle/>
+          <a:p>
+            <a:r>
+              <a:rPr lang="en-US" altLang="ja-JP" sz="2800" dirty="0" smtClean="0"/>
+              <a:t>Python</a:t>
+            </a:r>
+            <a:r>
+              <a:rPr kumimoji="1" lang="ja-JP" altLang="en-US" sz="2800" dirty="0" smtClean="0"/>
+              <a:t>は作らない</a:t>
+            </a:r>
+            <a:endParaRPr kumimoji="1" lang="ja-JP" altLang="en-US" sz="2800" dirty="0"/>
+          </a:p>
+        </p:txBody>
+      </p:sp>
+      <p:sp>
+        <p:nvSpPr>
+          <p:cNvPr id="10" name="テキスト ボックス 9"/>
+          <p:cNvSpPr txBox="1"/>
+          <p:nvPr/>
+        </p:nvSpPr>
+        <p:spPr>
+          <a:xfrm flipH="1">
+            <a:off x="1043608" y="5027888"/>
+            <a:ext cx="2330545" cy="523220"/>
+          </a:xfrm>
+          <a:prstGeom prst="rect">
+            <a:avLst/>
+          </a:prstGeom>
+          <a:noFill/>
+        </p:spPr>
+        <p:txBody>
+          <a:bodyPr wrap="square" rtlCol="0">
+            <a:spAutoFit/>
+          </a:bodyPr>
+          <a:lstStyle/>
+          <a:p>
+            <a:r>
+              <a:rPr kumimoji="1" lang="ja-JP" altLang="en-US" sz="2800" dirty="0" smtClean="0"/>
+              <a:t>エラーになる</a:t>
+            </a:r>
+            <a:endParaRPr kumimoji="1" lang="ja-JP" altLang="en-US" sz="2800" dirty="0"/>
+          </a:p>
+        </p:txBody>
+      </p:sp>
+      <p:pic>
+        <p:nvPicPr>
+          <p:cNvPr id="1026" name="Picture 2" descr="丸のマークのイラスト「○」"/>
+          <p:cNvPicPr>
+            <a:picLocks noChangeAspect="1" noChangeArrowheads="1"/>
+          </p:cNvPicPr>
+          <p:nvPr/>
+        </p:nvPicPr>
+        <p:blipFill>
+          <a:blip r:embed="rId2" cstate="print">
+            <a:extLst>
+              <a:ext uri="{28A0092B-C50C-407E-A947-70E740481C1C}">
+                <a14:useLocalDpi xmlns:a14="http://schemas.microsoft.com/office/drawing/2010/main" val="0"/>
+              </a:ext>
+            </a:extLst>
+          </a:blip>
+          <a:srcRect/>
+          <a:stretch>
+            <a:fillRect/>
+          </a:stretch>
+        </p:blipFill>
+        <p:spPr bwMode="auto">
+          <a:xfrm>
+            <a:off x="5148064" y="4929458"/>
+            <a:ext cx="720080" cy="720080"/>
+          </a:xfrm>
+          <a:prstGeom prst="rect">
+            <a:avLst/>
+          </a:prstGeom>
+          <a:noFill/>
+          <a:extLst>
+            <a:ext uri="{909E8E84-426E-40DD-AFC4-6F175D3DCCD1}">
+              <a14:hiddenFill xmlns:a14="http://schemas.microsoft.com/office/drawing/2010/main">
+                <a:solidFill>
+                  <a:srgbClr val="FFFFFF"/>
+                </a:solidFill>
+              </a14:hiddenFill>
+            </a:ext>
+          </a:extLst>
+        </p:spPr>
+      </p:pic>
+      <p:pic>
+        <p:nvPicPr>
+          <p:cNvPr id="1028" name="Picture 4" descr="バツのマークのイラスト「×」"/>
+          <p:cNvPicPr>
+            <a:picLocks noChangeAspect="1" noChangeArrowheads="1"/>
+          </p:cNvPicPr>
+          <p:nvPr/>
+        </p:nvPicPr>
+        <p:blipFill>
+          <a:blip r:embed="rId3">
+            <a:extLst>
+              <a:ext uri="{28A0092B-C50C-407E-A947-70E740481C1C}">
+                <a14:useLocalDpi xmlns:a14="http://schemas.microsoft.com/office/drawing/2010/main" val="0"/>
+              </a:ext>
+            </a:extLst>
+          </a:blip>
+          <a:srcRect/>
+          <a:stretch>
+            <a:fillRect/>
+          </a:stretch>
+        </p:blipFill>
+        <p:spPr bwMode="auto">
+          <a:xfrm>
+            <a:off x="201834" y="4824112"/>
+            <a:ext cx="888033" cy="888033"/>
+          </a:xfrm>
+          <a:prstGeom prst="rect">
+            <a:avLst/>
+          </a:prstGeom>
+          <a:noFill/>
+          <a:extLst>
+            <a:ext uri="{909E8E84-426E-40DD-AFC4-6F175D3DCCD1}">
+              <a14:hiddenFill xmlns:a14="http://schemas.microsoft.com/office/drawing/2010/main">
+                <a:solidFill>
+                  <a:srgbClr val="FFFFFF"/>
+                </a:solidFill>
+              </a14:hiddenFill>
+            </a:ext>
+          </a:extLst>
+        </p:spPr>
+      </p:pic>
+      <p:sp>
+        <p:nvSpPr>
+          <p:cNvPr id="13" name="テキスト ボックス 12"/>
+          <p:cNvSpPr txBox="1"/>
+          <p:nvPr/>
+        </p:nvSpPr>
+        <p:spPr>
+          <a:xfrm flipH="1">
+            <a:off x="5924867" y="5006518"/>
+            <a:ext cx="2330545" cy="523220"/>
+          </a:xfrm>
+          <a:prstGeom prst="rect">
+            <a:avLst/>
+          </a:prstGeom>
+          <a:noFill/>
+        </p:spPr>
+        <p:txBody>
+          <a:bodyPr wrap="square" rtlCol="0">
+            <a:spAutoFit/>
+          </a:bodyPr>
+          <a:lstStyle/>
+          <a:p>
+            <a:r>
+              <a:rPr kumimoji="1" lang="ja-JP" altLang="en-US" sz="2800" dirty="0" smtClean="0"/>
+              <a:t>実行できる</a:t>
+            </a:r>
+            <a:endParaRPr kumimoji="1" lang="ja-JP" altLang="en-US" sz="2800" dirty="0"/>
+          </a:p>
+        </p:txBody>
+      </p:sp>
+      <p:sp>
+        <p:nvSpPr>
+          <p:cNvPr id="12" name="テキスト ボックス 11"/>
+          <p:cNvSpPr txBox="1"/>
+          <p:nvPr/>
+        </p:nvSpPr>
+        <p:spPr>
+          <a:xfrm>
+            <a:off x="323528" y="5949280"/>
+            <a:ext cx="8494633" cy="461665"/>
+          </a:xfrm>
+          <a:prstGeom prst="rect">
+            <a:avLst/>
+          </a:prstGeom>
+          <a:noFill/>
+        </p:spPr>
+        <p:txBody>
+          <a:bodyPr wrap="none" rtlCol="0">
+            <a:spAutoFit/>
+          </a:bodyPr>
+          <a:lstStyle/>
+          <a:p>
+            <a:r>
+              <a:rPr lang="ja-JP" altLang="en-US" sz="2400" dirty="0" smtClean="0"/>
+              <a:t>名前解決のポリシーはプログラム言語によって大きく異なる</a:t>
+            </a:r>
+            <a:endParaRPr kumimoji="1" lang="ja-JP" altLang="en-US" sz="2400" dirty="0"/>
+          </a:p>
+        </p:txBody>
+      </p:sp>
+    </p:spTree>
+    <p:extLst>
+      <p:ext uri="{BB962C8B-B14F-4D97-AF65-F5344CB8AC3E}">
+        <p14:creationId xmlns:p14="http://schemas.microsoft.com/office/powerpoint/2010/main" val="2236641867"/>
+      </p:ext>
+    </p:extLst>
+  </p:cSld>
+  <p:clrMapOvr>
+    <a:masterClrMapping/>
+  </p:clrMapOvr>
+</p:sld>
+</file>
+
+<file path=ppt/slides/slide23.xml><?xml version="1.0" encoding="utf-8"?>
+<p:sld xmlns:a="http://schemas.openxmlformats.org/drawingml/2006/main" xmlns:r="http://schemas.openxmlformats.org/officeDocument/2006/relationships" xmlns:p="http://schemas.openxmlformats.org/presentationml/2006/main">
+  <p:cSld>
+    <p:spTree>
+      <p:nvGrpSpPr>
+        <p:cNvPr id="1" name=""/>
+        <p:cNvGrpSpPr/>
+        <p:nvPr/>
+      </p:nvGrpSpPr>
+      <p:grpSpPr>
+        <a:xfrm>
+          <a:off x="0" y="0"/>
+          <a:ext cx="0" cy="0"/>
+          <a:chOff x="0" y="0"/>
+          <a:chExt cx="0" cy="0"/>
+        </a:xfrm>
+      </p:grpSpPr>
+      <p:sp>
+        <p:nvSpPr>
+          <p:cNvPr id="2" name="テキスト プレースホルダー 1"/>
+          <p:cNvSpPr>
+            <a:spLocks noGrp="1"/>
+          </p:cNvSpPr>
+          <p:nvPr>
+            <p:ph type="body" sz="quarter" idx="10"/>
+          </p:nvPr>
+        </p:nvSpPr>
+        <p:spPr/>
+        <p:txBody>
+          <a:bodyPr/>
+          <a:lstStyle/>
+          <a:p>
+            <a:r>
+              <a:rPr lang="ja-JP" altLang="en-US" dirty="0" smtClean="0"/>
+              <a:t>今日これだけは覚えて欲しい</a:t>
+            </a:r>
+            <a:endParaRPr kumimoji="1" lang="ja-JP" altLang="en-US" dirty="0"/>
+          </a:p>
+        </p:txBody>
+      </p:sp>
+      <p:sp>
+        <p:nvSpPr>
+          <p:cNvPr id="3" name="テキスト ボックス 2">
+            <a:extLst>
+              <a:ext uri="{FF2B5EF4-FFF2-40B4-BE49-F238E27FC236}">
+                <a16:creationId xmlns:a16="http://schemas.microsoft.com/office/drawing/2014/main" id="{9447B3D2-7445-4240-A68A-01077CFC1B4C}"/>
+              </a:ext>
+            </a:extLst>
+          </p:cNvPr>
+          <p:cNvSpPr txBox="1"/>
+          <p:nvPr/>
+        </p:nvSpPr>
+        <p:spPr>
+          <a:xfrm>
+            <a:off x="179513" y="1700808"/>
+            <a:ext cx="8424936" cy="3539430"/>
+          </a:xfrm>
+          <a:prstGeom prst="rect">
+            <a:avLst/>
+          </a:prstGeom>
+          <a:noFill/>
+        </p:spPr>
+        <p:txBody>
+          <a:bodyPr wrap="square" rtlCol="0">
+            <a:spAutoFit/>
+          </a:bodyPr>
+          <a:lstStyle/>
+          <a:p>
+            <a:r>
+              <a:rPr kumimoji="1" lang="ja-JP" altLang="en-US" sz="3200" dirty="0"/>
+              <a:t>・</a:t>
+            </a:r>
+            <a:r>
+              <a:rPr kumimoji="1" lang="ja-JP" altLang="en-US" sz="3200" dirty="0" smtClean="0"/>
+              <a:t>変数には</a:t>
+            </a:r>
+            <a:r>
+              <a:rPr kumimoji="1" lang="ja-JP" altLang="en-US" sz="3200" dirty="0" smtClean="0">
+                <a:solidFill>
+                  <a:srgbClr val="FF0000"/>
+                </a:solidFill>
+              </a:rPr>
+              <a:t>スコープ</a:t>
+            </a:r>
+            <a:r>
+              <a:rPr kumimoji="1" lang="ja-JP" altLang="en-US" sz="3200" dirty="0" smtClean="0"/>
+              <a:t>という有効範囲がある</a:t>
+            </a:r>
+            <a:endParaRPr kumimoji="1" lang="en-US" altLang="ja-JP" sz="3200" dirty="0" smtClean="0"/>
+          </a:p>
+          <a:p>
+            <a:r>
+              <a:rPr lang="ja-JP" altLang="en-US" sz="3200" dirty="0" smtClean="0"/>
+              <a:t>・狭いのが</a:t>
+            </a:r>
+            <a:r>
+              <a:rPr lang="ja-JP" altLang="en-US" sz="3200" dirty="0" smtClean="0">
+                <a:solidFill>
+                  <a:srgbClr val="011893"/>
+                </a:solidFill>
+              </a:rPr>
+              <a:t>ローカルスコープ</a:t>
+            </a:r>
+            <a:endParaRPr lang="en-US" altLang="ja-JP" sz="3200" dirty="0" smtClean="0">
+              <a:solidFill>
+                <a:srgbClr val="011893"/>
+              </a:solidFill>
+            </a:endParaRPr>
+          </a:p>
+          <a:p>
+            <a:r>
+              <a:rPr lang="ja-JP" altLang="en-US" sz="3200" dirty="0"/>
+              <a:t>　</a:t>
+            </a:r>
+            <a:r>
+              <a:rPr lang="ja-JP" altLang="en-US" sz="3200" dirty="0" smtClean="0"/>
+              <a:t>・</a:t>
+            </a:r>
+            <a:r>
+              <a:rPr lang="ja-JP" altLang="en-US" sz="3200" dirty="0" smtClean="0">
+                <a:solidFill>
+                  <a:srgbClr val="011893"/>
+                </a:solidFill>
+              </a:rPr>
+              <a:t>ローカル変数</a:t>
+            </a:r>
+            <a:r>
+              <a:rPr lang="ja-JP" altLang="en-US" sz="3200" dirty="0" smtClean="0"/>
+              <a:t>が住んでいる</a:t>
+            </a:r>
+            <a:endParaRPr lang="en-US" altLang="ja-JP" sz="3200" dirty="0" smtClean="0"/>
+          </a:p>
+          <a:p>
+            <a:r>
+              <a:rPr lang="ja-JP" altLang="en-US" sz="3200" dirty="0" smtClean="0"/>
+              <a:t>・広いのが</a:t>
+            </a:r>
+            <a:r>
+              <a:rPr lang="ja-JP" altLang="en-US" sz="3200" dirty="0" smtClean="0">
+                <a:solidFill>
+                  <a:schemeClr val="accent1">
+                    <a:lumMod val="75000"/>
+                  </a:schemeClr>
+                </a:solidFill>
+              </a:rPr>
+              <a:t>グローバルスコープ</a:t>
+            </a:r>
+            <a:endParaRPr lang="en-US" altLang="ja-JP" sz="3200" dirty="0" smtClean="0">
+              <a:solidFill>
+                <a:schemeClr val="accent1">
+                  <a:lumMod val="75000"/>
+                </a:schemeClr>
+              </a:solidFill>
+            </a:endParaRPr>
+          </a:p>
+          <a:p>
+            <a:r>
+              <a:rPr lang="ja-JP" altLang="en-US" sz="3200" dirty="0"/>
+              <a:t>　</a:t>
+            </a:r>
+            <a:r>
+              <a:rPr lang="ja-JP" altLang="en-US" sz="3200" dirty="0" smtClean="0"/>
+              <a:t>・</a:t>
+            </a:r>
+            <a:r>
+              <a:rPr lang="ja-JP" altLang="en-US" sz="3200" dirty="0" smtClean="0">
+                <a:solidFill>
+                  <a:schemeClr val="accent1">
+                    <a:lumMod val="75000"/>
+                  </a:schemeClr>
+                </a:solidFill>
+              </a:rPr>
+              <a:t>グローバル変数</a:t>
+            </a:r>
+            <a:r>
+              <a:rPr lang="ja-JP" altLang="en-US" sz="3200" dirty="0" smtClean="0"/>
+              <a:t>が住んでいる</a:t>
+            </a:r>
+            <a:endParaRPr lang="en-US" altLang="ja-JP" sz="3200" dirty="0" smtClean="0"/>
+          </a:p>
+          <a:p>
+            <a:r>
+              <a:rPr lang="ja-JP" altLang="en-US" sz="3200" dirty="0" smtClean="0"/>
+              <a:t>・スコープの</a:t>
+            </a:r>
+            <a:r>
+              <a:rPr lang="ja-JP" altLang="en-US" sz="3200" dirty="0" smtClean="0">
+                <a:solidFill>
+                  <a:schemeClr val="accent1">
+                    <a:lumMod val="75000"/>
+                  </a:schemeClr>
+                </a:solidFill>
+              </a:rPr>
+              <a:t>外側</a:t>
+            </a:r>
+            <a:r>
+              <a:rPr lang="ja-JP" altLang="en-US" sz="3200" dirty="0" smtClean="0"/>
+              <a:t>から</a:t>
+            </a:r>
+            <a:r>
+              <a:rPr lang="ja-JP" altLang="en-US" sz="3200" dirty="0" smtClean="0">
+                <a:solidFill>
+                  <a:srgbClr val="011893"/>
+                </a:solidFill>
+              </a:rPr>
+              <a:t>内側</a:t>
+            </a:r>
+            <a:r>
+              <a:rPr lang="ja-JP" altLang="en-US" sz="3200" dirty="0" smtClean="0"/>
+              <a:t>は見えない</a:t>
+            </a:r>
+            <a:endParaRPr lang="en-US" altLang="ja-JP" sz="3200" dirty="0" smtClean="0"/>
+          </a:p>
+          <a:p>
+            <a:r>
+              <a:rPr lang="ja-JP" altLang="en-US" sz="3200" dirty="0" smtClean="0"/>
+              <a:t>・スコープの</a:t>
+            </a:r>
+            <a:r>
+              <a:rPr lang="ja-JP" altLang="en-US" sz="3200" dirty="0" smtClean="0">
+                <a:solidFill>
+                  <a:srgbClr val="011893"/>
+                </a:solidFill>
+              </a:rPr>
+              <a:t>内側</a:t>
+            </a:r>
+            <a:r>
+              <a:rPr lang="ja-JP" altLang="en-US" sz="3200" dirty="0" smtClean="0"/>
+              <a:t>から</a:t>
+            </a:r>
+            <a:r>
+              <a:rPr lang="ja-JP" altLang="en-US" sz="3200" dirty="0" smtClean="0">
+                <a:solidFill>
+                  <a:schemeClr val="accent1">
+                    <a:lumMod val="75000"/>
+                  </a:schemeClr>
+                </a:solidFill>
+              </a:rPr>
+              <a:t>外側</a:t>
+            </a:r>
+            <a:r>
+              <a:rPr lang="ja-JP" altLang="en-US" sz="3200" dirty="0" smtClean="0"/>
+              <a:t>は見える</a:t>
+            </a:r>
+            <a:endParaRPr lang="en-US" altLang="ja-JP" sz="3200" dirty="0"/>
+          </a:p>
+        </p:txBody>
+      </p:sp>
+    </p:spTree>
+    <p:extLst>
+      <p:ext uri="{BB962C8B-B14F-4D97-AF65-F5344CB8AC3E}">
+        <p14:creationId xmlns:p14="http://schemas.microsoft.com/office/powerpoint/2010/main" val="3226460089"/>
+      </p:ext>
+    </p:extLst>
+  </p:cSld>
+  <p:clrMapOvr>
+    <a:masterClrMapping/>
+  </p:clrMapOvr>
+</p:sld>
+</file>
+
+<file path=ppt/slides/slide24.xml><?xml version="1.0" encoding="utf-8"?>
+<p:sld xmlns:a="http://schemas.openxmlformats.org/drawingml/2006/main" xmlns:r="http://schemas.openxmlformats.org/officeDocument/2006/relationships" xmlns:p="http://schemas.openxmlformats.org/presentationml/2006/main">
+  <p:cSld>
+    <p:spTree>
+      <p:nvGrpSpPr>
+        <p:cNvPr id="1" name=""/>
+        <p:cNvGrpSpPr/>
+        <p:nvPr/>
+      </p:nvGrpSpPr>
+      <p:grpSpPr>
+        <a:xfrm>
+          <a:off x="0" y="0"/>
+          <a:ext cx="0" cy="0"/>
+          <a:chOff x="0" y="0"/>
+          <a:chExt cx="0" cy="0"/>
+        </a:xfrm>
+      </p:grpSpPr>
+      <p:sp>
+        <p:nvSpPr>
+          <p:cNvPr id="2" name="テキスト プレースホルダー 1"/>
+          <p:cNvSpPr>
+            <a:spLocks noGrp="1"/>
+          </p:cNvSpPr>
+          <p:nvPr>
+            <p:ph type="body" sz="quarter" idx="10"/>
+          </p:nvPr>
+        </p:nvSpPr>
+        <p:spPr/>
+        <p:txBody>
+          <a:bodyPr/>
+          <a:lstStyle/>
+          <a:p>
+            <a:r>
+              <a:rPr lang="ja-JP" altLang="en-US" dirty="0" smtClean="0"/>
+              <a:t>課題</a:t>
+            </a:r>
+            <a:r>
+              <a:rPr lang="en-US" altLang="ja-JP" dirty="0" smtClean="0"/>
+              <a:t>1:</a:t>
+            </a:r>
+            <a:r>
+              <a:rPr lang="ja-JP" altLang="en-US" dirty="0" smtClean="0"/>
+              <a:t>コラッツ予想</a:t>
+            </a:r>
+            <a:endParaRPr kumimoji="1" lang="ja-JP" altLang="en-US" dirty="0"/>
+          </a:p>
+        </p:txBody>
+      </p:sp>
+      <p:sp>
+        <p:nvSpPr>
+          <p:cNvPr id="3" name="テキスト ボックス 2"/>
+          <p:cNvSpPr txBox="1"/>
+          <p:nvPr/>
+        </p:nvSpPr>
+        <p:spPr>
+          <a:xfrm>
+            <a:off x="251520" y="1196752"/>
+            <a:ext cx="5032147" cy="646331"/>
+          </a:xfrm>
+          <a:prstGeom prst="rect">
+            <a:avLst/>
+          </a:prstGeom>
+          <a:noFill/>
+        </p:spPr>
+        <p:txBody>
+          <a:bodyPr wrap="none" rtlCol="0">
+            <a:spAutoFit/>
+          </a:bodyPr>
+          <a:lstStyle/>
+          <a:p>
+            <a:r>
+              <a:rPr lang="ja-JP" altLang="en-US" sz="3600" dirty="0"/>
+              <a:t>何</a:t>
+            </a:r>
+            <a:r>
+              <a:rPr lang="ja-JP" altLang="en-US" sz="3600" dirty="0" smtClean="0"/>
+              <a:t>か正の整数</a:t>
+            </a:r>
+            <a:r>
+              <a:rPr lang="en-US" altLang="ja-JP" sz="3600" dirty="0" smtClean="0"/>
+              <a:t>n</a:t>
+            </a:r>
+            <a:r>
+              <a:rPr lang="ja-JP" altLang="en-US" sz="3600" dirty="0" smtClean="0"/>
+              <a:t>を考える</a:t>
+            </a:r>
+            <a:endParaRPr kumimoji="1" lang="ja-JP" altLang="en-US" sz="3600" dirty="0"/>
+          </a:p>
+        </p:txBody>
+      </p:sp>
+      <p:sp>
+        <p:nvSpPr>
+          <p:cNvPr id="4" name="テキスト ボックス 3"/>
+          <p:cNvSpPr txBox="1"/>
+          <p:nvPr/>
+        </p:nvSpPr>
+        <p:spPr>
+          <a:xfrm>
+            <a:off x="899592" y="2060848"/>
+            <a:ext cx="4801314" cy="707886"/>
+          </a:xfrm>
+          <a:prstGeom prst="rect">
+            <a:avLst/>
+          </a:prstGeom>
+          <a:noFill/>
+        </p:spPr>
+        <p:txBody>
+          <a:bodyPr wrap="none" rtlCol="0">
+            <a:spAutoFit/>
+          </a:bodyPr>
+          <a:lstStyle/>
+          <a:p>
+            <a:r>
+              <a:rPr lang="en-US" altLang="ja-JP" sz="4000" dirty="0" smtClean="0"/>
+              <a:t>n</a:t>
+            </a:r>
+            <a:r>
+              <a:rPr lang="ja-JP" altLang="en-US" sz="4000" dirty="0" smtClean="0"/>
+              <a:t>が偶数なら</a:t>
+            </a:r>
+            <a:r>
+              <a:rPr lang="en-US" altLang="ja-JP" sz="4000" dirty="0" smtClean="0"/>
+              <a:t>2</a:t>
+            </a:r>
+            <a:r>
+              <a:rPr lang="ja-JP" altLang="en-US" sz="4000" dirty="0" smtClean="0"/>
+              <a:t>で</a:t>
+            </a:r>
+            <a:r>
+              <a:rPr lang="ja-JP" altLang="en-US" sz="4000" dirty="0"/>
+              <a:t>割る</a:t>
+            </a:r>
+            <a:endParaRPr kumimoji="1" lang="ja-JP" altLang="en-US" sz="4000" dirty="0"/>
+          </a:p>
+        </p:txBody>
+      </p:sp>
+      <p:sp>
+        <p:nvSpPr>
+          <p:cNvPr id="5" name="テキスト ボックス 4"/>
+          <p:cNvSpPr txBox="1"/>
+          <p:nvPr/>
+        </p:nvSpPr>
+        <p:spPr>
+          <a:xfrm>
+            <a:off x="899592" y="2852936"/>
+            <a:ext cx="6596678" cy="707886"/>
+          </a:xfrm>
+          <a:prstGeom prst="rect">
+            <a:avLst/>
+          </a:prstGeom>
+          <a:noFill/>
+        </p:spPr>
+        <p:txBody>
+          <a:bodyPr wrap="none" rtlCol="0">
+            <a:spAutoFit/>
+          </a:bodyPr>
+          <a:lstStyle/>
+          <a:p>
+            <a:r>
+              <a:rPr lang="en-US" altLang="ja-JP" sz="4000" dirty="0" smtClean="0"/>
+              <a:t>n</a:t>
+            </a:r>
+            <a:r>
+              <a:rPr lang="ja-JP" altLang="en-US" sz="4000" dirty="0" smtClean="0"/>
+              <a:t>が奇数なら</a:t>
+            </a:r>
+            <a:r>
+              <a:rPr lang="en-US" altLang="ja-JP" sz="4000" dirty="0" smtClean="0"/>
+              <a:t>3</a:t>
+            </a:r>
+            <a:r>
+              <a:rPr lang="ja-JP" altLang="en-US" sz="4000" dirty="0" smtClean="0"/>
+              <a:t>倍して</a:t>
+            </a:r>
+            <a:r>
+              <a:rPr lang="en-US" altLang="ja-JP" sz="4000" dirty="0" smtClean="0"/>
+              <a:t>1</a:t>
+            </a:r>
+            <a:r>
+              <a:rPr lang="ja-JP" altLang="en-US" sz="4000" dirty="0" smtClean="0"/>
+              <a:t>を足す</a:t>
+            </a:r>
+            <a:endParaRPr kumimoji="1" lang="ja-JP" altLang="en-US" sz="4000" dirty="0"/>
+          </a:p>
+        </p:txBody>
+      </p:sp>
+      <p:sp>
+        <p:nvSpPr>
+          <p:cNvPr id="6" name="テキスト ボックス 5"/>
+          <p:cNvSpPr txBox="1"/>
+          <p:nvPr/>
+        </p:nvSpPr>
+        <p:spPr>
+          <a:xfrm>
+            <a:off x="179512" y="3717032"/>
+            <a:ext cx="8186857" cy="584775"/>
+          </a:xfrm>
+          <a:prstGeom prst="rect">
+            <a:avLst/>
+          </a:prstGeom>
+          <a:noFill/>
+        </p:spPr>
+        <p:txBody>
+          <a:bodyPr wrap="none" rtlCol="0">
+            <a:spAutoFit/>
+          </a:bodyPr>
+          <a:lstStyle/>
+          <a:p>
+            <a:r>
+              <a:rPr lang="ja-JP" altLang="en-US" sz="3200" dirty="0" smtClean="0"/>
+              <a:t>上記の操作を繰り返すと必ず最後は</a:t>
+            </a:r>
+            <a:r>
+              <a:rPr lang="en-US" altLang="ja-JP" sz="3200" dirty="0" smtClean="0"/>
+              <a:t>1</a:t>
+            </a:r>
+            <a:r>
+              <a:rPr lang="ja-JP" altLang="en-US" sz="3200" dirty="0" smtClean="0"/>
+              <a:t>になる</a:t>
+            </a:r>
+            <a:endParaRPr kumimoji="1" lang="ja-JP" altLang="en-US" sz="3200" dirty="0"/>
+          </a:p>
+        </p:txBody>
+      </p:sp>
+      <p:sp>
+        <p:nvSpPr>
+          <p:cNvPr id="9" name="テキスト ボックス 8"/>
+          <p:cNvSpPr txBox="1"/>
+          <p:nvPr/>
+        </p:nvSpPr>
+        <p:spPr>
+          <a:xfrm>
+            <a:off x="4932040" y="4509120"/>
+            <a:ext cx="3733714" cy="584775"/>
+          </a:xfrm>
+          <a:prstGeom prst="rect">
+            <a:avLst/>
+          </a:prstGeom>
+          <a:noFill/>
+        </p:spPr>
+        <p:txBody>
+          <a:bodyPr wrap="none" rtlCol="0">
+            <a:spAutoFit/>
+          </a:bodyPr>
+          <a:lstStyle/>
+          <a:p>
+            <a:r>
+              <a:rPr kumimoji="1" lang="ja-JP" altLang="en-US" sz="3200" dirty="0" smtClean="0"/>
+              <a:t>という予想</a:t>
+            </a:r>
+            <a:r>
+              <a:rPr kumimoji="1" lang="en-US" altLang="ja-JP" sz="3200" dirty="0" smtClean="0"/>
+              <a:t>(</a:t>
+            </a:r>
+            <a:r>
+              <a:rPr kumimoji="1" lang="ja-JP" altLang="en-US" sz="3200" dirty="0" smtClean="0"/>
+              <a:t>未解決</a:t>
+            </a:r>
+            <a:r>
+              <a:rPr kumimoji="1" lang="en-US" altLang="ja-JP" sz="3200" dirty="0" smtClean="0"/>
+              <a:t>)</a:t>
+            </a:r>
+            <a:endParaRPr kumimoji="1" lang="ja-JP" altLang="en-US" sz="3200" dirty="0"/>
+          </a:p>
+        </p:txBody>
+      </p:sp>
+      <p:sp>
+        <p:nvSpPr>
+          <p:cNvPr id="10" name="テキスト ボックス 9"/>
+          <p:cNvSpPr txBox="1"/>
+          <p:nvPr/>
+        </p:nvSpPr>
+        <p:spPr>
+          <a:xfrm>
+            <a:off x="2267744" y="5517232"/>
+            <a:ext cx="4544834" cy="707886"/>
+          </a:xfrm>
+          <a:prstGeom prst="rect">
+            <a:avLst/>
+          </a:prstGeom>
+          <a:noFill/>
+        </p:spPr>
+        <p:txBody>
+          <a:bodyPr wrap="none" rtlCol="0">
+            <a:spAutoFit/>
+          </a:bodyPr>
+          <a:lstStyle/>
+          <a:p>
+            <a:r>
+              <a:rPr kumimoji="1" lang="en-US" altLang="ja-JP" sz="4000" dirty="0" smtClean="0"/>
+              <a:t>5</a:t>
+            </a:r>
+            <a:r>
+              <a:rPr kumimoji="1" lang="ja-JP" altLang="en-US" sz="4000" dirty="0" smtClean="0"/>
+              <a:t>→</a:t>
+            </a:r>
+            <a:r>
+              <a:rPr kumimoji="1" lang="en-US" altLang="ja-JP" sz="4000" dirty="0" smtClean="0"/>
+              <a:t>16</a:t>
+            </a:r>
+            <a:r>
+              <a:rPr kumimoji="1" lang="ja-JP" altLang="en-US" sz="4000" dirty="0" smtClean="0"/>
+              <a:t>→</a:t>
+            </a:r>
+            <a:r>
+              <a:rPr kumimoji="1" lang="en-US" altLang="ja-JP" sz="4000" dirty="0" smtClean="0"/>
+              <a:t>8</a:t>
+            </a:r>
+            <a:r>
+              <a:rPr kumimoji="1" lang="ja-JP" altLang="en-US" sz="4000" dirty="0" smtClean="0"/>
+              <a:t>→</a:t>
+            </a:r>
+            <a:r>
+              <a:rPr kumimoji="1" lang="en-US" altLang="ja-JP" sz="4000" dirty="0" smtClean="0"/>
+              <a:t>4</a:t>
+            </a:r>
+            <a:r>
+              <a:rPr kumimoji="1" lang="ja-JP" altLang="en-US" sz="4000" dirty="0" smtClean="0"/>
+              <a:t>→</a:t>
+            </a:r>
+            <a:r>
+              <a:rPr kumimoji="1" lang="en-US" altLang="ja-JP" sz="4000" dirty="0" smtClean="0"/>
+              <a:t>2</a:t>
+            </a:r>
+            <a:r>
+              <a:rPr kumimoji="1" lang="ja-JP" altLang="en-US" sz="4000" dirty="0" smtClean="0"/>
+              <a:t>→</a:t>
+            </a:r>
+            <a:r>
+              <a:rPr kumimoji="1" lang="en-US" altLang="ja-JP" sz="4000" dirty="0" smtClean="0"/>
+              <a:t>1</a:t>
+            </a:r>
+            <a:endParaRPr kumimoji="1" lang="ja-JP" altLang="en-US" sz="4000" dirty="0"/>
+          </a:p>
+        </p:txBody>
+      </p:sp>
+      <p:sp>
+        <p:nvSpPr>
+          <p:cNvPr id="11" name="テキスト ボックス 10"/>
+          <p:cNvSpPr txBox="1"/>
+          <p:nvPr/>
+        </p:nvSpPr>
+        <p:spPr>
+          <a:xfrm>
+            <a:off x="1115616" y="5589240"/>
+            <a:ext cx="1005403" cy="584775"/>
+          </a:xfrm>
+          <a:prstGeom prst="rect">
+            <a:avLst/>
+          </a:prstGeom>
+          <a:noFill/>
+        </p:spPr>
+        <p:txBody>
+          <a:bodyPr wrap="none" rtlCol="0">
+            <a:spAutoFit/>
+          </a:bodyPr>
+          <a:lstStyle/>
+          <a:p>
+            <a:r>
+              <a:rPr kumimoji="1" lang="ja-JP" altLang="en-US" sz="3200" dirty="0" smtClean="0"/>
+              <a:t>例：</a:t>
+            </a:r>
+            <a:endParaRPr kumimoji="1" lang="ja-JP" altLang="en-US" sz="3200" dirty="0"/>
+          </a:p>
+        </p:txBody>
+      </p:sp>
+    </p:spTree>
+    <p:extLst>
+      <p:ext uri="{BB962C8B-B14F-4D97-AF65-F5344CB8AC3E}">
+        <p14:creationId xmlns:p14="http://schemas.microsoft.com/office/powerpoint/2010/main" val="2997598332"/>
+      </p:ext>
+    </p:extLst>
+  </p:cSld>
+  <p:clrMapOvr>
+    <a:masterClrMapping/>
+  </p:clrMapOvr>
+</p:sld>
+</file>
+
+<file path=ppt/slides/slide25.xml><?xml version="1.0" encoding="utf-8"?>
+<p:sld xmlns:a="http://schemas.openxmlformats.org/drawingml/2006/main" xmlns:r="http://schemas.openxmlformats.org/officeDocument/2006/relationships" xmlns:p="http://schemas.openxmlformats.org/presentationml/2006/main">
+  <p:cSld>
+    <p:spTree>
+      <p:nvGrpSpPr>
+        <p:cNvPr id="1" name=""/>
+        <p:cNvGrpSpPr/>
+        <p:nvPr/>
+      </p:nvGrpSpPr>
+      <p:grpSpPr>
+        <a:xfrm>
+          <a:off x="0" y="0"/>
+          <a:ext cx="0" cy="0"/>
+          <a:chOff x="0" y="0"/>
+          <a:chExt cx="0" cy="0"/>
+        </a:xfrm>
+      </p:grpSpPr>
+      <p:sp>
+        <p:nvSpPr>
+          <p:cNvPr id="2" name="テキスト プレースホルダー 1"/>
+          <p:cNvSpPr>
+            <a:spLocks noGrp="1"/>
+          </p:cNvSpPr>
+          <p:nvPr>
+            <p:ph type="body" sz="quarter" idx="10"/>
+          </p:nvPr>
+        </p:nvSpPr>
+        <p:spPr/>
+        <p:txBody>
+          <a:bodyPr/>
+          <a:lstStyle/>
+          <a:p>
+            <a:r>
+              <a:rPr lang="ja-JP" altLang="en-US" dirty="0" smtClean="0"/>
+              <a:t>課題</a:t>
+            </a:r>
+            <a:r>
+              <a:rPr lang="en-US" altLang="ja-JP" dirty="0" smtClean="0"/>
+              <a:t>1-1</a:t>
+            </a:r>
+            <a:r>
+              <a:rPr lang="ja-JP" altLang="en-US" dirty="0" smtClean="0"/>
+              <a:t>：コラッツ数列の確認</a:t>
+            </a:r>
+            <a:endParaRPr kumimoji="1" lang="ja-JP" altLang="en-US" dirty="0"/>
+          </a:p>
+        </p:txBody>
+      </p:sp>
+      <p:sp>
+        <p:nvSpPr>
+          <p:cNvPr id="4" name="テキスト ボックス 3"/>
+          <p:cNvSpPr txBox="1"/>
+          <p:nvPr/>
+        </p:nvSpPr>
+        <p:spPr>
+          <a:xfrm>
+            <a:off x="467544" y="1124744"/>
+            <a:ext cx="6955750" cy="830997"/>
+          </a:xfrm>
+          <a:prstGeom prst="rect">
+            <a:avLst/>
+          </a:prstGeom>
+          <a:noFill/>
+        </p:spPr>
+        <p:txBody>
+          <a:bodyPr wrap="none" rtlCol="0">
+            <a:spAutoFit/>
+          </a:bodyPr>
+          <a:lstStyle/>
+          <a:p>
+            <a:r>
+              <a:rPr kumimoji="1" lang="ja-JP" altLang="en-US" sz="2400" dirty="0" smtClean="0"/>
+              <a:t>任意の数字</a:t>
+            </a:r>
+            <a:r>
+              <a:rPr kumimoji="1" lang="en-US" altLang="ja-JP" sz="2400" dirty="0" smtClean="0"/>
+              <a:t>n</a:t>
+            </a:r>
+            <a:r>
+              <a:rPr lang="ja-JP" altLang="en-US" sz="2400" dirty="0" smtClean="0"/>
+              <a:t>について、</a:t>
+            </a:r>
+            <a:r>
+              <a:rPr kumimoji="1" lang="en-US" altLang="ja-JP" sz="2400" dirty="0" smtClean="0"/>
+              <a:t>1</a:t>
+            </a:r>
+            <a:r>
+              <a:rPr kumimoji="1" lang="ja-JP" altLang="en-US" sz="2400" dirty="0" smtClean="0"/>
+              <a:t>になるまで以下の手続き</a:t>
+            </a:r>
+            <a:endParaRPr kumimoji="1" lang="en-US" altLang="ja-JP" sz="2400" dirty="0" smtClean="0"/>
+          </a:p>
+          <a:p>
+            <a:r>
+              <a:rPr kumimoji="1" lang="ja-JP" altLang="en-US" sz="2400" dirty="0" smtClean="0"/>
+              <a:t>を繰り返す関数を作れ</a:t>
+            </a:r>
+            <a:endParaRPr kumimoji="1" lang="ja-JP" altLang="en-US" sz="2400" dirty="0"/>
+          </a:p>
+        </p:txBody>
+      </p:sp>
+      <p:sp>
+        <p:nvSpPr>
+          <p:cNvPr id="5" name="テキスト ボックス 4"/>
+          <p:cNvSpPr txBox="1"/>
+          <p:nvPr/>
+        </p:nvSpPr>
+        <p:spPr>
+          <a:xfrm>
+            <a:off x="1633989" y="3060249"/>
+            <a:ext cx="3877985" cy="584775"/>
+          </a:xfrm>
+          <a:prstGeom prst="rect">
+            <a:avLst/>
+          </a:prstGeom>
+          <a:noFill/>
+        </p:spPr>
+        <p:txBody>
+          <a:bodyPr wrap="none" rtlCol="0">
+            <a:spAutoFit/>
+          </a:bodyPr>
+          <a:lstStyle/>
+          <a:p>
+            <a:r>
+              <a:rPr lang="en-US" altLang="ja-JP" sz="3200" dirty="0" smtClean="0"/>
+              <a:t>n</a:t>
+            </a:r>
+            <a:r>
+              <a:rPr lang="ja-JP" altLang="en-US" sz="3200" dirty="0" smtClean="0"/>
+              <a:t>が偶数なら</a:t>
+            </a:r>
+            <a:r>
+              <a:rPr lang="en-US" altLang="ja-JP" sz="3200" dirty="0" smtClean="0"/>
+              <a:t>2</a:t>
+            </a:r>
+            <a:r>
+              <a:rPr lang="ja-JP" altLang="en-US" sz="3200" dirty="0" smtClean="0"/>
+              <a:t>で</a:t>
+            </a:r>
+            <a:r>
+              <a:rPr lang="ja-JP" altLang="en-US" sz="3200" dirty="0"/>
+              <a:t>割る</a:t>
+            </a:r>
+            <a:endParaRPr kumimoji="1" lang="ja-JP" altLang="en-US" sz="3200" dirty="0"/>
+          </a:p>
+        </p:txBody>
+      </p:sp>
+      <p:sp>
+        <p:nvSpPr>
+          <p:cNvPr id="6" name="テキスト ボックス 5"/>
+          <p:cNvSpPr txBox="1"/>
+          <p:nvPr/>
+        </p:nvSpPr>
+        <p:spPr>
+          <a:xfrm>
+            <a:off x="1633989" y="3708321"/>
+            <a:ext cx="5314275" cy="584775"/>
+          </a:xfrm>
+          <a:prstGeom prst="rect">
+            <a:avLst/>
+          </a:prstGeom>
+          <a:noFill/>
+        </p:spPr>
+        <p:txBody>
+          <a:bodyPr wrap="none" rtlCol="0">
+            <a:spAutoFit/>
+          </a:bodyPr>
+          <a:lstStyle/>
+          <a:p>
+            <a:r>
+              <a:rPr lang="en-US" altLang="ja-JP" sz="3200" dirty="0" smtClean="0"/>
+              <a:t>n</a:t>
+            </a:r>
+            <a:r>
+              <a:rPr lang="ja-JP" altLang="en-US" sz="3200" dirty="0" smtClean="0"/>
+              <a:t>が奇数なら</a:t>
+            </a:r>
+            <a:r>
+              <a:rPr lang="en-US" altLang="ja-JP" sz="3200" dirty="0" smtClean="0"/>
+              <a:t>3</a:t>
+            </a:r>
+            <a:r>
+              <a:rPr lang="ja-JP" altLang="en-US" sz="3200" dirty="0" smtClean="0"/>
+              <a:t>倍して</a:t>
+            </a:r>
+            <a:r>
+              <a:rPr lang="en-US" altLang="ja-JP" sz="3200" dirty="0" smtClean="0"/>
+              <a:t>1</a:t>
+            </a:r>
+            <a:r>
+              <a:rPr lang="ja-JP" altLang="en-US" sz="3200" dirty="0" smtClean="0"/>
+              <a:t>を足す</a:t>
+            </a:r>
+            <a:endParaRPr kumimoji="1" lang="ja-JP" altLang="en-US" sz="3200" dirty="0"/>
+          </a:p>
+        </p:txBody>
+      </p:sp>
+      <p:sp>
+        <p:nvSpPr>
+          <p:cNvPr id="7" name="テキスト ボックス 6"/>
+          <p:cNvSpPr txBox="1"/>
+          <p:nvPr/>
+        </p:nvSpPr>
+        <p:spPr>
+          <a:xfrm>
+            <a:off x="1057925" y="2484185"/>
+            <a:ext cx="3467616" cy="584775"/>
+          </a:xfrm>
+          <a:prstGeom prst="rect">
+            <a:avLst/>
+          </a:prstGeom>
+          <a:noFill/>
+        </p:spPr>
+        <p:txBody>
+          <a:bodyPr wrap="none" rtlCol="0">
+            <a:spAutoFit/>
+          </a:bodyPr>
+          <a:lstStyle/>
+          <a:p>
+            <a:r>
+              <a:rPr kumimoji="1" lang="en-US" altLang="ja-JP" sz="3200" dirty="0" smtClean="0"/>
+              <a:t>n</a:t>
+            </a:r>
+            <a:r>
+              <a:rPr kumimoji="1" lang="ja-JP" altLang="en-US" sz="3200" dirty="0" smtClean="0"/>
+              <a:t>が</a:t>
+            </a:r>
+            <a:r>
+              <a:rPr kumimoji="1" lang="en-US" altLang="ja-JP" sz="3200" dirty="0" smtClean="0"/>
+              <a:t>1</a:t>
+            </a:r>
+            <a:r>
+              <a:rPr kumimoji="1" lang="ja-JP" altLang="en-US" sz="3200" dirty="0" smtClean="0"/>
+              <a:t>でない限り</a:t>
+            </a:r>
+            <a:r>
+              <a:rPr lang="ja-JP" altLang="en-US" sz="3200" dirty="0"/>
+              <a:t>：</a:t>
+            </a:r>
+            <a:endParaRPr kumimoji="1" lang="en-US" altLang="ja-JP" sz="3200" dirty="0" smtClean="0"/>
+          </a:p>
+        </p:txBody>
+      </p:sp>
+    </p:spTree>
+    <p:extLst>
+      <p:ext uri="{BB962C8B-B14F-4D97-AF65-F5344CB8AC3E}">
+        <p14:creationId xmlns:p14="http://schemas.microsoft.com/office/powerpoint/2010/main" val="1871973069"/>
+      </p:ext>
+    </p:extLst>
+  </p:cSld>
+  <p:clrMapOvr>
+    <a:masterClrMapping/>
+  </p:clrMapOvr>
+</p:sld>
+</file>
+
+<file path=ppt/slides/slide26.xml><?xml version="1.0" encoding="utf-8"?>
+<p:sld xmlns:a="http://schemas.openxmlformats.org/drawingml/2006/main" xmlns:r="http://schemas.openxmlformats.org/officeDocument/2006/relationships" xmlns:p="http://schemas.openxmlformats.org/presentationml/2006/main">
+  <p:cSld>
+    <p:spTree>
+      <p:nvGrpSpPr>
+        <p:cNvPr id="1" name=""/>
+        <p:cNvGrpSpPr/>
+        <p:nvPr/>
+      </p:nvGrpSpPr>
+      <p:grpSpPr>
+        <a:xfrm>
+          <a:off x="0" y="0"/>
+          <a:ext cx="0" cy="0"/>
+          <a:chOff x="0" y="0"/>
+          <a:chExt cx="0" cy="0"/>
+        </a:xfrm>
+      </p:grpSpPr>
+      <p:sp>
+        <p:nvSpPr>
+          <p:cNvPr id="2" name="テキスト プレースホルダー 1"/>
+          <p:cNvSpPr>
+            <a:spLocks noGrp="1"/>
+          </p:cNvSpPr>
+          <p:nvPr>
+            <p:ph type="body" sz="quarter" idx="10"/>
+          </p:nvPr>
+        </p:nvSpPr>
+        <p:spPr/>
+        <p:txBody>
+          <a:bodyPr/>
+          <a:lstStyle/>
+          <a:p>
+            <a:r>
+              <a:rPr kumimoji="1" lang="ja-JP" altLang="en-US" dirty="0" smtClean="0"/>
+              <a:t>課題</a:t>
+            </a:r>
+            <a:r>
+              <a:rPr kumimoji="1" lang="en-US" altLang="ja-JP" dirty="0" smtClean="0"/>
+              <a:t>1-2</a:t>
+            </a:r>
+            <a:r>
+              <a:rPr kumimoji="1" lang="ja-JP" altLang="en-US" dirty="0" smtClean="0"/>
+              <a:t>：コラッツ</a:t>
+            </a:r>
+            <a:r>
+              <a:rPr lang="ja-JP" altLang="en-US" dirty="0" smtClean="0"/>
+              <a:t>問題の可視化</a:t>
+            </a:r>
+            <a:endParaRPr kumimoji="1" lang="ja-JP" altLang="en-US" dirty="0"/>
+          </a:p>
+        </p:txBody>
+      </p:sp>
+      <p:sp>
+        <p:nvSpPr>
+          <p:cNvPr id="3" name="テキスト ボックス 2"/>
+          <p:cNvSpPr txBox="1"/>
+          <p:nvPr/>
+        </p:nvSpPr>
+        <p:spPr>
+          <a:xfrm>
+            <a:off x="3131840" y="1556792"/>
+            <a:ext cx="4544834" cy="707886"/>
+          </a:xfrm>
+          <a:prstGeom prst="rect">
+            <a:avLst/>
+          </a:prstGeom>
+          <a:noFill/>
+        </p:spPr>
+        <p:txBody>
+          <a:bodyPr wrap="none" rtlCol="0">
+            <a:spAutoFit/>
+          </a:bodyPr>
+          <a:lstStyle/>
+          <a:p>
+            <a:r>
+              <a:rPr kumimoji="1" lang="en-US" altLang="ja-JP" sz="4000" dirty="0" smtClean="0">
+                <a:solidFill>
+                  <a:srgbClr val="FF0000"/>
+                </a:solidFill>
+              </a:rPr>
+              <a:t>5</a:t>
+            </a:r>
+            <a:r>
+              <a:rPr kumimoji="1" lang="ja-JP" altLang="en-US" sz="4000" dirty="0" smtClean="0"/>
+              <a:t>→</a:t>
+            </a:r>
+            <a:r>
+              <a:rPr kumimoji="1" lang="en-US" altLang="ja-JP" sz="4000" dirty="0" smtClean="0"/>
+              <a:t>16</a:t>
+            </a:r>
+            <a:r>
+              <a:rPr kumimoji="1" lang="ja-JP" altLang="en-US" sz="4000" dirty="0" smtClean="0"/>
+              <a:t>→</a:t>
+            </a:r>
+            <a:r>
+              <a:rPr kumimoji="1" lang="en-US" altLang="ja-JP" sz="4000" dirty="0" smtClean="0"/>
+              <a:t>8</a:t>
+            </a:r>
+            <a:r>
+              <a:rPr kumimoji="1" lang="ja-JP" altLang="en-US" sz="4000" dirty="0" smtClean="0"/>
+              <a:t>→</a:t>
+            </a:r>
+            <a:r>
+              <a:rPr kumimoji="1" lang="en-US" altLang="ja-JP" sz="4000" dirty="0" smtClean="0"/>
+              <a:t>4</a:t>
+            </a:r>
+            <a:r>
+              <a:rPr kumimoji="1" lang="ja-JP" altLang="en-US" sz="4000" dirty="0" smtClean="0"/>
+              <a:t>→</a:t>
+            </a:r>
+            <a:r>
+              <a:rPr kumimoji="1" lang="en-US" altLang="ja-JP" sz="4000" dirty="0" smtClean="0"/>
+              <a:t>2</a:t>
+            </a:r>
+            <a:r>
+              <a:rPr kumimoji="1" lang="ja-JP" altLang="en-US" sz="4000" dirty="0" smtClean="0"/>
+              <a:t>→</a:t>
+            </a:r>
+            <a:r>
+              <a:rPr kumimoji="1" lang="en-US" altLang="ja-JP" sz="4000" dirty="0" smtClean="0"/>
+              <a:t>1</a:t>
+            </a:r>
+            <a:endParaRPr kumimoji="1" lang="ja-JP" altLang="en-US" sz="4000" dirty="0"/>
+          </a:p>
+        </p:txBody>
+      </p:sp>
+      <p:sp>
+        <p:nvSpPr>
+          <p:cNvPr id="4" name="テキスト ボックス 3"/>
+          <p:cNvSpPr txBox="1"/>
+          <p:nvPr/>
+        </p:nvSpPr>
+        <p:spPr>
+          <a:xfrm>
+            <a:off x="1403648" y="2564904"/>
+            <a:ext cx="1467068" cy="707886"/>
+          </a:xfrm>
+          <a:prstGeom prst="rect">
+            <a:avLst/>
+          </a:prstGeom>
+          <a:noFill/>
+        </p:spPr>
+        <p:txBody>
+          <a:bodyPr wrap="none" rtlCol="0">
+            <a:spAutoFit/>
+          </a:bodyPr>
+          <a:lstStyle/>
+          <a:p>
+            <a:r>
+              <a:rPr kumimoji="1" lang="en-US" altLang="ja-JP" sz="4000" dirty="0" smtClean="0">
+                <a:solidFill>
+                  <a:srgbClr val="FF0000"/>
+                </a:solidFill>
+              </a:rPr>
+              <a:t>3</a:t>
+            </a:r>
+            <a:r>
+              <a:rPr kumimoji="1" lang="ja-JP" altLang="en-US" sz="4000" dirty="0" smtClean="0"/>
+              <a:t>→</a:t>
+            </a:r>
+            <a:r>
+              <a:rPr kumimoji="1" lang="en-US" altLang="ja-JP" sz="4000" dirty="0" smtClean="0"/>
+              <a:t>10</a:t>
+            </a:r>
+            <a:endParaRPr kumimoji="1" lang="ja-JP" altLang="en-US" sz="4000" dirty="0"/>
+          </a:p>
+        </p:txBody>
+      </p:sp>
+      <p:cxnSp>
+        <p:nvCxnSpPr>
+          <p:cNvPr id="6" name="直線矢印コネクタ 5"/>
+          <p:cNvCxnSpPr/>
+          <p:nvPr/>
+        </p:nvCxnSpPr>
+        <p:spPr>
+          <a:xfrm flipV="1">
+            <a:off x="2843808" y="2204864"/>
+            <a:ext cx="432048" cy="576064"/>
+          </a:xfrm>
+          <a:prstGeom prst="straightConnector1">
+            <a:avLst/>
+          </a:prstGeom>
+          <a:ln>
+            <a:solidFill>
+              <a:schemeClr val="tx1"/>
+            </a:solidFill>
+            <a:headEnd type="none" w="med" len="med"/>
+            <a:tailEnd type="triangle"/>
+          </a:ln>
+        </p:spPr>
+        <p:style>
+          <a:lnRef idx="1">
+            <a:schemeClr val="accent1"/>
+          </a:lnRef>
+          <a:fillRef idx="0">
+            <a:schemeClr val="accent1"/>
+          </a:fillRef>
+          <a:effectRef idx="0">
+            <a:schemeClr val="accent1"/>
+          </a:effectRef>
+          <a:fontRef idx="minor">
+            <a:schemeClr val="tx1"/>
+          </a:fontRef>
+        </p:style>
+      </p:cxnSp>
+      <p:sp>
+        <p:nvSpPr>
+          <p:cNvPr id="8" name="テキスト ボックス 7"/>
+          <p:cNvSpPr txBox="1"/>
+          <p:nvPr/>
+        </p:nvSpPr>
+        <p:spPr>
+          <a:xfrm>
+            <a:off x="395536" y="3573016"/>
+            <a:ext cx="8494633" cy="461665"/>
+          </a:xfrm>
+          <a:prstGeom prst="rect">
+            <a:avLst/>
+          </a:prstGeom>
+          <a:noFill/>
+        </p:spPr>
+        <p:txBody>
+          <a:bodyPr wrap="none" rtlCol="0">
+            <a:spAutoFit/>
+          </a:bodyPr>
+          <a:lstStyle/>
+          <a:p>
+            <a:r>
+              <a:rPr lang="en-US" altLang="ja-JP" sz="2400" dirty="0" smtClean="0"/>
+              <a:t>3</a:t>
+            </a:r>
+            <a:r>
+              <a:rPr lang="ja-JP" altLang="en-US" sz="2400" dirty="0" smtClean="0"/>
+              <a:t>からスタートした場合、</a:t>
+            </a:r>
+            <a:r>
+              <a:rPr lang="en-US" altLang="ja-JP" sz="2400" dirty="0" smtClean="0"/>
+              <a:t>5</a:t>
+            </a:r>
+            <a:r>
+              <a:rPr lang="ja-JP" altLang="en-US" sz="2400" dirty="0" smtClean="0"/>
+              <a:t>からスタートした数列に合流する</a:t>
+            </a:r>
+            <a:endParaRPr kumimoji="1" lang="ja-JP" altLang="en-US" sz="2400" dirty="0"/>
+          </a:p>
+        </p:txBody>
+      </p:sp>
+      <p:sp>
+        <p:nvSpPr>
+          <p:cNvPr id="9" name="テキスト ボックス 8"/>
+          <p:cNvSpPr txBox="1"/>
+          <p:nvPr/>
+        </p:nvSpPr>
+        <p:spPr>
+          <a:xfrm>
+            <a:off x="395536" y="4149080"/>
+            <a:ext cx="3877985" cy="461665"/>
+          </a:xfrm>
+          <a:prstGeom prst="rect">
+            <a:avLst/>
+          </a:prstGeom>
+          <a:noFill/>
+        </p:spPr>
+        <p:txBody>
+          <a:bodyPr wrap="none" rtlCol="0">
+            <a:spAutoFit/>
+          </a:bodyPr>
+          <a:lstStyle/>
+          <a:p>
+            <a:r>
+              <a:rPr kumimoji="1" lang="ja-JP" altLang="en-US" sz="2400" dirty="0" smtClean="0"/>
+              <a:t>このつながりを可視化する</a:t>
+            </a:r>
+            <a:endParaRPr kumimoji="1" lang="ja-JP" altLang="en-US" sz="2400" dirty="0"/>
+          </a:p>
+        </p:txBody>
+      </p:sp>
+      <p:sp>
+        <p:nvSpPr>
+          <p:cNvPr id="10" name="テキスト ボックス 9"/>
+          <p:cNvSpPr txBox="1"/>
+          <p:nvPr/>
+        </p:nvSpPr>
+        <p:spPr>
+          <a:xfrm>
+            <a:off x="683568" y="5517232"/>
+            <a:ext cx="7366119" cy="954107"/>
+          </a:xfrm>
+          <a:prstGeom prst="rect">
+            <a:avLst/>
+          </a:prstGeom>
+          <a:noFill/>
+        </p:spPr>
+        <p:txBody>
+          <a:bodyPr wrap="none" rtlCol="0">
+            <a:spAutoFit/>
+          </a:bodyPr>
+          <a:lstStyle/>
+          <a:p>
+            <a:r>
+              <a:rPr lang="ja-JP" altLang="en-US" sz="2800" dirty="0" smtClean="0"/>
+              <a:t>コラッツ予想＝このつながりが木構造を作る</a:t>
+            </a:r>
+            <a:endParaRPr lang="en-US" altLang="ja-JP" sz="2800" dirty="0" smtClean="0"/>
+          </a:p>
+          <a:p>
+            <a:r>
+              <a:rPr kumimoji="1" lang="en-US" altLang="ja-JP" sz="2800" dirty="0"/>
+              <a:t> </a:t>
+            </a:r>
+            <a:r>
+              <a:rPr kumimoji="1" lang="en-US" altLang="ja-JP" sz="2800" dirty="0" smtClean="0"/>
+              <a:t>                         (</a:t>
+            </a:r>
+            <a:r>
+              <a:rPr kumimoji="1" lang="ja-JP" altLang="en-US" sz="2800" dirty="0" smtClean="0"/>
+              <a:t>ループを作らない</a:t>
+            </a:r>
+            <a:r>
+              <a:rPr kumimoji="1" lang="en-US" altLang="ja-JP" sz="2800" dirty="0" smtClean="0"/>
+              <a:t>)</a:t>
+            </a:r>
+            <a:endParaRPr kumimoji="1" lang="ja-JP" altLang="en-US" sz="2800" dirty="0"/>
+          </a:p>
+        </p:txBody>
+      </p:sp>
+    </p:spTree>
+    <p:extLst>
+      <p:ext uri="{BB962C8B-B14F-4D97-AF65-F5344CB8AC3E}">
+        <p14:creationId xmlns:p14="http://schemas.microsoft.com/office/powerpoint/2010/main" val="332100707"/>
+      </p:ext>
+    </p:extLst>
+  </p:cSld>
+  <p:clrMapOvr>
+    <a:masterClrMapping/>
+  </p:clrMapOvr>
+</p:sld>
+</file>
+
+<file path=ppt/slides/slide27.xml><?xml version="1.0" encoding="utf-8"?>
+<p:sld xmlns:a="http://schemas.openxmlformats.org/drawingml/2006/main" xmlns:r="http://schemas.openxmlformats.org/officeDocument/2006/relationships" xmlns:p="http://schemas.openxmlformats.org/presentationml/2006/main">
+  <p:cSld>
+    <p:spTree>
+      <p:nvGrpSpPr>
+        <p:cNvPr id="1" name=""/>
+        <p:cNvGrpSpPr/>
+        <p:nvPr/>
+      </p:nvGrpSpPr>
+      <p:grpSpPr>
+        <a:xfrm>
+          <a:off x="0" y="0"/>
+          <a:ext cx="0" cy="0"/>
+          <a:chOff x="0" y="0"/>
+          <a:chExt cx="0" cy="0"/>
+        </a:xfrm>
+      </p:grpSpPr>
+      <p:sp>
+        <p:nvSpPr>
+          <p:cNvPr id="2" name="テキスト プレースホルダー 1"/>
+          <p:cNvSpPr>
+            <a:spLocks noGrp="1"/>
+          </p:cNvSpPr>
+          <p:nvPr>
+            <p:ph type="body" sz="quarter" idx="10"/>
+          </p:nvPr>
+        </p:nvSpPr>
+        <p:spPr/>
+        <p:txBody>
+          <a:bodyPr/>
+          <a:lstStyle/>
+          <a:p>
+            <a:r>
+              <a:rPr kumimoji="1" lang="ja-JP" altLang="en-US" dirty="0" smtClean="0"/>
+              <a:t>発展課題：修正コラッツ問題</a:t>
+            </a:r>
+            <a:endParaRPr kumimoji="1" lang="ja-JP" altLang="en-US" dirty="0"/>
+          </a:p>
+        </p:txBody>
+      </p:sp>
+    </p:spTree>
+    <p:extLst>
+      <p:ext uri="{BB962C8B-B14F-4D97-AF65-F5344CB8AC3E}">
+        <p14:creationId xmlns:p14="http://schemas.microsoft.com/office/powerpoint/2010/main" val="752475619"/>
       </p:ext>
     </p:extLst>
   </p:cSld>

--- a/scope/fig/slide.pptx
+++ b/scope/fig/slide.pptx
@@ -233,7 +233,7 @@
           </a:lstStyle>
           <a:p>
             <a:fld id="{6B8D1B20-A248-FB47-8240-73C0C5F47C9D}" type="datetimeFigureOut">
-              <a:t>2019/9/27</a:t>
+              <a:t>2019/9/28</a:t>
             </a:fld>
             <a:endParaRPr kumimoji="1" lang="ja-JP" altLang="en-US"/>
           </a:p>
@@ -11247,9 +11247,260 @@
           <a:p>
             <a:r>
               <a:rPr kumimoji="1" lang="ja-JP" altLang="en-US" dirty="0" smtClean="0"/>
-              <a:t>発展課題：修正コラッツ問題</a:t>
+              <a:t>発展課題</a:t>
+            </a:r>
+            <a:r>
+              <a:rPr kumimoji="1" lang="ja-JP" altLang="en-US" dirty="0" smtClean="0"/>
+              <a:t>：拡張コラッツ</a:t>
+            </a:r>
+            <a:r>
+              <a:rPr kumimoji="1" lang="ja-JP" altLang="en-US" dirty="0" smtClean="0"/>
+              <a:t>問題</a:t>
             </a:r>
             <a:endParaRPr kumimoji="1" lang="ja-JP" altLang="en-US" dirty="0"/>
+          </a:p>
+        </p:txBody>
+      </p:sp>
+      <p:sp>
+        <p:nvSpPr>
+          <p:cNvPr id="3" name="テキスト ボックス 2"/>
+          <p:cNvSpPr txBox="1"/>
+          <p:nvPr/>
+        </p:nvSpPr>
+        <p:spPr>
+          <a:xfrm>
+            <a:off x="467544" y="1124744"/>
+            <a:ext cx="8032968" cy="830997"/>
+          </a:xfrm>
+          <a:prstGeom prst="rect">
+            <a:avLst/>
+          </a:prstGeom>
+          <a:noFill/>
+        </p:spPr>
+        <p:txBody>
+          <a:bodyPr wrap="none" rtlCol="0">
+            <a:spAutoFit/>
+          </a:bodyPr>
+          <a:lstStyle/>
+          <a:p>
+            <a:r>
+              <a:rPr kumimoji="1" lang="ja-JP" altLang="en-US" sz="2400" dirty="0" smtClean="0"/>
+              <a:t>任意</a:t>
+            </a:r>
+            <a:r>
+              <a:rPr kumimoji="1" lang="ja-JP" altLang="en-US" sz="2400" dirty="0" smtClean="0"/>
+              <a:t>の</a:t>
+            </a:r>
+            <a:r>
+              <a:rPr lang="ja-JP" altLang="en-US" sz="2400" dirty="0" smtClean="0"/>
+              <a:t>正の整数</a:t>
+            </a:r>
+            <a:r>
+              <a:rPr kumimoji="1" lang="en-US" altLang="ja-JP" sz="2400" dirty="0" smtClean="0"/>
+              <a:t>n</a:t>
+            </a:r>
+            <a:r>
+              <a:rPr lang="ja-JP" altLang="en-US" sz="2400" dirty="0" smtClean="0"/>
+              <a:t>について</a:t>
+            </a:r>
+            <a:r>
+              <a:rPr lang="ja-JP" altLang="en-US" sz="2400" dirty="0" smtClean="0"/>
+              <a:t>、</a:t>
+            </a:r>
+            <a:r>
+              <a:rPr lang="en-US" altLang="ja-JP" sz="2400" dirty="0" smtClean="0">
+                <a:solidFill>
+                  <a:srgbClr val="FF0000"/>
+                </a:solidFill>
+              </a:rPr>
+              <a:t>3</a:t>
+            </a:r>
+            <a:r>
+              <a:rPr lang="ja-JP" altLang="en-US" sz="2400" dirty="0" smtClean="0">
+                <a:solidFill>
+                  <a:srgbClr val="FF0000"/>
+                </a:solidFill>
+              </a:rPr>
+              <a:t>か</a:t>
+            </a:r>
+            <a:r>
+              <a:rPr kumimoji="1" lang="en-US" altLang="ja-JP" sz="2400" dirty="0" smtClean="0">
+                <a:solidFill>
+                  <a:srgbClr val="FF0000"/>
+                </a:solidFill>
+              </a:rPr>
+              <a:t>1</a:t>
+            </a:r>
+            <a:r>
+              <a:rPr kumimoji="1" lang="ja-JP" altLang="en-US" sz="2400" dirty="0" smtClean="0"/>
+              <a:t>になるまで以下の手続き</a:t>
+            </a:r>
+            <a:endParaRPr kumimoji="1" lang="en-US" altLang="ja-JP" sz="2400" dirty="0" smtClean="0"/>
+          </a:p>
+          <a:p>
+            <a:r>
+              <a:rPr kumimoji="1" lang="ja-JP" altLang="en-US" sz="2400" dirty="0" smtClean="0"/>
+              <a:t>を繰り返す関数</a:t>
+            </a:r>
+            <a:r>
+              <a:rPr kumimoji="1" lang="ja-JP" altLang="en-US" sz="2400" dirty="0" smtClean="0"/>
+              <a:t>を</a:t>
+            </a:r>
+            <a:r>
+              <a:rPr lang="ja-JP" altLang="en-US" sz="2400" dirty="0" smtClean="0"/>
+              <a:t>作り、可視化せよ</a:t>
+            </a:r>
+            <a:endParaRPr kumimoji="1" lang="ja-JP" altLang="en-US" sz="2400" dirty="0"/>
+          </a:p>
+        </p:txBody>
+      </p:sp>
+      <p:sp>
+        <p:nvSpPr>
+          <p:cNvPr id="4" name="テキスト ボックス 3"/>
+          <p:cNvSpPr txBox="1"/>
+          <p:nvPr/>
+        </p:nvSpPr>
+        <p:spPr>
+          <a:xfrm>
+            <a:off x="1633989" y="3060249"/>
+            <a:ext cx="3877985" cy="584775"/>
+          </a:xfrm>
+          <a:prstGeom prst="rect">
+            <a:avLst/>
+          </a:prstGeom>
+          <a:noFill/>
+        </p:spPr>
+        <p:txBody>
+          <a:bodyPr wrap="none" rtlCol="0">
+            <a:spAutoFit/>
+          </a:bodyPr>
+          <a:lstStyle/>
+          <a:p>
+            <a:r>
+              <a:rPr lang="en-US" altLang="ja-JP" sz="3200" dirty="0" smtClean="0"/>
+              <a:t>n</a:t>
+            </a:r>
+            <a:r>
+              <a:rPr lang="ja-JP" altLang="en-US" sz="3200" dirty="0" smtClean="0"/>
+              <a:t>が偶数なら</a:t>
+            </a:r>
+            <a:r>
+              <a:rPr lang="en-US" altLang="ja-JP" sz="3200" dirty="0" smtClean="0"/>
+              <a:t>2</a:t>
+            </a:r>
+            <a:r>
+              <a:rPr lang="ja-JP" altLang="en-US" sz="3200" dirty="0" smtClean="0"/>
+              <a:t>で</a:t>
+            </a:r>
+            <a:r>
+              <a:rPr lang="ja-JP" altLang="en-US" sz="3200" dirty="0"/>
+              <a:t>割る</a:t>
+            </a:r>
+            <a:endParaRPr kumimoji="1" lang="ja-JP" altLang="en-US" sz="3200" dirty="0"/>
+          </a:p>
+        </p:txBody>
+      </p:sp>
+      <p:sp>
+        <p:nvSpPr>
+          <p:cNvPr id="5" name="テキスト ボックス 4"/>
+          <p:cNvSpPr txBox="1"/>
+          <p:nvPr/>
+        </p:nvSpPr>
+        <p:spPr>
+          <a:xfrm>
+            <a:off x="1633989" y="3708321"/>
+            <a:ext cx="5314275" cy="584775"/>
+          </a:xfrm>
+          <a:prstGeom prst="rect">
+            <a:avLst/>
+          </a:prstGeom>
+          <a:noFill/>
+        </p:spPr>
+        <p:txBody>
+          <a:bodyPr wrap="none" rtlCol="0">
+            <a:spAutoFit/>
+          </a:bodyPr>
+          <a:lstStyle/>
+          <a:p>
+            <a:r>
+              <a:rPr lang="en-US" altLang="ja-JP" sz="3200" dirty="0" smtClean="0"/>
+              <a:t>n</a:t>
+            </a:r>
+            <a:r>
+              <a:rPr lang="ja-JP" altLang="en-US" sz="3200" dirty="0" smtClean="0"/>
+              <a:t>が奇数なら</a:t>
+            </a:r>
+            <a:r>
+              <a:rPr lang="en-US" altLang="ja-JP" sz="3200" dirty="0" smtClean="0"/>
+              <a:t>3</a:t>
+            </a:r>
+            <a:r>
+              <a:rPr lang="ja-JP" altLang="en-US" sz="3200" dirty="0" smtClean="0"/>
+              <a:t>倍して</a:t>
+            </a:r>
+            <a:r>
+              <a:rPr lang="en-US" altLang="ja-JP" sz="3200" dirty="0">
+                <a:solidFill>
+                  <a:srgbClr val="FF0000"/>
+                </a:solidFill>
+              </a:rPr>
+              <a:t>3</a:t>
+            </a:r>
+            <a:r>
+              <a:rPr lang="ja-JP" altLang="en-US" sz="3200" dirty="0" smtClean="0"/>
+              <a:t>を</a:t>
+            </a:r>
+            <a:r>
+              <a:rPr lang="ja-JP" altLang="en-US" sz="3200" dirty="0" smtClean="0"/>
+              <a:t>足す</a:t>
+            </a:r>
+            <a:endParaRPr kumimoji="1" lang="ja-JP" altLang="en-US" sz="3200" dirty="0"/>
+          </a:p>
+        </p:txBody>
+      </p:sp>
+      <p:sp>
+        <p:nvSpPr>
+          <p:cNvPr id="6" name="テキスト ボックス 5"/>
+          <p:cNvSpPr txBox="1"/>
+          <p:nvPr/>
+        </p:nvSpPr>
+        <p:spPr>
+          <a:xfrm>
+            <a:off x="1057925" y="2484185"/>
+            <a:ext cx="3467616" cy="584775"/>
+          </a:xfrm>
+          <a:prstGeom prst="rect">
+            <a:avLst/>
+          </a:prstGeom>
+          <a:noFill/>
+        </p:spPr>
+        <p:txBody>
+          <a:bodyPr wrap="none" rtlCol="0">
+            <a:spAutoFit/>
+          </a:bodyPr>
+          <a:lstStyle/>
+          <a:p>
+            <a:r>
+              <a:rPr kumimoji="1" lang="en-US" altLang="ja-JP" sz="3200" dirty="0" smtClean="0"/>
+              <a:t>n</a:t>
+            </a:r>
+            <a:r>
+              <a:rPr kumimoji="1" lang="ja-JP" altLang="en-US" sz="3200" dirty="0" smtClean="0"/>
+              <a:t>が</a:t>
+            </a:r>
+            <a:r>
+              <a:rPr kumimoji="1" lang="en-US" altLang="ja-JP" sz="3200" dirty="0" smtClean="0"/>
+              <a:t>1</a:t>
+            </a:r>
+            <a:r>
+              <a:rPr kumimoji="1" lang="ja-JP" altLang="en-US" sz="3200" dirty="0" smtClean="0"/>
+              <a:t>でない限り</a:t>
+            </a:r>
+            <a:r>
+              <a:rPr lang="ja-JP" altLang="en-US" sz="3200" dirty="0"/>
+              <a:t>：</a:t>
+            </a:r>
+            <a:endParaRPr kumimoji="1" lang="en-US" altLang="ja-JP" sz="3200" dirty="0" smtClean="0"/>
           </a:p>
         </p:txBody>
       </p:sp>
